--- a/Presentation/Slides_TFE.pptx
+++ b/Presentation/Slides_TFE.pptx
@@ -8,24 +8,27 @@
   <p:sldIdLst>
     <p:sldId id="256" r:id="rId3"/>
     <p:sldId id="257" r:id="rId4"/>
-    <p:sldId id="258" r:id="rId5"/>
-    <p:sldId id="259" r:id="rId6"/>
-    <p:sldId id="260" r:id="rId7"/>
-    <p:sldId id="269" r:id="rId8"/>
-    <p:sldId id="270" r:id="rId9"/>
-    <p:sldId id="271" r:id="rId10"/>
-    <p:sldId id="272" r:id="rId11"/>
+    <p:sldId id="259" r:id="rId5"/>
+    <p:sldId id="260" r:id="rId6"/>
+    <p:sldId id="269" r:id="rId7"/>
+    <p:sldId id="270" r:id="rId8"/>
+    <p:sldId id="271" r:id="rId9"/>
+    <p:sldId id="272" r:id="rId10"/>
+    <p:sldId id="258" r:id="rId11"/>
     <p:sldId id="261" r:id="rId12"/>
     <p:sldId id="262" r:id="rId13"/>
     <p:sldId id="263" r:id="rId14"/>
     <p:sldId id="264" r:id="rId15"/>
     <p:sldId id="265" r:id="rId16"/>
-    <p:sldId id="273" r:id="rId17"/>
-    <p:sldId id="274" r:id="rId18"/>
-    <p:sldId id="275" r:id="rId19"/>
-    <p:sldId id="266" r:id="rId20"/>
-    <p:sldId id="267" r:id="rId21"/>
-    <p:sldId id="268" r:id="rId22"/>
+    <p:sldId id="276" r:id="rId17"/>
+    <p:sldId id="273" r:id="rId18"/>
+    <p:sldId id="274" r:id="rId19"/>
+    <p:sldId id="275" r:id="rId20"/>
+    <p:sldId id="277" r:id="rId21"/>
+    <p:sldId id="278" r:id="rId22"/>
+    <p:sldId id="266" r:id="rId23"/>
+    <p:sldId id="267" r:id="rId24"/>
+    <p:sldId id="268" r:id="rId25"/>
   </p:sldIdLst>
   <p:sldSz cx="12192000" cy="6858000"/>
   <p:notesSz cx="7559675" cy="10691813"/>
@@ -3428,7 +3431,7 @@
                 </a:solidFill>
                 <a:latin typeface="Calibri"/>
               </a:rPr>
-              <a:t>19-06-21</a:t>
+              <a:t>21-06-21</a:t>
             </a:fld>
             <a:endParaRPr lang="fr-FR" sz="1200" b="0" strike="noStrike" spc="-1">
               <a:latin typeface="Times New Roman"/>
@@ -3922,7 +3925,7 @@
                 </a:solidFill>
                 <a:latin typeface="Calibri"/>
               </a:rPr>
-              <a:t>19-06-21</a:t>
+              <a:t>21-06-21</a:t>
             </a:fld>
             <a:endParaRPr lang="fr-FR" sz="1200" b="0" strike="noStrike" spc="-1">
               <a:latin typeface="Times New Roman"/>
@@ -4534,7 +4537,7 @@
               </a:lnSpc>
             </a:pPr>
             <a:r>
-              <a:rPr lang="fr-BE" sz="3600" b="0" strike="noStrike" spc="-1">
+              <a:rPr lang="fr-BE" sz="3600" b="0" strike="noStrike" spc="-1" dirty="0">
                 <a:solidFill>
                   <a:srgbClr val="000000"/>
                 </a:solidFill>
@@ -4542,7 +4545,7 @@
               </a:rPr>
               <a:t>Conception d’un senseur intégré multimodal pour l’observation des routes</a:t>
             </a:r>
-            <a:endParaRPr lang="fr-FR" sz="3600" b="0" strike="noStrike" spc="-1">
+            <a:endParaRPr lang="fr-FR" sz="3600" b="0" strike="noStrike" spc="-1" dirty="0">
               <a:solidFill>
                 <a:srgbClr val="000000"/>
               </a:solidFill>
@@ -4622,7 +4625,7 @@
               <a:buChar char="•"/>
             </a:pPr>
             <a:r>
-              <a:rPr lang="fr-BE" sz="1800" b="0" strike="noStrike" spc="-1">
+              <a:rPr lang="fr-BE" sz="1800" b="0" strike="noStrike" spc="-1" dirty="0">
                 <a:solidFill>
                   <a:srgbClr val="000000"/>
                 </a:solidFill>
@@ -4630,7 +4633,7 @@
               </a:rPr>
               <a:t>Simulation d’un carrefour à feux réels</a:t>
             </a:r>
-            <a:endParaRPr lang="fr-FR" sz="1800" b="0" strike="noStrike" spc="-1">
+            <a:endParaRPr lang="fr-FR" sz="1800" b="0" strike="noStrike" spc="-1" dirty="0">
               <a:latin typeface="Arial"/>
             </a:endParaRPr>
           </a:p>
@@ -4646,7 +4649,7 @@
               <a:buChar char="•"/>
             </a:pPr>
             <a:r>
-              <a:rPr lang="fr-BE" sz="1800" b="0" strike="noStrike" spc="-1">
+              <a:rPr lang="fr-BE" sz="1800" b="0" strike="noStrike" spc="-1" dirty="0">
                 <a:solidFill>
                   <a:srgbClr val="000000"/>
                 </a:solidFill>
@@ -4654,7 +4657,7 @@
               </a:rPr>
               <a:t>Simulation d’un radar</a:t>
             </a:r>
-            <a:endParaRPr lang="fr-FR" sz="1800" b="0" strike="noStrike" spc="-1">
+            <a:endParaRPr lang="fr-FR" sz="1800" b="0" strike="noStrike" spc="-1" dirty="0">
               <a:latin typeface="Arial"/>
             </a:endParaRPr>
           </a:p>
@@ -4670,7 +4673,7 @@
               <a:buChar char="•"/>
             </a:pPr>
             <a:r>
-              <a:rPr lang="fr-BE" sz="1800" b="0" strike="noStrike" spc="-1">
+              <a:rPr lang="fr-BE" sz="1800" b="0" strike="noStrike" spc="-1" dirty="0">
                 <a:solidFill>
                   <a:srgbClr val="000000"/>
                 </a:solidFill>
@@ -4678,7 +4681,7 @@
               </a:rPr>
               <a:t>Extraction des données des différents senseurs</a:t>
             </a:r>
-            <a:endParaRPr lang="fr-FR" sz="1800" b="0" strike="noStrike" spc="-1">
+            <a:endParaRPr lang="fr-FR" sz="1800" b="0" strike="noStrike" spc="-1" dirty="0">
               <a:latin typeface="Arial"/>
             </a:endParaRPr>
           </a:p>
@@ -4694,15 +4697,33 @@
               <a:buChar char="•"/>
             </a:pPr>
             <a:r>
-              <a:rPr lang="fr-BE" sz="1800" b="0" strike="noStrike" spc="-1">
+              <a:rPr lang="fr-BE" sz="1800" b="0" strike="noStrike" spc="-1" dirty="0">
                 <a:solidFill>
                   <a:srgbClr val="000000"/>
                 </a:solidFill>
                 <a:latin typeface="Calibri"/>
               </a:rPr>
-              <a:t>Filtrage et Fusion des données avec trois architectures différentes: filtre de Kalman, MLP, Transformer </a:t>
-            </a:r>
-            <a:endParaRPr lang="fr-FR" sz="1800" b="0" strike="noStrike" spc="-1">
+              <a:t>Filtrage et Fusion des données avec trois architectures différentes: filtre de </a:t>
+            </a:r>
+            <a:r>
+              <a:rPr lang="fr-BE" sz="1800" b="0" strike="noStrike" spc="-1" dirty="0" err="1">
+                <a:solidFill>
+                  <a:srgbClr val="000000"/>
+                </a:solidFill>
+                <a:latin typeface="Calibri"/>
+              </a:rPr>
+              <a:t>Kalman</a:t>
+            </a:r>
+            <a:r>
+              <a:rPr lang="fr-BE" sz="1800" b="0" strike="noStrike" spc="-1" dirty="0">
+                <a:solidFill>
+                  <a:srgbClr val="000000"/>
+                </a:solidFill>
+                <a:latin typeface="Calibri"/>
+              </a:rPr>
+              <a:t>, MLP, Transformer </a:t>
+            </a:r>
+            <a:endParaRPr lang="fr-FR" sz="1800" b="0" strike="noStrike" spc="-1" dirty="0">
               <a:latin typeface="Arial"/>
             </a:endParaRPr>
           </a:p>
@@ -4718,7 +4739,7 @@
               <a:buChar char="•"/>
             </a:pPr>
             <a:r>
-              <a:rPr lang="fr-BE" sz="1800" b="0" strike="noStrike" spc="-1">
+              <a:rPr lang="fr-BE" sz="1800" b="0" strike="noStrike" spc="-1" dirty="0">
                 <a:solidFill>
                   <a:srgbClr val="000000"/>
                 </a:solidFill>
@@ -4726,7 +4747,7 @@
               </a:rPr>
               <a:t>Validation expérimentale</a:t>
             </a:r>
-            <a:endParaRPr lang="fr-FR" sz="1800" b="0" strike="noStrike" spc="-1">
+            <a:endParaRPr lang="fr-FR" sz="1800" b="0" strike="noStrike" spc="-1" dirty="0">
               <a:latin typeface="Arial"/>
             </a:endParaRPr>
           </a:p>
@@ -6473,10 +6494,10 @@
       </p:grpSpPr>
       <p:sp>
         <p:nvSpPr>
-          <p:cNvPr id="2" name="Titre 1">
+          <p:cNvPr id="4" name="Titre 1">
             <a:extLst>
               <a:ext uri="{FF2B5EF4-FFF2-40B4-BE49-F238E27FC236}">
-                <a16:creationId xmlns:a16="http://schemas.microsoft.com/office/drawing/2014/main" id="{E7EB8E54-ED4B-4053-AB37-2F74A1210275}"/>
+                <a16:creationId xmlns:a16="http://schemas.microsoft.com/office/drawing/2014/main" id="{AE33CDE0-BC30-450B-8BE9-B605F5FC3FE3}"/>
               </a:ext>
             </a:extLst>
           </p:cNvPr>
@@ -6487,7 +6508,12 @@
             <p:ph type="title"/>
           </p:nvPr>
         </p:nvSpPr>
-        <p:spPr/>
+        <p:spPr>
+          <a:xfrm>
+            <a:off x="838080" y="365040"/>
+            <a:ext cx="10515240" cy="1325160"/>
+          </a:xfrm>
+        </p:spPr>
         <p:txBody>
           <a:bodyPr/>
           <a:lstStyle/>
@@ -6503,51 +6529,12 @@
           </a:p>
         </p:txBody>
       </p:sp>
-      <p:sp>
-        <p:nvSpPr>
-          <p:cNvPr id="4" name="ZoneTexte 3">
+      <p:pic>
+        <p:nvPicPr>
+          <p:cNvPr id="5" name="Image 4">
             <a:extLst>
               <a:ext uri="{FF2B5EF4-FFF2-40B4-BE49-F238E27FC236}">
-                <a16:creationId xmlns:a16="http://schemas.microsoft.com/office/drawing/2014/main" id="{B99E6234-6A38-41B8-8B7D-16DB6BF7F655}"/>
-              </a:ext>
-            </a:extLst>
-          </p:cNvPr>
-          <p:cNvSpPr txBox="1"/>
-          <p:nvPr/>
-        </p:nvSpPr>
-        <p:spPr>
-          <a:xfrm>
-            <a:off x="838080" y="1590261"/>
-            <a:ext cx="7444529" cy="369332"/>
-          </a:xfrm>
-          <a:prstGeom prst="rect">
-            <a:avLst/>
-          </a:prstGeom>
-          <a:noFill/>
-        </p:spPr>
-        <p:txBody>
-          <a:bodyPr wrap="square" rtlCol="0">
-            <a:spAutoFit/>
-          </a:bodyPr>
-          <a:lstStyle/>
-          <a:p>
-            <a:pPr marL="285750" indent="-285750">
-              <a:buFont typeface="Arial" panose="020B0604020202020204" pitchFamily="34" charset="0"/>
-              <a:buChar char="•"/>
-            </a:pPr>
-            <a:r>
-              <a:rPr lang="fr-BE" dirty="0"/>
-              <a:t>Paramètres optimisés: 512 neurones sur la couche intermédiaire</a:t>
-            </a:r>
-          </a:p>
-        </p:txBody>
-      </p:sp>
-      <p:pic>
-        <p:nvPicPr>
-          <p:cNvPr id="6" name="Image 5">
-            <a:extLst>
-              <a:ext uri="{FF2B5EF4-FFF2-40B4-BE49-F238E27FC236}">
-                <a16:creationId xmlns:a16="http://schemas.microsoft.com/office/drawing/2014/main" id="{8432473B-ABE1-4911-A928-1C7D7AEFCAEF}"/>
+                <a16:creationId xmlns:a16="http://schemas.microsoft.com/office/drawing/2014/main" id="{5AEBB278-3C4D-49BA-921F-A66B685B7AFC}"/>
               </a:ext>
             </a:extLst>
           </p:cNvPr>
@@ -6564,50 +6551,20 @@
         </p:blipFill>
         <p:spPr>
           <a:xfrm>
-            <a:off x="528791" y="1959593"/>
-            <a:ext cx="4136121" cy="3800134"/>
+            <a:off x="1146521" y="1868998"/>
+            <a:ext cx="4472400" cy="3120003"/>
           </a:xfrm>
           <a:prstGeom prst="rect">
             <a:avLst/>
           </a:prstGeom>
         </p:spPr>
       </p:pic>
-      <p:pic>
-        <p:nvPicPr>
-          <p:cNvPr id="8" name="Image 7">
+      <p:sp>
+        <p:nvSpPr>
+          <p:cNvPr id="7" name="ZoneTexte 6">
             <a:extLst>
               <a:ext uri="{FF2B5EF4-FFF2-40B4-BE49-F238E27FC236}">
-                <a16:creationId xmlns:a16="http://schemas.microsoft.com/office/drawing/2014/main" id="{032ED8C8-852B-4902-864D-699FA5C3BED4}"/>
-              </a:ext>
-            </a:extLst>
-          </p:cNvPr>
-          <p:cNvPicPr>
-            <a:picLocks noChangeAspect="1"/>
-          </p:cNvPicPr>
-          <p:nvPr/>
-        </p:nvPicPr>
-        <p:blipFill>
-          <a:blip r:embed="rId3"/>
-          <a:stretch>
-            <a:fillRect/>
-          </a:stretch>
-        </p:blipFill>
-        <p:spPr>
-          <a:xfrm>
-            <a:off x="5079421" y="1959593"/>
-            <a:ext cx="3919435" cy="3720142"/>
-          </a:xfrm>
-          <a:prstGeom prst="rect">
-            <a:avLst/>
-          </a:prstGeom>
-        </p:spPr>
-      </p:pic>
-      <p:sp>
-        <p:nvSpPr>
-          <p:cNvPr id="9" name="ZoneTexte 8">
-            <a:extLst>
-              <a:ext uri="{FF2B5EF4-FFF2-40B4-BE49-F238E27FC236}">
-                <a16:creationId xmlns:a16="http://schemas.microsoft.com/office/drawing/2014/main" id="{3475F8AA-BF40-44DE-9209-D446BF2C2718}"/>
+                <a16:creationId xmlns:a16="http://schemas.microsoft.com/office/drawing/2014/main" id="{78AA488D-5B37-4283-B175-D21E3A9CADB7}"/>
               </a:ext>
             </a:extLst>
           </p:cNvPr>
@@ -6616,8 +6573,8 @@
         </p:nvSpPr>
         <p:spPr>
           <a:xfrm>
-            <a:off x="1088571" y="5979886"/>
-            <a:ext cx="7010400" cy="646331"/>
+            <a:off x="6692347" y="2014330"/>
+            <a:ext cx="4863549" cy="923330"/>
           </a:xfrm>
           <a:prstGeom prst="rect">
             <a:avLst/>
@@ -6636,8 +6593,21 @@
             </a:pPr>
             <a:r>
               <a:rPr lang="fr-BE" dirty="0"/>
-              <a:t>Trajectoires stables et bien estimées mais réseau peu robuste</a:t>
-            </a:r>
+              <a:t>Réseau </a:t>
+            </a:r>
+            <a:r>
+              <a:rPr lang="fr-BE" dirty="0" err="1"/>
+              <a:t>Fully</a:t>
+            </a:r>
+            <a:r>
+              <a:rPr lang="fr-BE" dirty="0"/>
+              <a:t> </a:t>
+            </a:r>
+            <a:r>
+              <a:rPr lang="fr-BE" dirty="0" err="1"/>
+              <a:t>Connected</a:t>
+            </a:r>
+            <a:endParaRPr lang="fr-BE" dirty="0"/>
           </a:p>
           <a:p>
             <a:pPr marL="285750" indent="-285750">
@@ -6646,7 +6616,7 @@
             </a:pPr>
             <a:r>
               <a:rPr lang="fr-BE" dirty="0"/>
-              <a:t>Résultats dépendants du nombre de neurones </a:t>
+              <a:t>Détermination de poids lors de l’entraînement du réseau</a:t>
             </a:r>
           </a:p>
         </p:txBody>
@@ -6654,7 +6624,7 @@
     </p:spTree>
     <p:extLst>
       <p:ext uri="{BB962C8B-B14F-4D97-AF65-F5344CB8AC3E}">
-        <p14:creationId xmlns:p14="http://schemas.microsoft.com/office/powerpoint/2010/main" val="3908615283"/>
+        <p14:creationId xmlns:p14="http://schemas.microsoft.com/office/powerpoint/2010/main" val="1884858718"/>
       </p:ext>
     </p:extLst>
   </p:cSld>
@@ -6683,10 +6653,10 @@
       </p:grpSpPr>
       <p:sp>
         <p:nvSpPr>
-          <p:cNvPr id="4" name="Titre 1">
+          <p:cNvPr id="2" name="Titre 1">
             <a:extLst>
               <a:ext uri="{FF2B5EF4-FFF2-40B4-BE49-F238E27FC236}">
-                <a16:creationId xmlns:a16="http://schemas.microsoft.com/office/drawing/2014/main" id="{3D2627D5-4593-43C2-B883-75A29A6D57A3}"/>
+                <a16:creationId xmlns:a16="http://schemas.microsoft.com/office/drawing/2014/main" id="{E7EB8E54-ED4B-4053-AB37-2F74A1210275}"/>
               </a:ext>
             </a:extLst>
           </p:cNvPr>
@@ -6697,12 +6667,7 @@
             <p:ph type="title"/>
           </p:nvPr>
         </p:nvSpPr>
-        <p:spPr>
-          <a:xfrm>
-            <a:off x="838080" y="365040"/>
-            <a:ext cx="10515240" cy="1325160"/>
-          </a:xfrm>
-        </p:spPr>
+        <p:spPr/>
         <p:txBody>
           <a:bodyPr/>
           <a:lstStyle/>
@@ -6720,10 +6685,10 @@
       </p:sp>
       <p:sp>
         <p:nvSpPr>
-          <p:cNvPr id="5" name="ZoneTexte 4">
+          <p:cNvPr id="4" name="ZoneTexte 3">
             <a:extLst>
               <a:ext uri="{FF2B5EF4-FFF2-40B4-BE49-F238E27FC236}">
-                <a16:creationId xmlns:a16="http://schemas.microsoft.com/office/drawing/2014/main" id="{F9D18C43-BE9E-40E3-80EA-1032D18FB7FD}"/>
+                <a16:creationId xmlns:a16="http://schemas.microsoft.com/office/drawing/2014/main" id="{B99E6234-6A38-41B8-8B7D-16DB6BF7F655}"/>
               </a:ext>
             </a:extLst>
           </p:cNvPr>
@@ -6733,7 +6698,7 @@
         <p:spPr>
           <a:xfrm>
             <a:off x="838080" y="1590261"/>
-            <a:ext cx="7444529" cy="923330"/>
+            <a:ext cx="7444529" cy="369332"/>
           </a:xfrm>
           <a:prstGeom prst="rect">
             <a:avLst/>
@@ -6752,36 +6717,17 @@
             </a:pPr>
             <a:r>
               <a:rPr lang="fr-BE" dirty="0"/>
-              <a:t>Influence du passé: ajout d’échantillons supplémentaire</a:t>
-            </a:r>
-          </a:p>
-          <a:p>
-            <a:pPr marL="285750" indent="-285750">
-              <a:buFont typeface="Arial" panose="020B0604020202020204" pitchFamily="34" charset="0"/>
-              <a:buChar char="•"/>
-            </a:pPr>
-            <a:r>
-              <a:rPr lang="fr-BE" dirty="0"/>
-              <a:t>Paramètres optimisés: 128 neurones sur la couche intermédiaire</a:t>
-            </a:r>
-          </a:p>
-          <a:p>
-            <a:r>
-              <a:rPr lang="fr-BE" dirty="0">
-                <a:sym typeface="Wingdings" panose="05000000000000000000" pitchFamily="2" charset="2"/>
-              </a:rPr>
-              <a:t> Le réseau a plus d’information pour résoudre la même tâche</a:t>
-            </a:r>
-            <a:endParaRPr lang="fr-BE" dirty="0"/>
+              <a:t>Paramètres optimisés: 512 neurones sur la couche intermédiaire</a:t>
+            </a:r>
           </a:p>
         </p:txBody>
       </p:sp>
       <p:pic>
         <p:nvPicPr>
-          <p:cNvPr id="7" name="Image 6">
+          <p:cNvPr id="6" name="Image 5">
             <a:extLst>
               <a:ext uri="{FF2B5EF4-FFF2-40B4-BE49-F238E27FC236}">
-                <a16:creationId xmlns:a16="http://schemas.microsoft.com/office/drawing/2014/main" id="{A2E7FD80-EC96-4252-8673-F8DF033545CC}"/>
+                <a16:creationId xmlns:a16="http://schemas.microsoft.com/office/drawing/2014/main" id="{8432473B-ABE1-4911-A928-1C7D7AEFCAEF}"/>
               </a:ext>
             </a:extLst>
           </p:cNvPr>
@@ -6798,8 +6744,8 @@
         </p:blipFill>
         <p:spPr>
           <a:xfrm>
-            <a:off x="324873" y="2513590"/>
-            <a:ext cx="3649050" cy="3393723"/>
+            <a:off x="528791" y="1959593"/>
+            <a:ext cx="4136121" cy="3800134"/>
           </a:xfrm>
           <a:prstGeom prst="rect">
             <a:avLst/>
@@ -6808,10 +6754,10 @@
       </p:pic>
       <p:pic>
         <p:nvPicPr>
-          <p:cNvPr id="9" name="Image 8">
+          <p:cNvPr id="8" name="Image 7">
             <a:extLst>
               <a:ext uri="{FF2B5EF4-FFF2-40B4-BE49-F238E27FC236}">
-                <a16:creationId xmlns:a16="http://schemas.microsoft.com/office/drawing/2014/main" id="{8DC4BA06-23F3-4C62-97AC-2CDF427444CA}"/>
+                <a16:creationId xmlns:a16="http://schemas.microsoft.com/office/drawing/2014/main" id="{032ED8C8-852B-4902-864D-699FA5C3BED4}"/>
               </a:ext>
             </a:extLst>
           </p:cNvPr>
@@ -6828,8 +6774,8 @@
         </p:blipFill>
         <p:spPr>
           <a:xfrm>
-            <a:off x="4322421" y="2513590"/>
-            <a:ext cx="3605170" cy="3393723"/>
+            <a:off x="5079421" y="1959593"/>
+            <a:ext cx="3919435" cy="3720142"/>
           </a:xfrm>
           <a:prstGeom prst="rect">
             <a:avLst/>
@@ -6838,10 +6784,10 @@
       </p:pic>
       <p:sp>
         <p:nvSpPr>
-          <p:cNvPr id="10" name="ZoneTexte 9">
+          <p:cNvPr id="9" name="ZoneTexte 8">
             <a:extLst>
               <a:ext uri="{FF2B5EF4-FFF2-40B4-BE49-F238E27FC236}">
-                <a16:creationId xmlns:a16="http://schemas.microsoft.com/office/drawing/2014/main" id="{5C85379D-BCE1-4336-AE40-1BCCBFEE87FB}"/>
+                <a16:creationId xmlns:a16="http://schemas.microsoft.com/office/drawing/2014/main" id="{3475F8AA-BF40-44DE-9209-D446BF2C2718}"/>
               </a:ext>
             </a:extLst>
           </p:cNvPr>
@@ -6850,8 +6796,8 @@
         </p:nvSpPr>
         <p:spPr>
           <a:xfrm>
-            <a:off x="838080" y="6084372"/>
-            <a:ext cx="5500915" cy="646331"/>
+            <a:off x="1088571" y="5979886"/>
+            <a:ext cx="7010400" cy="646331"/>
           </a:xfrm>
           <a:prstGeom prst="rect">
             <a:avLst/>
@@ -6870,7 +6816,7 @@
             </a:pPr>
             <a:r>
               <a:rPr lang="fr-BE" dirty="0"/>
-              <a:t>Meilleures estimations des trajectoires</a:t>
+              <a:t>Trajectoires stables et bien estimées mais réseau peu robuste</a:t>
             </a:r>
           </a:p>
           <a:p>
@@ -6880,7 +6826,7 @@
             </a:pPr>
             <a:r>
               <a:rPr lang="fr-BE" dirty="0"/>
-              <a:t>Réseau plus robuste</a:t>
+              <a:t>Résultats dépendants du nombre de neurones </a:t>
             </a:r>
           </a:p>
         </p:txBody>
@@ -6888,7 +6834,7 @@
     </p:spTree>
     <p:extLst>
       <p:ext uri="{BB962C8B-B14F-4D97-AF65-F5344CB8AC3E}">
-        <p14:creationId xmlns:p14="http://schemas.microsoft.com/office/powerpoint/2010/main" val="676342700"/>
+        <p14:creationId xmlns:p14="http://schemas.microsoft.com/office/powerpoint/2010/main" val="3908615283"/>
       </p:ext>
     </p:extLst>
   </p:cSld>
@@ -6917,10 +6863,10 @@
       </p:grpSpPr>
       <p:sp>
         <p:nvSpPr>
-          <p:cNvPr id="2" name="Titre 1">
+          <p:cNvPr id="4" name="Titre 1">
             <a:extLst>
               <a:ext uri="{FF2B5EF4-FFF2-40B4-BE49-F238E27FC236}">
-                <a16:creationId xmlns:a16="http://schemas.microsoft.com/office/drawing/2014/main" id="{B4D2A7D9-CEB3-4615-A9DD-5222CD5FBD2B}"/>
+                <a16:creationId xmlns:a16="http://schemas.microsoft.com/office/drawing/2014/main" id="{3D2627D5-4593-43C2-B883-75A29A6D57A3}"/>
               </a:ext>
             </a:extLst>
           </p:cNvPr>
@@ -6931,54 +6877,190 @@
             <p:ph type="title"/>
           </p:nvPr>
         </p:nvSpPr>
-        <p:spPr/>
+        <p:spPr>
+          <a:xfrm>
+            <a:off x="838080" y="365040"/>
+            <a:ext cx="10515240" cy="1325160"/>
+          </a:xfrm>
+        </p:spPr>
         <p:txBody>
           <a:bodyPr/>
           <a:lstStyle/>
           <a:p>
             <a:r>
               <a:rPr lang="fr-BE" sz="3200" dirty="0"/>
-              <a:t>Transformer</a:t>
-            </a:r>
-          </a:p>
-        </p:txBody>
-      </p:sp>
-      <p:sp>
-        <p:nvSpPr>
-          <p:cNvPr id="3" name="Sous-titre 2">
+              <a:t>Multi-Layer Perceptron (MLP)</a:t>
+            </a:r>
+            <a:br>
+              <a:rPr lang="fr-BE" sz="3200" dirty="0"/>
+            </a:br>
+            <a:endParaRPr lang="fr-BE" sz="3200" dirty="0"/>
+          </a:p>
+        </p:txBody>
+      </p:sp>
+      <p:sp>
+        <p:nvSpPr>
+          <p:cNvPr id="5" name="ZoneTexte 4">
             <a:extLst>
               <a:ext uri="{FF2B5EF4-FFF2-40B4-BE49-F238E27FC236}">
-                <a16:creationId xmlns:a16="http://schemas.microsoft.com/office/drawing/2014/main" id="{F5E30DDA-A124-4BD8-94EA-DC0BBD7AFD02}"/>
+                <a16:creationId xmlns:a16="http://schemas.microsoft.com/office/drawing/2014/main" id="{F9D18C43-BE9E-40E3-80EA-1032D18FB7FD}"/>
               </a:ext>
             </a:extLst>
           </p:cNvPr>
-          <p:cNvSpPr>
-            <a:spLocks noGrp="1"/>
-          </p:cNvSpPr>
-          <p:nvPr>
-            <p:ph type="subTitle"/>
-          </p:nvPr>
-        </p:nvSpPr>
-        <p:spPr/>
-        <p:txBody>
-          <a:bodyPr/>
-          <a:lstStyle/>
-          <a:p>
+          <p:cNvSpPr txBox="1"/>
+          <p:nvPr/>
+        </p:nvSpPr>
+        <p:spPr>
+          <a:xfrm>
+            <a:off x="838080" y="1590261"/>
+            <a:ext cx="7444529" cy="923330"/>
+          </a:xfrm>
+          <a:prstGeom prst="rect">
+            <a:avLst/>
+          </a:prstGeom>
+          <a:noFill/>
+        </p:spPr>
+        <p:txBody>
+          <a:bodyPr wrap="square" rtlCol="0">
+            <a:spAutoFit/>
+          </a:bodyPr>
+          <a:lstStyle/>
+          <a:p>
+            <a:pPr marL="285750" indent="-285750">
+              <a:buFont typeface="Arial" panose="020B0604020202020204" pitchFamily="34" charset="0"/>
+              <a:buChar char="•"/>
+            </a:pPr>
             <a:r>
               <a:rPr lang="fr-BE" dirty="0"/>
-              <a:t>Présentation du transformer</a:t>
-            </a:r>
-          </a:p>
-          <a:p>
+              <a:t>Influence du passé: ajout d’échantillons supplémentaires</a:t>
+            </a:r>
+          </a:p>
+          <a:p>
+            <a:pPr marL="285750" indent="-285750">
+              <a:buFont typeface="Arial" panose="020B0604020202020204" pitchFamily="34" charset="0"/>
+              <a:buChar char="•"/>
+            </a:pPr>
             <a:r>
               <a:rPr lang="fr-BE" dirty="0"/>
-              <a:t>Paramètres optimisés</a:t>
-            </a:r>
-          </a:p>
-          <a:p>
-            <a:r>
-              <a:rPr lang="fr-BE"/>
-              <a:t>Résultats</a:t>
+              <a:t>Paramètres optimisés: 128 neurones sur la couche intermédiaire</a:t>
+            </a:r>
+          </a:p>
+          <a:p>
+            <a:r>
+              <a:rPr lang="fr-BE" dirty="0">
+                <a:sym typeface="Wingdings" panose="05000000000000000000" pitchFamily="2" charset="2"/>
+              </a:rPr>
+              <a:t> Le réseau a plus d’information pour résoudre la même tâche</a:t>
+            </a:r>
+            <a:endParaRPr lang="fr-BE" dirty="0"/>
+          </a:p>
+        </p:txBody>
+      </p:sp>
+      <p:pic>
+        <p:nvPicPr>
+          <p:cNvPr id="7" name="Image 6">
+            <a:extLst>
+              <a:ext uri="{FF2B5EF4-FFF2-40B4-BE49-F238E27FC236}">
+                <a16:creationId xmlns:a16="http://schemas.microsoft.com/office/drawing/2014/main" id="{A2E7FD80-EC96-4252-8673-F8DF033545CC}"/>
+              </a:ext>
+            </a:extLst>
+          </p:cNvPr>
+          <p:cNvPicPr>
+            <a:picLocks noChangeAspect="1"/>
+          </p:cNvPicPr>
+          <p:nvPr/>
+        </p:nvPicPr>
+        <p:blipFill>
+          <a:blip r:embed="rId2"/>
+          <a:stretch>
+            <a:fillRect/>
+          </a:stretch>
+        </p:blipFill>
+        <p:spPr>
+          <a:xfrm>
+            <a:off x="324873" y="2513590"/>
+            <a:ext cx="3649050" cy="3393723"/>
+          </a:xfrm>
+          <a:prstGeom prst="rect">
+            <a:avLst/>
+          </a:prstGeom>
+        </p:spPr>
+      </p:pic>
+      <p:pic>
+        <p:nvPicPr>
+          <p:cNvPr id="9" name="Image 8">
+            <a:extLst>
+              <a:ext uri="{FF2B5EF4-FFF2-40B4-BE49-F238E27FC236}">
+                <a16:creationId xmlns:a16="http://schemas.microsoft.com/office/drawing/2014/main" id="{8DC4BA06-23F3-4C62-97AC-2CDF427444CA}"/>
+              </a:ext>
+            </a:extLst>
+          </p:cNvPr>
+          <p:cNvPicPr>
+            <a:picLocks noChangeAspect="1"/>
+          </p:cNvPicPr>
+          <p:nvPr/>
+        </p:nvPicPr>
+        <p:blipFill>
+          <a:blip r:embed="rId3"/>
+          <a:stretch>
+            <a:fillRect/>
+          </a:stretch>
+        </p:blipFill>
+        <p:spPr>
+          <a:xfrm>
+            <a:off x="4322421" y="2513590"/>
+            <a:ext cx="3605170" cy="3393723"/>
+          </a:xfrm>
+          <a:prstGeom prst="rect">
+            <a:avLst/>
+          </a:prstGeom>
+        </p:spPr>
+      </p:pic>
+      <p:sp>
+        <p:nvSpPr>
+          <p:cNvPr id="10" name="ZoneTexte 9">
+            <a:extLst>
+              <a:ext uri="{FF2B5EF4-FFF2-40B4-BE49-F238E27FC236}">
+                <a16:creationId xmlns:a16="http://schemas.microsoft.com/office/drawing/2014/main" id="{5C85379D-BCE1-4336-AE40-1BCCBFEE87FB}"/>
+              </a:ext>
+            </a:extLst>
+          </p:cNvPr>
+          <p:cNvSpPr txBox="1"/>
+          <p:nvPr/>
+        </p:nvSpPr>
+        <p:spPr>
+          <a:xfrm>
+            <a:off x="838080" y="6084372"/>
+            <a:ext cx="5500915" cy="646331"/>
+          </a:xfrm>
+          <a:prstGeom prst="rect">
+            <a:avLst/>
+          </a:prstGeom>
+          <a:noFill/>
+        </p:spPr>
+        <p:txBody>
+          <a:bodyPr wrap="square" rtlCol="0">
+            <a:spAutoFit/>
+          </a:bodyPr>
+          <a:lstStyle/>
+          <a:p>
+            <a:pPr marL="285750" indent="-285750">
+              <a:buFont typeface="Arial" panose="020B0604020202020204" pitchFamily="34" charset="0"/>
+              <a:buChar char="•"/>
+            </a:pPr>
+            <a:r>
+              <a:rPr lang="fr-BE" dirty="0"/>
+              <a:t>Meilleures estimations des trajectoires</a:t>
+            </a:r>
+          </a:p>
+          <a:p>
+            <a:pPr marL="285750" indent="-285750">
+              <a:buFont typeface="Arial" panose="020B0604020202020204" pitchFamily="34" charset="0"/>
+              <a:buChar char="•"/>
+            </a:pPr>
+            <a:r>
+              <a:rPr lang="fr-BE" dirty="0"/>
+              <a:t>Réseau plus robuste</a:t>
             </a:r>
           </a:p>
         </p:txBody>
@@ -6986,7 +7068,7 @@
     </p:spTree>
     <p:extLst>
       <p:ext uri="{BB962C8B-B14F-4D97-AF65-F5344CB8AC3E}">
-        <p14:creationId xmlns:p14="http://schemas.microsoft.com/office/powerpoint/2010/main" val="1075575928"/>
+        <p14:creationId xmlns:p14="http://schemas.microsoft.com/office/powerpoint/2010/main" val="676342700"/>
       </p:ext>
     </p:extLst>
   </p:cSld>
@@ -7015,215 +7097,216 @@
       </p:grpSpPr>
       <p:sp>
         <p:nvSpPr>
-          <p:cNvPr id="148" name="TextShape 1"/>
-          <p:cNvSpPr txBox="1"/>
-          <p:nvPr/>
-        </p:nvSpPr>
-        <p:spPr>
-          <a:xfrm>
-            <a:off x="706320" y="556560"/>
-            <a:ext cx="6057360" cy="602280"/>
-          </a:xfrm>
-          <a:prstGeom prst="rect">
-            <a:avLst/>
-          </a:prstGeom>
-          <a:noFill/>
-          <a:ln>
-            <a:noFill/>
-          </a:ln>
-        </p:spPr>
-        <p:txBody>
-          <a:bodyPr lIns="90000" tIns="45000" rIns="90000" bIns="45000">
-            <a:noAutofit/>
-          </a:bodyPr>
-          <a:lstStyle/>
-          <a:p>
-            <a:r>
-              <a:rPr lang="fr-FR" sz="1800" b="0" strike="noStrike" spc="-1">
-                <a:latin typeface="Arial"/>
-              </a:rPr>
-              <a:t>La validation expérimentale ressemble à la simulation</a:t>
-            </a:r>
-          </a:p>
-          <a:p>
-            <a:endParaRPr lang="fr-FR" sz="1800" b="0" strike="noStrike" spc="-1">
-              <a:latin typeface="Arial"/>
-            </a:endParaRPr>
+          <p:cNvPr id="2" name="Titre 1">
+            <a:extLst>
+              <a:ext uri="{FF2B5EF4-FFF2-40B4-BE49-F238E27FC236}">
+                <a16:creationId xmlns:a16="http://schemas.microsoft.com/office/drawing/2014/main" id="{B4D2A7D9-CEB3-4615-A9DD-5222CD5FBD2B}"/>
+              </a:ext>
+            </a:extLst>
+          </p:cNvPr>
+          <p:cNvSpPr>
+            <a:spLocks noGrp="1"/>
+          </p:cNvSpPr>
+          <p:nvPr>
+            <p:ph type="title"/>
+          </p:nvPr>
+        </p:nvSpPr>
+        <p:spPr/>
+        <p:txBody>
+          <a:bodyPr/>
+          <a:lstStyle/>
+          <a:p>
+            <a:r>
+              <a:rPr lang="fr-BE" sz="3200" dirty="0"/>
+              <a:t>Transformer</a:t>
+            </a:r>
           </a:p>
         </p:txBody>
       </p:sp>
       <p:pic>
         <p:nvPicPr>
-          <p:cNvPr id="149" name="Image 148"/>
-          <p:cNvPicPr/>
+          <p:cNvPr id="8" name="Image 7">
+            <a:extLst>
+              <a:ext uri="{FF2B5EF4-FFF2-40B4-BE49-F238E27FC236}">
+                <a16:creationId xmlns:a16="http://schemas.microsoft.com/office/drawing/2014/main" id="{27B620ED-C31C-4BEA-8D6F-385225CD6001}"/>
+              </a:ext>
+            </a:extLst>
+          </p:cNvPr>
+          <p:cNvPicPr>
+            <a:picLocks noChangeAspect="1"/>
+          </p:cNvPicPr>
           <p:nvPr/>
         </p:nvPicPr>
         <p:blipFill>
           <a:blip r:embed="rId2"/>
-          <a:stretch/>
+          <a:stretch>
+            <a:fillRect/>
+          </a:stretch>
         </p:blipFill>
         <p:spPr>
           <a:xfrm>
-            <a:off x="3805920" y="1294920"/>
-            <a:ext cx="4057200" cy="2975760"/>
-          </a:xfrm>
-          <a:prstGeom prst="rect">
-            <a:avLst/>
-          </a:prstGeom>
-          <a:ln>
-            <a:noFill/>
-          </a:ln>
+            <a:off x="838080" y="1690200"/>
+            <a:ext cx="4133850" cy="4305300"/>
+          </a:xfrm>
+          <a:prstGeom prst="rect">
+            <a:avLst/>
+          </a:prstGeom>
         </p:spPr>
       </p:pic>
-      <p:pic>
-        <p:nvPicPr>
-          <p:cNvPr id="150" name="Image 149"/>
-          <p:cNvPicPr/>
-          <p:nvPr/>
-        </p:nvPicPr>
-        <p:blipFill>
-          <a:blip r:embed="rId3"/>
-          <a:stretch/>
-        </p:blipFill>
-        <p:spPr>
-          <a:xfrm>
-            <a:off x="7951680" y="1307880"/>
-            <a:ext cx="4142160" cy="2982960"/>
-          </a:xfrm>
-          <a:prstGeom prst="rect">
-            <a:avLst/>
-          </a:prstGeom>
-          <a:ln>
-            <a:noFill/>
-          </a:ln>
-        </p:spPr>
-      </p:pic>
-      <p:pic>
-        <p:nvPicPr>
-          <p:cNvPr id="151" name="Image 150"/>
-          <p:cNvPicPr/>
-          <p:nvPr/>
-        </p:nvPicPr>
-        <p:blipFill>
-          <a:blip r:embed="rId4"/>
-          <a:stretch/>
-        </p:blipFill>
-        <p:spPr>
-          <a:xfrm>
-            <a:off x="0" y="1371960"/>
-            <a:ext cx="3816000" cy="2769840"/>
-          </a:xfrm>
-          <a:prstGeom prst="rect">
-            <a:avLst/>
-          </a:prstGeom>
-          <a:ln>
-            <a:noFill/>
-          </a:ln>
-        </p:spPr>
-      </p:pic>
-      <p:sp>
-        <p:nvSpPr>
-          <p:cNvPr id="152" name="TextShape 2"/>
+      <p:sp>
+        <p:nvSpPr>
+          <p:cNvPr id="9" name="ZoneTexte 8">
+            <a:extLst>
+              <a:ext uri="{FF2B5EF4-FFF2-40B4-BE49-F238E27FC236}">
+                <a16:creationId xmlns:a16="http://schemas.microsoft.com/office/drawing/2014/main" id="{63C074D0-C3A7-497A-BD6E-35BD87B7A316}"/>
+              </a:ext>
+            </a:extLst>
+          </p:cNvPr>
           <p:cNvSpPr txBox="1"/>
           <p:nvPr/>
         </p:nvSpPr>
         <p:spPr>
           <a:xfrm>
-            <a:off x="492120" y="4334400"/>
-            <a:ext cx="2579400" cy="346320"/>
+            <a:off x="5762171" y="2477101"/>
+            <a:ext cx="5897218" cy="1477328"/>
           </a:xfrm>
           <a:prstGeom prst="rect">
             <a:avLst/>
           </a:prstGeom>
           <a:noFill/>
-          <a:ln>
-            <a:noFill/>
-          </a:ln>
-        </p:spPr>
-        <p:txBody>
-          <a:bodyPr lIns="90000" tIns="45000" rIns="90000" bIns="45000">
-            <a:noAutofit/>
-          </a:bodyPr>
-          <a:lstStyle/>
-          <a:p>
-            <a:r>
-              <a:rPr lang="fr-FR" sz="1800" b="0" strike="noStrike" spc="-1">
-                <a:latin typeface="Arial"/>
-              </a:rPr>
-              <a:t>Sans calibration</a:t>
-            </a:r>
-          </a:p>
-        </p:txBody>
-      </p:sp>
-      <p:sp>
-        <p:nvSpPr>
-          <p:cNvPr id="153" name="TextShape 3"/>
+        </p:spPr>
+        <p:txBody>
+          <a:bodyPr wrap="square" rtlCol="0">
+            <a:spAutoFit/>
+          </a:bodyPr>
+          <a:lstStyle/>
+          <a:p>
+            <a:r>
+              <a:rPr lang="fr-BE" dirty="0"/>
+              <a:t>Deux parties: un encodeur et un décodeur</a:t>
+            </a:r>
+          </a:p>
+          <a:p>
+            <a:pPr marL="285750" indent="-285750">
+              <a:buFont typeface="Arial" panose="020B0604020202020204" pitchFamily="34" charset="0"/>
+              <a:buChar char="•"/>
+            </a:pPr>
+            <a:r>
+              <a:rPr lang="fr-BE" dirty="0"/>
+              <a:t>Encodeur: fournit une abstraction de l’entrée</a:t>
+            </a:r>
+          </a:p>
+          <a:p>
+            <a:pPr marL="285750" indent="-285750">
+              <a:buFont typeface="Arial" panose="020B0604020202020204" pitchFamily="34" charset="0"/>
+              <a:buChar char="•"/>
+            </a:pPr>
+            <a:r>
+              <a:rPr lang="fr-BE" dirty="0"/>
+              <a:t>Décodeur: permet de prédire une séquence</a:t>
+            </a:r>
+          </a:p>
+          <a:p>
+            <a:pPr marL="285750" indent="-285750">
+              <a:buFont typeface="Arial" panose="020B0604020202020204" pitchFamily="34" charset="0"/>
+              <a:buChar char="•"/>
+            </a:pPr>
+            <a:r>
+              <a:rPr lang="fr-BE" dirty="0"/>
+              <a:t>3 modules: </a:t>
+            </a:r>
+            <a:r>
+              <a:rPr lang="fr-BE" dirty="0" err="1"/>
+              <a:t>Feed</a:t>
+            </a:r>
+            <a:r>
+              <a:rPr lang="fr-BE" dirty="0"/>
+              <a:t> </a:t>
+            </a:r>
+            <a:r>
+              <a:rPr lang="fr-BE" dirty="0" err="1"/>
+              <a:t>Forward</a:t>
+            </a:r>
+            <a:r>
+              <a:rPr lang="fr-BE" dirty="0"/>
+              <a:t>, Multi-</a:t>
+            </a:r>
+            <a:r>
+              <a:rPr lang="fr-BE" dirty="0" err="1"/>
+              <a:t>head</a:t>
+            </a:r>
+            <a:r>
+              <a:rPr lang="fr-BE" dirty="0"/>
+              <a:t> Attention, </a:t>
+            </a:r>
+            <a:r>
+              <a:rPr lang="fr-BE" dirty="0" err="1"/>
+              <a:t>Masked</a:t>
+            </a:r>
+            <a:r>
+              <a:rPr lang="fr-BE" dirty="0"/>
+              <a:t> Multi-Head Attention</a:t>
+            </a:r>
+          </a:p>
+        </p:txBody>
+      </p:sp>
+      <p:sp>
+        <p:nvSpPr>
+          <p:cNvPr id="13" name="ZoneTexte 12">
+            <a:extLst>
+              <a:ext uri="{FF2B5EF4-FFF2-40B4-BE49-F238E27FC236}">
+                <a16:creationId xmlns:a16="http://schemas.microsoft.com/office/drawing/2014/main" id="{D5299931-6316-404F-8261-F5ACBBCF935B}"/>
+              </a:ext>
+            </a:extLst>
+          </p:cNvPr>
           <p:cNvSpPr txBox="1"/>
           <p:nvPr/>
         </p:nvSpPr>
         <p:spPr>
           <a:xfrm>
-            <a:off x="4131000" y="4388040"/>
-            <a:ext cx="3381840" cy="346320"/>
+            <a:off x="5762171" y="3954429"/>
+            <a:ext cx="4731026" cy="646331"/>
           </a:xfrm>
           <a:prstGeom prst="rect">
             <a:avLst/>
           </a:prstGeom>
           <a:noFill/>
-          <a:ln>
-            <a:noFill/>
-          </a:ln>
-        </p:spPr>
-        <p:txBody>
-          <a:bodyPr lIns="90000" tIns="45000" rIns="90000" bIns="45000">
-            <a:noAutofit/>
-          </a:bodyPr>
-          <a:lstStyle/>
-          <a:p>
-            <a:r>
-              <a:rPr lang="fr-FR" sz="1800" b="0" strike="noStrike" spc="-1">
-                <a:latin typeface="Arial"/>
-              </a:rPr>
-              <a:t>Avec calibration</a:t>
-            </a:r>
-          </a:p>
-        </p:txBody>
-      </p:sp>
-      <p:sp>
-        <p:nvSpPr>
-          <p:cNvPr id="154" name="TextShape 4"/>
-          <p:cNvSpPr txBox="1"/>
-          <p:nvPr/>
-        </p:nvSpPr>
-        <p:spPr>
-          <a:xfrm>
-            <a:off x="8433000" y="4345200"/>
-            <a:ext cx="2953800" cy="346320"/>
-          </a:xfrm>
-          <a:prstGeom prst="rect">
-            <a:avLst/>
-          </a:prstGeom>
-          <a:noFill/>
-          <a:ln>
-            <a:noFill/>
-          </a:ln>
-        </p:spPr>
-        <p:txBody>
-          <a:bodyPr lIns="90000" tIns="45000" rIns="90000" bIns="45000">
-            <a:noAutofit/>
-          </a:bodyPr>
-          <a:lstStyle/>
-          <a:p>
-            <a:r>
-              <a:rPr lang="fr-FR" sz="1800" b="0" strike="noStrike" spc="-1">
-                <a:latin typeface="Arial"/>
-              </a:rPr>
-              <a:t>Simulation radar</a:t>
+        </p:spPr>
+        <p:txBody>
+          <a:bodyPr wrap="square" rtlCol="0">
+            <a:spAutoFit/>
+          </a:bodyPr>
+          <a:lstStyle/>
+          <a:p>
+            <a:pPr marL="285750" indent="-285750">
+              <a:buFont typeface="Arial" panose="020B0604020202020204" pitchFamily="34" charset="0"/>
+              <a:buChar char="•"/>
+            </a:pPr>
+            <a:r>
+              <a:rPr lang="fr-BE" dirty="0" err="1"/>
+              <a:t>Positional</a:t>
+            </a:r>
+            <a:r>
+              <a:rPr lang="fr-BE" dirty="0"/>
+              <a:t> </a:t>
+            </a:r>
+            <a:r>
+              <a:rPr lang="fr-BE" dirty="0" err="1"/>
+              <a:t>Encoding</a:t>
+            </a:r>
+            <a:r>
+              <a:rPr lang="fr-BE" dirty="0"/>
+              <a:t>: pour tenir compte de l’ordre des mots dans une phrase</a:t>
             </a:r>
           </a:p>
         </p:txBody>
       </p:sp>
     </p:spTree>
+    <p:extLst>
+      <p:ext uri="{BB962C8B-B14F-4D97-AF65-F5344CB8AC3E}">
+        <p14:creationId xmlns:p14="http://schemas.microsoft.com/office/powerpoint/2010/main" val="1075575928"/>
+      </p:ext>
+    </p:extLst>
   </p:cSld>
   <p:clrMapOvr>
     <a:masterClrMapping/>
@@ -7250,187 +7333,202 @@
       </p:grpSpPr>
       <p:sp>
         <p:nvSpPr>
-          <p:cNvPr id="155" name="TextShape 1"/>
+          <p:cNvPr id="4" name="ZoneTexte 3">
+            <a:extLst>
+              <a:ext uri="{FF2B5EF4-FFF2-40B4-BE49-F238E27FC236}">
+                <a16:creationId xmlns:a16="http://schemas.microsoft.com/office/drawing/2014/main" id="{79E1FBEC-267A-4E2B-9232-81955F3FB8FF}"/>
+              </a:ext>
+            </a:extLst>
+          </p:cNvPr>
           <p:cNvSpPr txBox="1"/>
           <p:nvPr/>
         </p:nvSpPr>
         <p:spPr>
           <a:xfrm>
-            <a:off x="802440" y="363960"/>
-            <a:ext cx="5458320" cy="602280"/>
+            <a:off x="5791199" y="1891115"/>
+            <a:ext cx="5168348" cy="923330"/>
           </a:xfrm>
           <a:prstGeom prst="rect">
             <a:avLst/>
           </a:prstGeom>
           <a:noFill/>
-          <a:ln>
-            <a:noFill/>
-          </a:ln>
-        </p:spPr>
-        <p:txBody>
-          <a:bodyPr lIns="90000" tIns="45000" rIns="90000" bIns="45000">
-            <a:noAutofit/>
-          </a:bodyPr>
-          <a:lstStyle/>
-          <a:p>
-            <a:r>
-              <a:rPr lang="fr-FR" sz="1800" b="0" strike="noStrike" spc="-1">
-                <a:latin typeface="Arial"/>
-              </a:rPr>
-              <a:t>La validation expérimentale pose encore souci </a:t>
-            </a:r>
-          </a:p>
-          <a:p>
-            <a:endParaRPr lang="fr-FR" sz="1800" b="0" strike="noStrike" spc="-1">
-              <a:latin typeface="Arial"/>
-            </a:endParaRPr>
+        </p:spPr>
+        <p:txBody>
+          <a:bodyPr wrap="square" rtlCol="0">
+            <a:spAutoFit/>
+          </a:bodyPr>
+          <a:lstStyle/>
+          <a:p>
+            <a:r>
+              <a:rPr lang="fr-BE" dirty="0"/>
+              <a:t>Mécanisme d’attention: pour déterminer les mots les plus importants</a:t>
+            </a:r>
+          </a:p>
+          <a:p>
+            <a:r>
+              <a:rPr lang="fr-BE" dirty="0"/>
+              <a:t> </a:t>
+            </a:r>
           </a:p>
         </p:txBody>
       </p:sp>
       <p:pic>
         <p:nvPicPr>
-          <p:cNvPr id="156" name="Image 155"/>
-          <p:cNvPicPr/>
+          <p:cNvPr id="5" name="Image 4">
+            <a:extLst>
+              <a:ext uri="{FF2B5EF4-FFF2-40B4-BE49-F238E27FC236}">
+                <a16:creationId xmlns:a16="http://schemas.microsoft.com/office/drawing/2014/main" id="{4DFE9C65-E68D-4A13-8C74-C641C5F8D6E3}"/>
+              </a:ext>
+            </a:extLst>
+          </p:cNvPr>
+          <p:cNvPicPr>
+            <a:picLocks noChangeAspect="1"/>
+          </p:cNvPicPr>
           <p:nvPr/>
         </p:nvPicPr>
         <p:blipFill>
           <a:blip r:embed="rId2"/>
-          <a:stretch/>
+          <a:stretch>
+            <a:fillRect/>
+          </a:stretch>
         </p:blipFill>
         <p:spPr>
           <a:xfrm>
-            <a:off x="567000" y="1086120"/>
-            <a:ext cx="6928920" cy="4728960"/>
-          </a:xfrm>
-          <a:prstGeom prst="rect">
-            <a:avLst/>
-          </a:prstGeom>
-          <a:ln>
-            <a:noFill/>
-          </a:ln>
+            <a:off x="7599499" y="2501119"/>
+            <a:ext cx="1743283" cy="1719883"/>
+          </a:xfrm>
+          <a:prstGeom prst="rect">
+            <a:avLst/>
+          </a:prstGeom>
         </p:spPr>
       </p:pic>
       <p:sp>
         <p:nvSpPr>
-          <p:cNvPr id="157" name="Line 2"/>
-          <p:cNvSpPr/>
-          <p:nvPr/>
-        </p:nvSpPr>
-        <p:spPr>
-          <a:xfrm>
-            <a:off x="363600" y="1669680"/>
-            <a:ext cx="6185880" cy="4237920"/>
-          </a:xfrm>
-          <a:prstGeom prst="line">
-            <a:avLst/>
-          </a:prstGeom>
-          <a:ln w="38160">
-            <a:solidFill>
-              <a:srgbClr val="E47200"/>
-            </a:solidFill>
-            <a:round/>
-          </a:ln>
-        </p:spPr>
-        <p:style>
-          <a:lnRef idx="0">
-            <a:scrgbClr r="0" g="0" b="0"/>
-          </a:lnRef>
-          <a:fillRef idx="0">
-            <a:scrgbClr r="0" g="0" b="0"/>
-          </a:fillRef>
-          <a:effectRef idx="0">
-            <a:scrgbClr r="0" g="0" b="0"/>
-          </a:effectRef>
-          <a:fontRef idx="minor"/>
-        </p:style>
-      </p:sp>
-      <p:sp>
-        <p:nvSpPr>
-          <p:cNvPr id="158" name="Line 3"/>
-          <p:cNvSpPr/>
-          <p:nvPr/>
-        </p:nvSpPr>
-        <p:spPr>
-          <a:xfrm>
-            <a:off x="1541160" y="966240"/>
-            <a:ext cx="6367680" cy="4331520"/>
-          </a:xfrm>
-          <a:prstGeom prst="line">
-            <a:avLst/>
-          </a:prstGeom>
-          <a:ln w="38160">
-            <a:solidFill>
-              <a:srgbClr val="3465A4"/>
-            </a:solidFill>
-            <a:round/>
-          </a:ln>
-        </p:spPr>
-        <p:style>
-          <a:lnRef idx="0">
-            <a:scrgbClr r="0" g="0" b="0"/>
-          </a:lnRef>
-          <a:fillRef idx="0">
-            <a:scrgbClr r="0" g="0" b="0"/>
-          </a:fillRef>
-          <a:effectRef idx="0">
-            <a:scrgbClr r="0" g="0" b="0"/>
-          </a:effectRef>
-          <a:fontRef idx="minor"/>
-        </p:style>
-      </p:sp>
-      <p:sp>
-        <p:nvSpPr>
-          <p:cNvPr id="159" name="TextShape 4"/>
+          <p:cNvPr id="6" name="ZoneTexte 5">
+            <a:extLst>
+              <a:ext uri="{FF2B5EF4-FFF2-40B4-BE49-F238E27FC236}">
+                <a16:creationId xmlns:a16="http://schemas.microsoft.com/office/drawing/2014/main" id="{A44A2F62-DD22-4FE9-84A2-763EFA368B13}"/>
+              </a:ext>
+            </a:extLst>
+          </p:cNvPr>
           <p:cNvSpPr txBox="1"/>
           <p:nvPr/>
         </p:nvSpPr>
         <p:spPr>
           <a:xfrm>
-            <a:off x="8336880" y="1273680"/>
-            <a:ext cx="2675520" cy="2394000"/>
+            <a:off x="5791199" y="4393357"/>
+            <a:ext cx="4731026" cy="1477328"/>
           </a:xfrm>
           <a:prstGeom prst="rect">
             <a:avLst/>
           </a:prstGeom>
           <a:noFill/>
-          <a:ln>
-            <a:noFill/>
-          </a:ln>
-        </p:spPr>
-        <p:txBody>
-          <a:bodyPr lIns="90000" tIns="45000" rIns="90000" bIns="45000">
-            <a:noAutofit/>
-          </a:bodyPr>
-          <a:lstStyle/>
-          <a:p>
-            <a:r>
-              <a:rPr lang="fr-FR" sz="1800" b="0" strike="noStrike" spc="-1">
-                <a:latin typeface="Arial"/>
-              </a:rPr>
-              <a:t>Les données caméra suivent une trajectoire</a:t>
-            </a:r>
-          </a:p>
-          <a:p>
-            <a:endParaRPr lang="fr-FR" sz="1800" b="0" strike="noStrike" spc="-1">
-              <a:latin typeface="Arial"/>
-            </a:endParaRPr>
-          </a:p>
-          <a:p>
-            <a:endParaRPr lang="fr-FR" sz="1800" b="0" strike="noStrike" spc="-1">
-              <a:latin typeface="Arial"/>
-            </a:endParaRPr>
-          </a:p>
-          <a:p>
-            <a:r>
-              <a:rPr lang="fr-FR" sz="1800" b="0" strike="noStrike" spc="-1">
-                <a:latin typeface="Arial"/>
-              </a:rPr>
-              <a:t>Les données radar après levée d’ambuigités ne correspond pas tout a fait à nos attentes</a:t>
+        </p:spPr>
+        <p:txBody>
+          <a:bodyPr wrap="square" rtlCol="0">
+            <a:spAutoFit/>
+          </a:bodyPr>
+          <a:lstStyle/>
+          <a:p>
+            <a:pPr marL="285750" indent="-285750">
+              <a:buFont typeface="Arial" panose="020B0604020202020204" pitchFamily="34" charset="0"/>
+              <a:buChar char="•"/>
+            </a:pPr>
+            <a:r>
+              <a:rPr lang="fr-BE" dirty="0"/>
+              <a:t>Multi-Head Attention: H mécanismes d’attention en parallèle</a:t>
+            </a:r>
+          </a:p>
+          <a:p>
+            <a:pPr marL="285750" indent="-285750">
+              <a:buFont typeface="Arial" panose="020B0604020202020204" pitchFamily="34" charset="0"/>
+              <a:buChar char="•"/>
+            </a:pPr>
+            <a:r>
+              <a:rPr lang="fr-BE" dirty="0" err="1"/>
+              <a:t>Masked</a:t>
+            </a:r>
+            <a:r>
+              <a:rPr lang="fr-BE" dirty="0"/>
+              <a:t> Multi-Head Attention: pour permettre un processus de décodage </a:t>
+            </a:r>
+            <a:r>
+              <a:rPr lang="fr-BE" dirty="0" err="1"/>
+              <a:t>auto-régressif</a:t>
+            </a:r>
+            <a:endParaRPr lang="fr-BE" dirty="0"/>
+          </a:p>
+        </p:txBody>
+      </p:sp>
+      <p:pic>
+        <p:nvPicPr>
+          <p:cNvPr id="7" name="Image 6">
+            <a:extLst>
+              <a:ext uri="{FF2B5EF4-FFF2-40B4-BE49-F238E27FC236}">
+                <a16:creationId xmlns:a16="http://schemas.microsoft.com/office/drawing/2014/main" id="{AAC36D88-7497-46D6-8EC7-1BCC17DECD8E}"/>
+              </a:ext>
+            </a:extLst>
+          </p:cNvPr>
+          <p:cNvPicPr>
+            <a:picLocks noChangeAspect="1"/>
+          </p:cNvPicPr>
+          <p:nvPr/>
+        </p:nvPicPr>
+        <p:blipFill>
+          <a:blip r:embed="rId3"/>
+          <a:stretch>
+            <a:fillRect/>
+          </a:stretch>
+        </p:blipFill>
+        <p:spPr>
+          <a:xfrm>
+            <a:off x="838080" y="1690200"/>
+            <a:ext cx="4133850" cy="4305300"/>
+          </a:xfrm>
+          <a:prstGeom prst="rect">
+            <a:avLst/>
+          </a:prstGeom>
+        </p:spPr>
+      </p:pic>
+      <p:sp>
+        <p:nvSpPr>
+          <p:cNvPr id="8" name="Titre 1">
+            <a:extLst>
+              <a:ext uri="{FF2B5EF4-FFF2-40B4-BE49-F238E27FC236}">
+                <a16:creationId xmlns:a16="http://schemas.microsoft.com/office/drawing/2014/main" id="{C441AB5F-81AB-4A14-BC36-2EC5B0C31393}"/>
+              </a:ext>
+            </a:extLst>
+          </p:cNvPr>
+          <p:cNvSpPr>
+            <a:spLocks noGrp="1"/>
+          </p:cNvSpPr>
+          <p:nvPr>
+            <p:ph type="title"/>
+          </p:nvPr>
+        </p:nvSpPr>
+        <p:spPr>
+          <a:xfrm>
+            <a:off x="838080" y="365040"/>
+            <a:ext cx="10515240" cy="1325160"/>
+          </a:xfrm>
+        </p:spPr>
+        <p:txBody>
+          <a:bodyPr/>
+          <a:lstStyle/>
+          <a:p>
+            <a:r>
+              <a:rPr lang="fr-BE" sz="3200" dirty="0"/>
+              <a:t>Transformer</a:t>
             </a:r>
           </a:p>
         </p:txBody>
       </p:sp>
     </p:spTree>
+    <p:extLst>
+      <p:ext uri="{BB962C8B-B14F-4D97-AF65-F5344CB8AC3E}">
+        <p14:creationId xmlns:p14="http://schemas.microsoft.com/office/powerpoint/2010/main" val="4210797549"/>
+      </p:ext>
+    </p:extLst>
   </p:cSld>
   <p:clrMapOvr>
     <a:masterClrMapping/>
@@ -7511,7 +7609,7 @@
         </p:nvSpPr>
         <p:spPr>
           <a:xfrm>
-            <a:off x="632880" y="1842840"/>
+            <a:off x="540115" y="1511535"/>
             <a:ext cx="5359320" cy="7039080"/>
           </a:xfrm>
           <a:prstGeom prst="rect">
@@ -7916,246 +8014,199 @@
           <a:chExt cx="0" cy="0"/>
         </a:xfrm>
       </p:grpSpPr>
+      <p:sp>
+        <p:nvSpPr>
+          <p:cNvPr id="4" name="Titre 1">
+            <a:extLst>
+              <a:ext uri="{FF2B5EF4-FFF2-40B4-BE49-F238E27FC236}">
+                <a16:creationId xmlns:a16="http://schemas.microsoft.com/office/drawing/2014/main" id="{FB3C7236-6ADC-4AE8-9EA7-77A89C143BDE}"/>
+              </a:ext>
+            </a:extLst>
+          </p:cNvPr>
+          <p:cNvSpPr>
+            <a:spLocks noGrp="1"/>
+          </p:cNvSpPr>
+          <p:nvPr>
+            <p:ph type="title"/>
+          </p:nvPr>
+        </p:nvSpPr>
+        <p:spPr>
+          <a:xfrm>
+            <a:off x="838080" y="365040"/>
+            <a:ext cx="10515240" cy="1325160"/>
+          </a:xfrm>
+        </p:spPr>
+        <p:txBody>
+          <a:bodyPr/>
+          <a:lstStyle/>
+          <a:p>
+            <a:r>
+              <a:rPr lang="fr-BE" sz="3200" dirty="0"/>
+              <a:t>Transformer</a:t>
+            </a:r>
+          </a:p>
+        </p:txBody>
+      </p:sp>
+      <p:sp>
+        <p:nvSpPr>
+          <p:cNvPr id="5" name="ZoneTexte 4">
+            <a:extLst>
+              <a:ext uri="{FF2B5EF4-FFF2-40B4-BE49-F238E27FC236}">
+                <a16:creationId xmlns:a16="http://schemas.microsoft.com/office/drawing/2014/main" id="{3A728F77-5194-4CAD-8000-683F1563D8A4}"/>
+              </a:ext>
+            </a:extLst>
+          </p:cNvPr>
+          <p:cNvSpPr txBox="1"/>
+          <p:nvPr/>
+        </p:nvSpPr>
+        <p:spPr>
+          <a:xfrm>
+            <a:off x="838079" y="1341925"/>
+            <a:ext cx="7826950" cy="646331"/>
+          </a:xfrm>
+          <a:prstGeom prst="rect">
+            <a:avLst/>
+          </a:prstGeom>
+          <a:noFill/>
+        </p:spPr>
+        <p:txBody>
+          <a:bodyPr wrap="square" rtlCol="0">
+            <a:spAutoFit/>
+          </a:bodyPr>
+          <a:lstStyle/>
+          <a:p>
+            <a:r>
+              <a:rPr lang="fr-BE" dirty="0"/>
+              <a:t>Résultats:</a:t>
+            </a:r>
+          </a:p>
+          <a:p>
+            <a:pPr marL="285750" indent="-285750">
+              <a:buFont typeface="Arial" panose="020B0604020202020204" pitchFamily="34" charset="0"/>
+              <a:buChar char="•"/>
+            </a:pPr>
+            <a:r>
+              <a:rPr lang="fr-BE" dirty="0"/>
+              <a:t>Paramètres optimisés: 64 neurones, 7 couches d’encodage</a:t>
+            </a:r>
+          </a:p>
+        </p:txBody>
+      </p:sp>
       <p:pic>
         <p:nvPicPr>
-          <p:cNvPr id="160" name="Image 159"/>
-          <p:cNvPicPr/>
+          <p:cNvPr id="7" name="Image 6">
+            <a:extLst>
+              <a:ext uri="{FF2B5EF4-FFF2-40B4-BE49-F238E27FC236}">
+                <a16:creationId xmlns:a16="http://schemas.microsoft.com/office/drawing/2014/main" id="{F76BA98D-C3B2-4561-917D-ABC92AB6D29D}"/>
+              </a:ext>
+            </a:extLst>
+          </p:cNvPr>
+          <p:cNvPicPr>
+            <a:picLocks noChangeAspect="1"/>
+          </p:cNvPicPr>
           <p:nvPr/>
         </p:nvPicPr>
         <p:blipFill>
           <a:blip r:embed="rId2"/>
-          <a:stretch/>
+          <a:stretch>
+            <a:fillRect/>
+          </a:stretch>
         </p:blipFill>
         <p:spPr>
           <a:xfrm>
-            <a:off x="142920" y="1285560"/>
-            <a:ext cx="3675240" cy="2674440"/>
-          </a:xfrm>
-          <a:prstGeom prst="rect">
-            <a:avLst/>
-          </a:prstGeom>
-          <a:ln>
-            <a:noFill/>
-          </a:ln>
+            <a:off x="838078" y="1988256"/>
+            <a:ext cx="4518594" cy="3334850"/>
+          </a:xfrm>
+          <a:prstGeom prst="rect">
+            <a:avLst/>
+          </a:prstGeom>
         </p:spPr>
       </p:pic>
       <p:pic>
         <p:nvPicPr>
-          <p:cNvPr id="161" name="Image 160"/>
-          <p:cNvPicPr/>
+          <p:cNvPr id="9" name="Image 8">
+            <a:extLst>
+              <a:ext uri="{FF2B5EF4-FFF2-40B4-BE49-F238E27FC236}">
+                <a16:creationId xmlns:a16="http://schemas.microsoft.com/office/drawing/2014/main" id="{E751977C-0A0C-437D-9778-788565CFBE2B}"/>
+              </a:ext>
+            </a:extLst>
+          </p:cNvPr>
+          <p:cNvPicPr>
+            <a:picLocks noChangeAspect="1"/>
+          </p:cNvPicPr>
           <p:nvPr/>
         </p:nvPicPr>
         <p:blipFill>
           <a:blip r:embed="rId3"/>
-          <a:stretch/>
+          <a:stretch>
+            <a:fillRect/>
+          </a:stretch>
         </p:blipFill>
         <p:spPr>
           <a:xfrm>
-            <a:off x="3861000" y="1200240"/>
-            <a:ext cx="4370760" cy="3012120"/>
-          </a:xfrm>
-          <a:prstGeom prst="rect">
-            <a:avLst/>
-          </a:prstGeom>
-          <a:ln>
-            <a:noFill/>
-          </a:ln>
+            <a:off x="6197600" y="1932147"/>
+            <a:ext cx="3579346" cy="3390959"/>
+          </a:xfrm>
+          <a:prstGeom prst="rect">
+            <a:avLst/>
+          </a:prstGeom>
         </p:spPr>
       </p:pic>
-      <p:pic>
-        <p:nvPicPr>
-          <p:cNvPr id="162" name="Image 161"/>
-          <p:cNvPicPr/>
-          <p:nvPr/>
-        </p:nvPicPr>
-        <p:blipFill>
-          <a:blip r:embed="rId4"/>
-          <a:stretch/>
-        </p:blipFill>
-        <p:spPr>
-          <a:xfrm>
-            <a:off x="8049600" y="1200240"/>
-            <a:ext cx="4072320" cy="2788200"/>
-          </a:xfrm>
-          <a:prstGeom prst="rect">
-            <a:avLst/>
-          </a:prstGeom>
-          <a:ln>
-            <a:noFill/>
-          </a:ln>
-        </p:spPr>
-      </p:pic>
-      <p:sp>
-        <p:nvSpPr>
-          <p:cNvPr id="163" name="TextShape 1"/>
+      <p:sp>
+        <p:nvSpPr>
+          <p:cNvPr id="10" name="ZoneTexte 9">
+            <a:extLst>
+              <a:ext uri="{FF2B5EF4-FFF2-40B4-BE49-F238E27FC236}">
+                <a16:creationId xmlns:a16="http://schemas.microsoft.com/office/drawing/2014/main" id="{CB68F921-E70C-4467-A1FE-527F13276D33}"/>
+              </a:ext>
+            </a:extLst>
+          </p:cNvPr>
           <p:cNvSpPr txBox="1"/>
           <p:nvPr/>
         </p:nvSpPr>
         <p:spPr>
           <a:xfrm>
-            <a:off x="759600" y="278280"/>
-            <a:ext cx="8701200" cy="602280"/>
+            <a:off x="838078" y="5565053"/>
+            <a:ext cx="5863771" cy="923330"/>
           </a:xfrm>
           <a:prstGeom prst="rect">
             <a:avLst/>
           </a:prstGeom>
           <a:noFill/>
-          <a:ln>
-            <a:noFill/>
-          </a:ln>
-        </p:spPr>
-        <p:txBody>
-          <a:bodyPr lIns="90000" tIns="45000" rIns="90000" bIns="45000">
-            <a:noAutofit/>
-          </a:bodyPr>
-          <a:lstStyle/>
-          <a:p>
-            <a:r>
-              <a:rPr lang="fr-FR" sz="1800" b="0" strike="noStrike" spc="-1">
-                <a:latin typeface="Arial"/>
-              </a:rPr>
-              <a:t>Les résultats des trois architectures en dessous des performances espérées </a:t>
-            </a:r>
-          </a:p>
-        </p:txBody>
-      </p:sp>
-      <p:sp>
-        <p:nvSpPr>
-          <p:cNvPr id="164" name="TextShape 2"/>
-          <p:cNvSpPr txBox="1"/>
-          <p:nvPr/>
-        </p:nvSpPr>
-        <p:spPr>
-          <a:xfrm>
-            <a:off x="641880" y="4366440"/>
-            <a:ext cx="2504520" cy="346320"/>
-          </a:xfrm>
-          <a:prstGeom prst="rect">
-            <a:avLst/>
-          </a:prstGeom>
-          <a:noFill/>
-          <a:ln>
-            <a:noFill/>
-          </a:ln>
-        </p:spPr>
-        <p:txBody>
-          <a:bodyPr lIns="90000" tIns="45000" rIns="90000" bIns="45000">
-            <a:noAutofit/>
-          </a:bodyPr>
-          <a:lstStyle/>
-          <a:p>
-            <a:r>
-              <a:rPr lang="fr-FR" sz="1800" b="0" strike="noStrike" spc="-1">
-                <a:latin typeface="Arial"/>
-              </a:rPr>
-              <a:t>Trajectoire des pistes</a:t>
-            </a:r>
-          </a:p>
-        </p:txBody>
-      </p:sp>
-      <p:sp>
-        <p:nvSpPr>
-          <p:cNvPr id="165" name="TextShape 3"/>
-          <p:cNvSpPr txBox="1"/>
-          <p:nvPr/>
-        </p:nvSpPr>
-        <p:spPr>
-          <a:xfrm>
-            <a:off x="684720" y="5040720"/>
-            <a:ext cx="4494960" cy="602280"/>
-          </a:xfrm>
-          <a:prstGeom prst="rect">
-            <a:avLst/>
-          </a:prstGeom>
-          <a:noFill/>
-          <a:ln>
-            <a:noFill/>
-          </a:ln>
-        </p:spPr>
-        <p:txBody>
-          <a:bodyPr lIns="90000" tIns="45000" rIns="90000" bIns="45000">
-            <a:noAutofit/>
-          </a:bodyPr>
-          <a:lstStyle/>
-          <a:p>
-            <a:r>
-              <a:rPr lang="fr-FR" sz="1800" b="0" strike="noStrike" spc="-1">
-                <a:latin typeface="Arial"/>
-              </a:rPr>
-              <a:t>Mauvaise réception des données radar</a:t>
-            </a:r>
-          </a:p>
-        </p:txBody>
-      </p:sp>
-      <p:sp>
-        <p:nvSpPr>
-          <p:cNvPr id="166" name="TextShape 4"/>
-          <p:cNvSpPr txBox="1"/>
-          <p:nvPr/>
-        </p:nvSpPr>
-        <p:spPr>
-          <a:xfrm>
-            <a:off x="684720" y="5643000"/>
-            <a:ext cx="10252800" cy="602280"/>
-          </a:xfrm>
-          <a:prstGeom prst="rect">
-            <a:avLst/>
-          </a:prstGeom>
-          <a:noFill/>
-          <a:ln>
-            <a:noFill/>
-          </a:ln>
-        </p:spPr>
-        <p:txBody>
-          <a:bodyPr lIns="90000" tIns="45000" rIns="90000" bIns="45000">
-            <a:noAutofit/>
-          </a:bodyPr>
-          <a:lstStyle/>
-          <a:p>
-            <a:r>
-              <a:rPr lang="fr-FR" sz="1800" b="0" strike="noStrike" spc="-1">
-                <a:latin typeface="Arial"/>
-              </a:rPr>
-              <a:t>Pas assez d’instants captés afin de pouvoir utiliser des instants du passé se suivant</a:t>
-            </a:r>
-          </a:p>
-        </p:txBody>
-      </p:sp>
-      <p:sp>
-        <p:nvSpPr>
-          <p:cNvPr id="167" name="TextShape 5"/>
-          <p:cNvSpPr txBox="1"/>
-          <p:nvPr/>
-        </p:nvSpPr>
-        <p:spPr>
-          <a:xfrm>
-            <a:off x="749160" y="6245280"/>
-            <a:ext cx="8636400" cy="602280"/>
-          </a:xfrm>
-          <a:prstGeom prst="rect">
-            <a:avLst/>
-          </a:prstGeom>
-          <a:noFill/>
-          <a:ln>
-            <a:noFill/>
-          </a:ln>
-        </p:spPr>
-        <p:txBody>
-          <a:bodyPr lIns="90000" tIns="45000" rIns="90000" bIns="45000">
-            <a:noAutofit/>
-          </a:bodyPr>
-          <a:lstStyle/>
-          <a:p>
-            <a:r>
-              <a:rPr lang="fr-FR" sz="1800" b="0" strike="noStrike" spc="-1">
-                <a:latin typeface="Arial"/>
-              </a:rPr>
-              <a:t>Surentrainement → les données simulées sont trop variées.</a:t>
+        </p:spPr>
+        <p:txBody>
+          <a:bodyPr wrap="square" rtlCol="0">
+            <a:spAutoFit/>
+          </a:bodyPr>
+          <a:lstStyle/>
+          <a:p>
+            <a:pPr marL="285750" indent="-285750">
+              <a:buFont typeface="Arial" panose="020B0604020202020204" pitchFamily="34" charset="0"/>
+              <a:buChar char="•"/>
+            </a:pPr>
+            <a:r>
+              <a:rPr lang="fr-BE" dirty="0"/>
+              <a:t>Moins bonne MSE que le MLP</a:t>
+            </a:r>
+          </a:p>
+          <a:p>
+            <a:pPr marL="285750" indent="-285750">
+              <a:buFont typeface="Arial" panose="020B0604020202020204" pitchFamily="34" charset="0"/>
+              <a:buChar char="•"/>
+            </a:pPr>
+            <a:r>
+              <a:rPr lang="fr-BE" dirty="0"/>
+              <a:t>Meilleur apprentissage de la cinématique des véhicules</a:t>
             </a:r>
           </a:p>
         </p:txBody>
       </p:sp>
     </p:spTree>
+    <p:extLst>
+      <p:ext uri="{BB962C8B-B14F-4D97-AF65-F5344CB8AC3E}">
+        <p14:creationId xmlns:p14="http://schemas.microsoft.com/office/powerpoint/2010/main" val="3357871609"/>
+      </p:ext>
+    </p:extLst>
   </p:cSld>
   <p:clrMapOvr>
     <a:masterClrMapping/>
@@ -8163,7 +8214,7 @@
 </p:sld>
 </file>
 
-<file path=ppt/slides/slide3.xml><?xml version="1.0" encoding="utf-8"?>
+<file path=ppt/slides/slide21.xml><?xml version="1.0" encoding="utf-8"?>
 <p:sld xmlns:a="http://schemas.openxmlformats.org/drawingml/2006/main" xmlns:r="http://schemas.openxmlformats.org/officeDocument/2006/relationships" xmlns:p="http://schemas.openxmlformats.org/presentationml/2006/main">
   <p:cSld>
     <p:spTree>
@@ -8182,14 +8233,14 @@
       </p:grpSpPr>
       <p:sp>
         <p:nvSpPr>
-          <p:cNvPr id="87" name="CustomShape 1"/>
-          <p:cNvSpPr/>
-          <p:nvPr/>
-        </p:nvSpPr>
-        <p:spPr>
-          <a:xfrm>
-            <a:off x="928440" y="351720"/>
-            <a:ext cx="10873800" cy="1187640"/>
+          <p:cNvPr id="148" name="TextShape 1"/>
+          <p:cNvSpPr txBox="1"/>
+          <p:nvPr/>
+        </p:nvSpPr>
+        <p:spPr>
+          <a:xfrm>
+            <a:off x="706320" y="556560"/>
+            <a:ext cx="6057360" cy="602280"/>
           </a:xfrm>
           <a:prstGeom prst="rect">
             <a:avLst/>
@@ -8197,6 +8248,305 @@
           <a:noFill/>
           <a:ln>
             <a:noFill/>
+          </a:ln>
+        </p:spPr>
+        <p:txBody>
+          <a:bodyPr lIns="90000" tIns="45000" rIns="90000" bIns="45000">
+            <a:noAutofit/>
+          </a:bodyPr>
+          <a:lstStyle/>
+          <a:p>
+            <a:r>
+              <a:rPr lang="fr-FR" sz="1800" b="0" strike="noStrike" spc="-1">
+                <a:latin typeface="Arial"/>
+              </a:rPr>
+              <a:t>La validation expérimentale ressemble à la simulation</a:t>
+            </a:r>
+          </a:p>
+          <a:p>
+            <a:endParaRPr lang="fr-FR" sz="1800" b="0" strike="noStrike" spc="-1">
+              <a:latin typeface="Arial"/>
+            </a:endParaRPr>
+          </a:p>
+        </p:txBody>
+      </p:sp>
+      <p:pic>
+        <p:nvPicPr>
+          <p:cNvPr id="149" name="Image 148"/>
+          <p:cNvPicPr/>
+          <p:nvPr/>
+        </p:nvPicPr>
+        <p:blipFill>
+          <a:blip r:embed="rId2"/>
+          <a:stretch/>
+        </p:blipFill>
+        <p:spPr>
+          <a:xfrm>
+            <a:off x="3805920" y="1294920"/>
+            <a:ext cx="4057200" cy="2975760"/>
+          </a:xfrm>
+          <a:prstGeom prst="rect">
+            <a:avLst/>
+          </a:prstGeom>
+          <a:ln>
+            <a:noFill/>
+          </a:ln>
+        </p:spPr>
+      </p:pic>
+      <p:pic>
+        <p:nvPicPr>
+          <p:cNvPr id="150" name="Image 149"/>
+          <p:cNvPicPr/>
+          <p:nvPr/>
+        </p:nvPicPr>
+        <p:blipFill>
+          <a:blip r:embed="rId3"/>
+          <a:stretch/>
+        </p:blipFill>
+        <p:spPr>
+          <a:xfrm>
+            <a:off x="7951680" y="1307880"/>
+            <a:ext cx="4142160" cy="2982960"/>
+          </a:xfrm>
+          <a:prstGeom prst="rect">
+            <a:avLst/>
+          </a:prstGeom>
+          <a:ln>
+            <a:noFill/>
+          </a:ln>
+        </p:spPr>
+      </p:pic>
+      <p:pic>
+        <p:nvPicPr>
+          <p:cNvPr id="151" name="Image 150"/>
+          <p:cNvPicPr/>
+          <p:nvPr/>
+        </p:nvPicPr>
+        <p:blipFill>
+          <a:blip r:embed="rId4"/>
+          <a:stretch/>
+        </p:blipFill>
+        <p:spPr>
+          <a:xfrm>
+            <a:off x="0" y="1371960"/>
+            <a:ext cx="3816000" cy="2769840"/>
+          </a:xfrm>
+          <a:prstGeom prst="rect">
+            <a:avLst/>
+          </a:prstGeom>
+          <a:ln>
+            <a:noFill/>
+          </a:ln>
+        </p:spPr>
+      </p:pic>
+      <p:sp>
+        <p:nvSpPr>
+          <p:cNvPr id="152" name="TextShape 2"/>
+          <p:cNvSpPr txBox="1"/>
+          <p:nvPr/>
+        </p:nvSpPr>
+        <p:spPr>
+          <a:xfrm>
+            <a:off x="492120" y="4334400"/>
+            <a:ext cx="2579400" cy="346320"/>
+          </a:xfrm>
+          <a:prstGeom prst="rect">
+            <a:avLst/>
+          </a:prstGeom>
+          <a:noFill/>
+          <a:ln>
+            <a:noFill/>
+          </a:ln>
+        </p:spPr>
+        <p:txBody>
+          <a:bodyPr lIns="90000" tIns="45000" rIns="90000" bIns="45000">
+            <a:noAutofit/>
+          </a:bodyPr>
+          <a:lstStyle/>
+          <a:p>
+            <a:r>
+              <a:rPr lang="fr-FR" sz="1800" b="0" strike="noStrike" spc="-1">
+                <a:latin typeface="Arial"/>
+              </a:rPr>
+              <a:t>Sans calibration</a:t>
+            </a:r>
+          </a:p>
+        </p:txBody>
+      </p:sp>
+      <p:sp>
+        <p:nvSpPr>
+          <p:cNvPr id="153" name="TextShape 3"/>
+          <p:cNvSpPr txBox="1"/>
+          <p:nvPr/>
+        </p:nvSpPr>
+        <p:spPr>
+          <a:xfrm>
+            <a:off x="4131000" y="4388040"/>
+            <a:ext cx="3381840" cy="346320"/>
+          </a:xfrm>
+          <a:prstGeom prst="rect">
+            <a:avLst/>
+          </a:prstGeom>
+          <a:noFill/>
+          <a:ln>
+            <a:noFill/>
+          </a:ln>
+        </p:spPr>
+        <p:txBody>
+          <a:bodyPr lIns="90000" tIns="45000" rIns="90000" bIns="45000">
+            <a:noAutofit/>
+          </a:bodyPr>
+          <a:lstStyle/>
+          <a:p>
+            <a:r>
+              <a:rPr lang="fr-FR" sz="1800" b="0" strike="noStrike" spc="-1">
+                <a:latin typeface="Arial"/>
+              </a:rPr>
+              <a:t>Avec calibration</a:t>
+            </a:r>
+          </a:p>
+        </p:txBody>
+      </p:sp>
+      <p:sp>
+        <p:nvSpPr>
+          <p:cNvPr id="154" name="TextShape 4"/>
+          <p:cNvSpPr txBox="1"/>
+          <p:nvPr/>
+        </p:nvSpPr>
+        <p:spPr>
+          <a:xfrm>
+            <a:off x="8433000" y="4345200"/>
+            <a:ext cx="2953800" cy="346320"/>
+          </a:xfrm>
+          <a:prstGeom prst="rect">
+            <a:avLst/>
+          </a:prstGeom>
+          <a:noFill/>
+          <a:ln>
+            <a:noFill/>
+          </a:ln>
+        </p:spPr>
+        <p:txBody>
+          <a:bodyPr lIns="90000" tIns="45000" rIns="90000" bIns="45000">
+            <a:noAutofit/>
+          </a:bodyPr>
+          <a:lstStyle/>
+          <a:p>
+            <a:r>
+              <a:rPr lang="fr-FR" sz="1800" b="0" strike="noStrike" spc="-1">
+                <a:latin typeface="Arial"/>
+              </a:rPr>
+              <a:t>Simulation radar</a:t>
+            </a:r>
+          </a:p>
+        </p:txBody>
+      </p:sp>
+    </p:spTree>
+  </p:cSld>
+  <p:clrMapOvr>
+    <a:masterClrMapping/>
+  </p:clrMapOvr>
+</p:sld>
+</file>
+
+<file path=ppt/slides/slide22.xml><?xml version="1.0" encoding="utf-8"?>
+<p:sld xmlns:a="http://schemas.openxmlformats.org/drawingml/2006/main" xmlns:r="http://schemas.openxmlformats.org/officeDocument/2006/relationships" xmlns:p="http://schemas.openxmlformats.org/presentationml/2006/main">
+  <p:cSld>
+    <p:spTree>
+      <p:nvGrpSpPr>
+        <p:cNvPr id="1" name=""/>
+        <p:cNvGrpSpPr/>
+        <p:nvPr/>
+      </p:nvGrpSpPr>
+      <p:grpSpPr>
+        <a:xfrm>
+          <a:off x="0" y="0"/>
+          <a:ext cx="0" cy="0"/>
+          <a:chOff x="0" y="0"/>
+          <a:chExt cx="0" cy="0"/>
+        </a:xfrm>
+      </p:grpSpPr>
+      <p:sp>
+        <p:nvSpPr>
+          <p:cNvPr id="155" name="TextShape 1"/>
+          <p:cNvSpPr txBox="1"/>
+          <p:nvPr/>
+        </p:nvSpPr>
+        <p:spPr>
+          <a:xfrm>
+            <a:off x="802440" y="363960"/>
+            <a:ext cx="5458320" cy="602280"/>
+          </a:xfrm>
+          <a:prstGeom prst="rect">
+            <a:avLst/>
+          </a:prstGeom>
+          <a:noFill/>
+          <a:ln>
+            <a:noFill/>
+          </a:ln>
+        </p:spPr>
+        <p:txBody>
+          <a:bodyPr lIns="90000" tIns="45000" rIns="90000" bIns="45000">
+            <a:noAutofit/>
+          </a:bodyPr>
+          <a:lstStyle/>
+          <a:p>
+            <a:r>
+              <a:rPr lang="fr-FR" sz="1800" b="0" strike="noStrike" spc="-1">
+                <a:latin typeface="Arial"/>
+              </a:rPr>
+              <a:t>La validation expérimentale pose encore souci </a:t>
+            </a:r>
+          </a:p>
+          <a:p>
+            <a:endParaRPr lang="fr-FR" sz="1800" b="0" strike="noStrike" spc="-1">
+              <a:latin typeface="Arial"/>
+            </a:endParaRPr>
+          </a:p>
+        </p:txBody>
+      </p:sp>
+      <p:pic>
+        <p:nvPicPr>
+          <p:cNvPr id="156" name="Image 155"/>
+          <p:cNvPicPr/>
+          <p:nvPr/>
+        </p:nvPicPr>
+        <p:blipFill>
+          <a:blip r:embed="rId2"/>
+          <a:stretch/>
+        </p:blipFill>
+        <p:spPr>
+          <a:xfrm>
+            <a:off x="567000" y="1086120"/>
+            <a:ext cx="6928920" cy="4728960"/>
+          </a:xfrm>
+          <a:prstGeom prst="rect">
+            <a:avLst/>
+          </a:prstGeom>
+          <a:ln>
+            <a:noFill/>
+          </a:ln>
+        </p:spPr>
+      </p:pic>
+      <p:sp>
+        <p:nvSpPr>
+          <p:cNvPr id="157" name="Line 2"/>
+          <p:cNvSpPr/>
+          <p:nvPr/>
+        </p:nvSpPr>
+        <p:spPr>
+          <a:xfrm>
+            <a:off x="363600" y="1669680"/>
+            <a:ext cx="6185880" cy="4237920"/>
+          </a:xfrm>
+          <a:prstGeom prst="line">
+            <a:avLst/>
+          </a:prstGeom>
+          <a:ln w="38160">
+            <a:solidFill>
+              <a:srgbClr val="E47200"/>
+            </a:solidFill>
+            <a:round/>
           </a:ln>
         </p:spPr>
         <p:style>
@@ -8211,95 +8561,26 @@
           </a:effectRef>
           <a:fontRef idx="minor"/>
         </p:style>
-        <p:txBody>
-          <a:bodyPr lIns="90000" tIns="45000" rIns="90000" bIns="45000">
-            <a:spAutoFit/>
-          </a:bodyPr>
-          <a:lstStyle/>
-          <a:p>
-            <a:pPr algn="ctr">
-              <a:lnSpc>
-                <a:spcPct val="100000"/>
-              </a:lnSpc>
-            </a:pPr>
-            <a:r>
-              <a:rPr lang="fr-BE" sz="3600" b="0" strike="noStrike" spc="-1">
-                <a:solidFill>
-                  <a:srgbClr val="000000"/>
-                </a:solidFill>
-                <a:latin typeface="Calibri"/>
-              </a:rPr>
-              <a:t>Conception d’un senseur intégré multimodal pour l’observation des routes</a:t>
-            </a:r>
-            <a:endParaRPr lang="fr-FR" sz="3600" b="0" strike="noStrike" spc="-1">
-              <a:latin typeface="Arial"/>
-            </a:endParaRPr>
-          </a:p>
-        </p:txBody>
-      </p:sp>
-      <p:pic>
-        <p:nvPicPr>
-          <p:cNvPr id="88" name="Image 5"/>
-          <p:cNvPicPr/>
-          <p:nvPr/>
-        </p:nvPicPr>
-        <p:blipFill>
-          <a:blip r:embed="rId2"/>
-          <a:stretch/>
-        </p:blipFill>
-        <p:spPr>
-          <a:xfrm>
-            <a:off x="736200" y="2584080"/>
-            <a:ext cx="4942800" cy="3539160"/>
-          </a:xfrm>
-          <a:prstGeom prst="rect">
-            <a:avLst/>
-          </a:prstGeom>
-          <a:ln>
-            <a:noFill/>
-          </a:ln>
-        </p:spPr>
-      </p:pic>
-      <p:pic>
-        <p:nvPicPr>
-          <p:cNvPr id="89" name="Image 7"/>
-          <p:cNvPicPr/>
-          <p:nvPr/>
-        </p:nvPicPr>
-        <p:blipFill>
-          <a:blip r:embed="rId3"/>
-          <a:stretch/>
-        </p:blipFill>
-        <p:spPr>
-          <a:xfrm>
-            <a:off x="6095880" y="2584080"/>
-            <a:ext cx="5218920" cy="3540960"/>
-          </a:xfrm>
-          <a:prstGeom prst="rect">
-            <a:avLst/>
-          </a:prstGeom>
-          <a:ln>
-            <a:noFill/>
-          </a:ln>
-        </p:spPr>
-      </p:pic>
-      <p:sp>
-        <p:nvSpPr>
-          <p:cNvPr id="90" name="CustomShape 2"/>
+      </p:sp>
+      <p:sp>
+        <p:nvSpPr>
+          <p:cNvPr id="158" name="Line 3"/>
           <p:cNvSpPr/>
           <p:nvPr/>
         </p:nvSpPr>
         <p:spPr>
           <a:xfrm>
-            <a:off x="1027080" y="1814760"/>
-            <a:ext cx="2405160" cy="395280"/>
-          </a:xfrm>
-          <a:prstGeom prst="rect">
-            <a:avLst/>
-          </a:prstGeom>
-          <a:noFill/>
-          <a:ln>
-            <a:noFill/>
+            <a:off x="1541160" y="966240"/>
+            <a:ext cx="6367680" cy="4331520"/>
+          </a:xfrm>
+          <a:prstGeom prst="line">
+            <a:avLst/>
+          </a:prstGeom>
+          <a:ln w="38160">
+            <a:solidFill>
+              <a:srgbClr val="3465A4"/>
+            </a:solidFill>
+            <a:round/>
           </a:ln>
         </p:spPr>
         <p:style>
@@ -8314,29 +8595,56 @@
           </a:effectRef>
           <a:fontRef idx="minor"/>
         </p:style>
+      </p:sp>
+      <p:sp>
+        <p:nvSpPr>
+          <p:cNvPr id="159" name="TextShape 4"/>
+          <p:cNvSpPr txBox="1"/>
+          <p:nvPr/>
+        </p:nvSpPr>
+        <p:spPr>
+          <a:xfrm>
+            <a:off x="8336880" y="1273680"/>
+            <a:ext cx="2675520" cy="2394000"/>
+          </a:xfrm>
+          <a:prstGeom prst="rect">
+            <a:avLst/>
+          </a:prstGeom>
+          <a:noFill/>
+          <a:ln>
+            <a:noFill/>
+          </a:ln>
+        </p:spPr>
         <p:txBody>
           <a:bodyPr lIns="90000" tIns="45000" rIns="90000" bIns="45000">
-            <a:spAutoFit/>
-          </a:bodyPr>
-          <a:lstStyle/>
-          <a:p>
-            <a:pPr>
-              <a:lnSpc>
-                <a:spcPct val="100000"/>
-              </a:lnSpc>
-            </a:pPr>
-            <a:r>
-              <a:rPr lang="fr-BE" sz="2000" b="0" strike="noStrike" spc="-1">
-                <a:solidFill>
-                  <a:srgbClr val="000000"/>
-                </a:solidFill>
-                <a:latin typeface="Calibri"/>
+            <a:noAutofit/>
+          </a:bodyPr>
+          <a:lstStyle/>
+          <a:p>
+            <a:r>
+              <a:rPr lang="fr-FR" sz="1800" b="0" strike="noStrike" spc="-1">
+                <a:latin typeface="Arial"/>
               </a:rPr>
-              <a:t>Radar Doppler:</a:t>
-            </a:r>
-            <a:endParaRPr lang="fr-FR" sz="2000" b="0" strike="noStrike" spc="-1">
+              <a:t>Les données caméra suivent une trajectoire</a:t>
+            </a:r>
+          </a:p>
+          <a:p>
+            <a:endParaRPr lang="fr-FR" sz="1800" b="0" strike="noStrike" spc="-1">
               <a:latin typeface="Arial"/>
             </a:endParaRPr>
+          </a:p>
+          <a:p>
+            <a:endParaRPr lang="fr-FR" sz="1800" b="0" strike="noStrike" spc="-1">
+              <a:latin typeface="Arial"/>
+            </a:endParaRPr>
+          </a:p>
+          <a:p>
+            <a:r>
+              <a:rPr lang="fr-FR" sz="1800" b="0" strike="noStrike" spc="-1">
+                <a:latin typeface="Arial"/>
+              </a:rPr>
+              <a:t>Les données radar après levée d’ambuigités ne correspond pas tout a fait à nos attentes</a:t>
+            </a:r>
           </a:p>
         </p:txBody>
       </p:sp>
@@ -8348,7 +8656,271 @@
 </p:sld>
 </file>
 
-<file path=ppt/slides/slide4.xml><?xml version="1.0" encoding="utf-8"?>
+<file path=ppt/slides/slide23.xml><?xml version="1.0" encoding="utf-8"?>
+<p:sld xmlns:a="http://schemas.openxmlformats.org/drawingml/2006/main" xmlns:r="http://schemas.openxmlformats.org/officeDocument/2006/relationships" xmlns:p="http://schemas.openxmlformats.org/presentationml/2006/main">
+  <p:cSld>
+    <p:spTree>
+      <p:nvGrpSpPr>
+        <p:cNvPr id="1" name=""/>
+        <p:cNvGrpSpPr/>
+        <p:nvPr/>
+      </p:nvGrpSpPr>
+      <p:grpSpPr>
+        <a:xfrm>
+          <a:off x="0" y="0"/>
+          <a:ext cx="0" cy="0"/>
+          <a:chOff x="0" y="0"/>
+          <a:chExt cx="0" cy="0"/>
+        </a:xfrm>
+      </p:grpSpPr>
+      <p:pic>
+        <p:nvPicPr>
+          <p:cNvPr id="160" name="Image 159"/>
+          <p:cNvPicPr/>
+          <p:nvPr/>
+        </p:nvPicPr>
+        <p:blipFill>
+          <a:blip r:embed="rId2"/>
+          <a:stretch/>
+        </p:blipFill>
+        <p:spPr>
+          <a:xfrm>
+            <a:off x="142920" y="1285560"/>
+            <a:ext cx="3675240" cy="2674440"/>
+          </a:xfrm>
+          <a:prstGeom prst="rect">
+            <a:avLst/>
+          </a:prstGeom>
+          <a:ln>
+            <a:noFill/>
+          </a:ln>
+        </p:spPr>
+      </p:pic>
+      <p:pic>
+        <p:nvPicPr>
+          <p:cNvPr id="161" name="Image 160"/>
+          <p:cNvPicPr/>
+          <p:nvPr/>
+        </p:nvPicPr>
+        <p:blipFill>
+          <a:blip r:embed="rId3"/>
+          <a:stretch/>
+        </p:blipFill>
+        <p:spPr>
+          <a:xfrm>
+            <a:off x="3861000" y="1200240"/>
+            <a:ext cx="4370760" cy="3012120"/>
+          </a:xfrm>
+          <a:prstGeom prst="rect">
+            <a:avLst/>
+          </a:prstGeom>
+          <a:ln>
+            <a:noFill/>
+          </a:ln>
+        </p:spPr>
+      </p:pic>
+      <p:pic>
+        <p:nvPicPr>
+          <p:cNvPr id="162" name="Image 161"/>
+          <p:cNvPicPr/>
+          <p:nvPr/>
+        </p:nvPicPr>
+        <p:blipFill>
+          <a:blip r:embed="rId4"/>
+          <a:stretch/>
+        </p:blipFill>
+        <p:spPr>
+          <a:xfrm>
+            <a:off x="8049600" y="1200240"/>
+            <a:ext cx="4072320" cy="2788200"/>
+          </a:xfrm>
+          <a:prstGeom prst="rect">
+            <a:avLst/>
+          </a:prstGeom>
+          <a:ln>
+            <a:noFill/>
+          </a:ln>
+        </p:spPr>
+      </p:pic>
+      <p:sp>
+        <p:nvSpPr>
+          <p:cNvPr id="163" name="TextShape 1"/>
+          <p:cNvSpPr txBox="1"/>
+          <p:nvPr/>
+        </p:nvSpPr>
+        <p:spPr>
+          <a:xfrm>
+            <a:off x="759600" y="278280"/>
+            <a:ext cx="8701200" cy="602280"/>
+          </a:xfrm>
+          <a:prstGeom prst="rect">
+            <a:avLst/>
+          </a:prstGeom>
+          <a:noFill/>
+          <a:ln>
+            <a:noFill/>
+          </a:ln>
+        </p:spPr>
+        <p:txBody>
+          <a:bodyPr lIns="90000" tIns="45000" rIns="90000" bIns="45000">
+            <a:noAutofit/>
+          </a:bodyPr>
+          <a:lstStyle/>
+          <a:p>
+            <a:r>
+              <a:rPr lang="fr-FR" sz="1800" b="0" strike="noStrike" spc="-1">
+                <a:latin typeface="Arial"/>
+              </a:rPr>
+              <a:t>Les résultats des trois architectures en dessous des performances espérées </a:t>
+            </a:r>
+          </a:p>
+        </p:txBody>
+      </p:sp>
+      <p:sp>
+        <p:nvSpPr>
+          <p:cNvPr id="164" name="TextShape 2"/>
+          <p:cNvSpPr txBox="1"/>
+          <p:nvPr/>
+        </p:nvSpPr>
+        <p:spPr>
+          <a:xfrm>
+            <a:off x="641880" y="4366440"/>
+            <a:ext cx="2504520" cy="346320"/>
+          </a:xfrm>
+          <a:prstGeom prst="rect">
+            <a:avLst/>
+          </a:prstGeom>
+          <a:noFill/>
+          <a:ln>
+            <a:noFill/>
+          </a:ln>
+        </p:spPr>
+        <p:txBody>
+          <a:bodyPr lIns="90000" tIns="45000" rIns="90000" bIns="45000">
+            <a:noAutofit/>
+          </a:bodyPr>
+          <a:lstStyle/>
+          <a:p>
+            <a:r>
+              <a:rPr lang="fr-FR" sz="1800" b="0" strike="noStrike" spc="-1">
+                <a:latin typeface="Arial"/>
+              </a:rPr>
+              <a:t>Trajectoire des pistes</a:t>
+            </a:r>
+          </a:p>
+        </p:txBody>
+      </p:sp>
+      <p:sp>
+        <p:nvSpPr>
+          <p:cNvPr id="165" name="TextShape 3"/>
+          <p:cNvSpPr txBox="1"/>
+          <p:nvPr/>
+        </p:nvSpPr>
+        <p:spPr>
+          <a:xfrm>
+            <a:off x="684720" y="5040720"/>
+            <a:ext cx="4494960" cy="602280"/>
+          </a:xfrm>
+          <a:prstGeom prst="rect">
+            <a:avLst/>
+          </a:prstGeom>
+          <a:noFill/>
+          <a:ln>
+            <a:noFill/>
+          </a:ln>
+        </p:spPr>
+        <p:txBody>
+          <a:bodyPr lIns="90000" tIns="45000" rIns="90000" bIns="45000">
+            <a:noAutofit/>
+          </a:bodyPr>
+          <a:lstStyle/>
+          <a:p>
+            <a:r>
+              <a:rPr lang="fr-FR" sz="1800" b="0" strike="noStrike" spc="-1">
+                <a:latin typeface="Arial"/>
+              </a:rPr>
+              <a:t>Mauvaise réception des données radar</a:t>
+            </a:r>
+          </a:p>
+        </p:txBody>
+      </p:sp>
+      <p:sp>
+        <p:nvSpPr>
+          <p:cNvPr id="166" name="TextShape 4"/>
+          <p:cNvSpPr txBox="1"/>
+          <p:nvPr/>
+        </p:nvSpPr>
+        <p:spPr>
+          <a:xfrm>
+            <a:off x="684720" y="5643000"/>
+            <a:ext cx="10252800" cy="602280"/>
+          </a:xfrm>
+          <a:prstGeom prst="rect">
+            <a:avLst/>
+          </a:prstGeom>
+          <a:noFill/>
+          <a:ln>
+            <a:noFill/>
+          </a:ln>
+        </p:spPr>
+        <p:txBody>
+          <a:bodyPr lIns="90000" tIns="45000" rIns="90000" bIns="45000">
+            <a:noAutofit/>
+          </a:bodyPr>
+          <a:lstStyle/>
+          <a:p>
+            <a:r>
+              <a:rPr lang="fr-FR" sz="1800" b="0" strike="noStrike" spc="-1">
+                <a:latin typeface="Arial"/>
+              </a:rPr>
+              <a:t>Pas assez d’instants captés afin de pouvoir utiliser des instants du passé se suivant</a:t>
+            </a:r>
+          </a:p>
+        </p:txBody>
+      </p:sp>
+      <p:sp>
+        <p:nvSpPr>
+          <p:cNvPr id="167" name="TextShape 5"/>
+          <p:cNvSpPr txBox="1"/>
+          <p:nvPr/>
+        </p:nvSpPr>
+        <p:spPr>
+          <a:xfrm>
+            <a:off x="749160" y="6245280"/>
+            <a:ext cx="8636400" cy="602280"/>
+          </a:xfrm>
+          <a:prstGeom prst="rect">
+            <a:avLst/>
+          </a:prstGeom>
+          <a:noFill/>
+          <a:ln>
+            <a:noFill/>
+          </a:ln>
+        </p:spPr>
+        <p:txBody>
+          <a:bodyPr lIns="90000" tIns="45000" rIns="90000" bIns="45000">
+            <a:noAutofit/>
+          </a:bodyPr>
+          <a:lstStyle/>
+          <a:p>
+            <a:r>
+              <a:rPr lang="fr-FR" sz="1800" b="0" strike="noStrike" spc="-1">
+                <a:latin typeface="Arial"/>
+              </a:rPr>
+              <a:t>Surentrainement → les données simulées sont trop variées.</a:t>
+            </a:r>
+          </a:p>
+        </p:txBody>
+      </p:sp>
+    </p:spTree>
+  </p:cSld>
+  <p:clrMapOvr>
+    <a:masterClrMapping/>
+  </p:clrMapOvr>
+</p:sld>
+</file>
+
+<file path=ppt/slides/slide3.xml><?xml version="1.0" encoding="utf-8"?>
 <p:sld xmlns:a="http://schemas.openxmlformats.org/drawingml/2006/main" xmlns:r="http://schemas.openxmlformats.org/officeDocument/2006/relationships" xmlns:p="http://schemas.openxmlformats.org/presentationml/2006/main">
   <p:cSld>
     <p:spTree>
@@ -9583,7 +10155,7 @@
 </p:sld>
 </file>
 
-<file path=ppt/slides/slide5.xml><?xml version="1.0" encoding="utf-8"?>
+<file path=ppt/slides/slide4.xml><?xml version="1.0" encoding="utf-8"?>
 <p:sld xmlns:a="http://schemas.openxmlformats.org/drawingml/2006/main" xmlns:r="http://schemas.openxmlformats.org/officeDocument/2006/relationships" xmlns:p="http://schemas.openxmlformats.org/presentationml/2006/main">
   <p:cSld>
     <p:spTree>
@@ -9777,7 +10349,7 @@
 </p:sld>
 </file>
 
-<file path=ppt/slides/slide6.xml><?xml version="1.0" encoding="utf-8"?>
+<file path=ppt/slides/slide5.xml><?xml version="1.0" encoding="utf-8"?>
 <p:sld xmlns:a="http://schemas.openxmlformats.org/drawingml/2006/main" xmlns:r="http://schemas.openxmlformats.org/officeDocument/2006/relationships" xmlns:p="http://schemas.openxmlformats.org/presentationml/2006/main">
   <p:cSld>
     <p:spTree>
@@ -9973,6 +10545,289 @@
 </p:sld>
 </file>
 
+<file path=ppt/slides/slide6.xml><?xml version="1.0" encoding="utf-8"?>
+<p:sld xmlns:a="http://schemas.openxmlformats.org/drawingml/2006/main" xmlns:r="http://schemas.openxmlformats.org/officeDocument/2006/relationships" xmlns:p="http://schemas.openxmlformats.org/presentationml/2006/main">
+  <p:cSld>
+    <p:spTree>
+      <p:nvGrpSpPr>
+        <p:cNvPr id="1" name=""/>
+        <p:cNvGrpSpPr/>
+        <p:nvPr/>
+      </p:nvGrpSpPr>
+      <p:grpSpPr>
+        <a:xfrm>
+          <a:off x="0" y="0"/>
+          <a:ext cx="0" cy="0"/>
+          <a:chOff x="0" y="0"/>
+          <a:chExt cx="0" cy="0"/>
+        </a:xfrm>
+      </p:grpSpPr>
+      <p:sp>
+        <p:nvSpPr>
+          <p:cNvPr id="6" name="TextShape 1">
+            <a:extLst>
+              <a:ext uri="{FF2B5EF4-FFF2-40B4-BE49-F238E27FC236}">
+                <a16:creationId xmlns:a16="http://schemas.microsoft.com/office/drawing/2014/main" id="{E4107997-53BB-48F8-B55A-8B8B26F36A58}"/>
+              </a:ext>
+            </a:extLst>
+          </p:cNvPr>
+          <p:cNvSpPr txBox="1"/>
+          <p:nvPr/>
+        </p:nvSpPr>
+        <p:spPr>
+          <a:xfrm>
+            <a:off x="838380" y="0"/>
+            <a:ext cx="10515240" cy="4350960"/>
+          </a:xfrm>
+          <a:prstGeom prst="rect">
+            <a:avLst/>
+          </a:prstGeom>
+          <a:noFill/>
+          <a:ln>
+            <a:noFill/>
+          </a:ln>
+        </p:spPr>
+        <p:txBody>
+          <a:bodyPr>
+            <a:normAutofit/>
+          </a:bodyPr>
+          <a:lstStyle/>
+          <a:p>
+            <a:pPr marL="360">
+              <a:lnSpc>
+                <a:spcPct val="90000"/>
+              </a:lnSpc>
+              <a:spcBef>
+                <a:spcPts val="1001"/>
+              </a:spcBef>
+              <a:buClr>
+                <a:srgbClr val="000000"/>
+              </a:buClr>
+            </a:pPr>
+            <a:r>
+              <a:rPr lang="fr-BE" sz="3200" b="0" strike="noStrike" spc="-1" dirty="0">
+                <a:solidFill>
+                  <a:srgbClr val="000000"/>
+                </a:solidFill>
+                <a:latin typeface="Calibri"/>
+              </a:rPr>
+              <a:t>Extraction des données</a:t>
+            </a:r>
+          </a:p>
+          <a:p>
+            <a:pPr marL="360">
+              <a:lnSpc>
+                <a:spcPct val="90000"/>
+              </a:lnSpc>
+              <a:spcBef>
+                <a:spcPts val="1001"/>
+              </a:spcBef>
+              <a:buClr>
+                <a:srgbClr val="000000"/>
+              </a:buClr>
+            </a:pPr>
+            <a:r>
+              <a:rPr lang="fr-BE" sz="2000" spc="-1" dirty="0">
+                <a:solidFill>
+                  <a:srgbClr val="000000"/>
+                </a:solidFill>
+                <a:latin typeface="Calibri"/>
+              </a:rPr>
+              <a:t>Deuxième étape: Estimation de la profondeur pour chaque objet</a:t>
+            </a:r>
+          </a:p>
+          <a:p>
+            <a:pPr marL="343260" indent="-342900">
+              <a:lnSpc>
+                <a:spcPct val="90000"/>
+              </a:lnSpc>
+              <a:spcBef>
+                <a:spcPts val="1001"/>
+              </a:spcBef>
+              <a:buClr>
+                <a:srgbClr val="000000"/>
+              </a:buClr>
+              <a:buFont typeface="Arial" panose="020B0604020202020204" pitchFamily="34" charset="0"/>
+              <a:buChar char="•"/>
+            </a:pPr>
+            <a:r>
+              <a:rPr lang="fr-BE" sz="2000" b="0" strike="noStrike" spc="-1" dirty="0">
+                <a:solidFill>
+                  <a:srgbClr val="000000"/>
+                </a:solidFill>
+                <a:latin typeface="Calibri"/>
+              </a:rPr>
+              <a:t>Modélisation de la caméra avec le modèle du </a:t>
+            </a:r>
+            <a:r>
+              <a:rPr lang="fr-BE" sz="2000" b="0" strike="noStrike" spc="-1" dirty="0" err="1">
+                <a:solidFill>
+                  <a:srgbClr val="000000"/>
+                </a:solidFill>
+                <a:latin typeface="Calibri"/>
+              </a:rPr>
+              <a:t>pinhole</a:t>
+            </a:r>
+            <a:endParaRPr lang="fr-BE" sz="2000" b="0" strike="noStrike" spc="-1" dirty="0">
+              <a:solidFill>
+                <a:srgbClr val="000000"/>
+              </a:solidFill>
+              <a:latin typeface="Calibri"/>
+            </a:endParaRPr>
+          </a:p>
+          <a:p>
+            <a:pPr marL="343260" indent="-342900">
+              <a:lnSpc>
+                <a:spcPct val="90000"/>
+              </a:lnSpc>
+              <a:spcBef>
+                <a:spcPts val="1001"/>
+              </a:spcBef>
+              <a:buClr>
+                <a:srgbClr val="000000"/>
+              </a:buClr>
+              <a:buFont typeface="Arial" panose="020B0604020202020204" pitchFamily="34" charset="0"/>
+              <a:buChar char="•"/>
+            </a:pPr>
+            <a:r>
+              <a:rPr lang="fr-BE" sz="2000" spc="-1" dirty="0">
+                <a:solidFill>
+                  <a:srgbClr val="000000"/>
+                </a:solidFill>
+                <a:latin typeface="Calibri"/>
+              </a:rPr>
+              <a:t>Caméra virtuelle: pas de distance focale disponible</a:t>
+            </a:r>
+          </a:p>
+          <a:p>
+            <a:pPr marL="343260" indent="-342900">
+              <a:lnSpc>
+                <a:spcPct val="90000"/>
+              </a:lnSpc>
+              <a:spcBef>
+                <a:spcPts val="1001"/>
+              </a:spcBef>
+              <a:buClr>
+                <a:srgbClr val="000000"/>
+              </a:buClr>
+              <a:buFont typeface="Arial" panose="020B0604020202020204" pitchFamily="34" charset="0"/>
+              <a:buChar char="•"/>
+            </a:pPr>
+            <a:r>
+              <a:rPr lang="fr-BE" sz="2000" b="0" strike="noStrike" spc="-1" dirty="0">
+                <a:solidFill>
+                  <a:srgbClr val="000000"/>
+                </a:solidFill>
+                <a:latin typeface="Calibri"/>
+              </a:rPr>
+              <a:t>Utilisation de l’angle de vue (horizontal) de la caméra</a:t>
+            </a:r>
+          </a:p>
+        </p:txBody>
+      </p:sp>
+      <p:pic>
+        <p:nvPicPr>
+          <p:cNvPr id="8" name="Image 7">
+            <a:extLst>
+              <a:ext uri="{FF2B5EF4-FFF2-40B4-BE49-F238E27FC236}">
+                <a16:creationId xmlns:a16="http://schemas.microsoft.com/office/drawing/2014/main" id="{4F7351F9-6F89-4E8F-9758-2E2FA8D2BC6B}"/>
+              </a:ext>
+            </a:extLst>
+          </p:cNvPr>
+          <p:cNvPicPr>
+            <a:picLocks noChangeAspect="1"/>
+          </p:cNvPicPr>
+          <p:nvPr/>
+        </p:nvPicPr>
+        <p:blipFill>
+          <a:blip r:embed="rId2"/>
+          <a:stretch>
+            <a:fillRect/>
+          </a:stretch>
+        </p:blipFill>
+        <p:spPr>
+          <a:xfrm>
+            <a:off x="973423" y="2583543"/>
+            <a:ext cx="4459959" cy="3725698"/>
+          </a:xfrm>
+          <a:prstGeom prst="rect">
+            <a:avLst/>
+          </a:prstGeom>
+        </p:spPr>
+      </p:pic>
+      <p:pic>
+        <p:nvPicPr>
+          <p:cNvPr id="10" name="Image 9">
+            <a:extLst>
+              <a:ext uri="{FF2B5EF4-FFF2-40B4-BE49-F238E27FC236}">
+                <a16:creationId xmlns:a16="http://schemas.microsoft.com/office/drawing/2014/main" id="{D9745261-96B8-4CA5-B59E-6022D9623502}"/>
+              </a:ext>
+            </a:extLst>
+          </p:cNvPr>
+          <p:cNvPicPr>
+            <a:picLocks noChangeAspect="1"/>
+          </p:cNvPicPr>
+          <p:nvPr/>
+        </p:nvPicPr>
+        <p:blipFill>
+          <a:blip r:embed="rId3"/>
+          <a:stretch>
+            <a:fillRect/>
+          </a:stretch>
+        </p:blipFill>
+        <p:spPr>
+          <a:xfrm>
+            <a:off x="6669475" y="2583543"/>
+            <a:ext cx="2783795" cy="1883646"/>
+          </a:xfrm>
+          <a:prstGeom prst="rect">
+            <a:avLst/>
+          </a:prstGeom>
+        </p:spPr>
+      </p:pic>
+      <p:pic>
+        <p:nvPicPr>
+          <p:cNvPr id="12" name="Image 11">
+            <a:extLst>
+              <a:ext uri="{FF2B5EF4-FFF2-40B4-BE49-F238E27FC236}">
+                <a16:creationId xmlns:a16="http://schemas.microsoft.com/office/drawing/2014/main" id="{2632E84B-8CA5-4D2D-A85C-152D65BE51B5}"/>
+              </a:ext>
+            </a:extLst>
+          </p:cNvPr>
+          <p:cNvPicPr>
+            <a:picLocks noChangeAspect="1"/>
+          </p:cNvPicPr>
+          <p:nvPr/>
+        </p:nvPicPr>
+        <p:blipFill>
+          <a:blip r:embed="rId4"/>
+          <a:stretch>
+            <a:fillRect/>
+          </a:stretch>
+        </p:blipFill>
+        <p:spPr>
+          <a:xfrm>
+            <a:off x="6676000" y="4467189"/>
+            <a:ext cx="4459960" cy="1037200"/>
+          </a:xfrm>
+          <a:prstGeom prst="rect">
+            <a:avLst/>
+          </a:prstGeom>
+        </p:spPr>
+      </p:pic>
+    </p:spTree>
+    <p:extLst>
+      <p:ext uri="{BB962C8B-B14F-4D97-AF65-F5344CB8AC3E}">
+        <p14:creationId xmlns:p14="http://schemas.microsoft.com/office/powerpoint/2010/main" val="1314627591"/>
+      </p:ext>
+    </p:extLst>
+  </p:cSld>
+  <p:clrMapOvr>
+    <a:masterClrMapping/>
+  </p:clrMapOvr>
+</p:sld>
+</file>
+
 <file path=ppt/slides/slide7.xml><?xml version="1.0" encoding="utf-8"?>
 <p:sld xmlns:a="http://schemas.openxmlformats.org/drawingml/2006/main" xmlns:r="http://schemas.openxmlformats.org/officeDocument/2006/relationships" xmlns:p="http://schemas.openxmlformats.org/presentationml/2006/main">
   <p:cSld>
@@ -9992,10 +10847,10 @@
       </p:grpSpPr>
       <p:sp>
         <p:nvSpPr>
-          <p:cNvPr id="6" name="TextShape 1">
+          <p:cNvPr id="8" name="TextShape 1">
             <a:extLst>
               <a:ext uri="{FF2B5EF4-FFF2-40B4-BE49-F238E27FC236}">
-                <a16:creationId xmlns:a16="http://schemas.microsoft.com/office/drawing/2014/main" id="{E4107997-53BB-48F8-B55A-8B8B26F36A58}"/>
+                <a16:creationId xmlns:a16="http://schemas.microsoft.com/office/drawing/2014/main" id="{041B31B6-98F3-4E8D-95B3-90B366F8246E}"/>
               </a:ext>
             </a:extLst>
           </p:cNvPr>
@@ -10061,7 +10916,7 @@
                 </a:solidFill>
                 <a:latin typeface="Calibri"/>
               </a:rPr>
-              <a:t>Deuxième étape: Estimation de la profondeur pour chaque objet</a:t>
+              <a:t>Troisième étape: Estimation de la position de chaque objet</a:t>
             </a:r>
           </a:p>
           <a:p>
@@ -10079,29 +10934,36 @@
               <a:buChar char="•"/>
             </a:pPr>
             <a:r>
+              <a:rPr lang="fr-BE" sz="2000" spc="-1" dirty="0">
+                <a:solidFill>
+                  <a:srgbClr val="000000"/>
+                </a:solidFill>
+                <a:latin typeface="Calibri"/>
+              </a:rPr>
+              <a:t>Passage de coordonnées sphériques aux coordonnées cartésiennes</a:t>
+            </a:r>
+          </a:p>
+          <a:p>
+            <a:pPr marL="360">
+              <a:lnSpc>
+                <a:spcPct val="90000"/>
+              </a:lnSpc>
+              <a:spcBef>
+                <a:spcPts val="1001"/>
+              </a:spcBef>
+              <a:buClr>
+                <a:srgbClr val="000000"/>
+              </a:buClr>
+            </a:pPr>
+            <a:r>
               <a:rPr lang="fr-BE" sz="2000" b="0" strike="noStrike" spc="-1" dirty="0">
                 <a:solidFill>
                   <a:srgbClr val="000000"/>
                 </a:solidFill>
                 <a:latin typeface="Calibri"/>
               </a:rPr>
-              <a:t>Modélisation de la caméra avec le modèle du </a:t>
-            </a:r>
-            <a:r>
-              <a:rPr lang="fr-BE" sz="2000" b="0" strike="noStrike" spc="-1" dirty="0" err="1">
-                <a:solidFill>
-                  <a:srgbClr val="000000"/>
-                </a:solidFill>
-                <a:latin typeface="Calibri"/>
-              </a:rPr>
-              <a:t>pinhole</a:t>
-            </a:r>
-            <a:endParaRPr lang="fr-BE" sz="2000" b="0" strike="noStrike" spc="-1" dirty="0">
-              <a:solidFill>
-                <a:srgbClr val="000000"/>
-              </a:solidFill>
-              <a:latin typeface="Calibri"/>
-            </a:endParaRPr>
+              <a:t>Quatrième étape: Estimation de la vitesse de chaque objet</a:t>
+            </a:r>
           </a:p>
           <a:p>
             <a:pPr marL="343260" indent="-342900">
@@ -10118,13 +10980,13 @@
               <a:buChar char="•"/>
             </a:pPr>
             <a:r>
-              <a:rPr lang="fr-BE" sz="2000" spc="-1" dirty="0">
+              <a:rPr lang="fr-BE" sz="2000" b="0" strike="noStrike" spc="-1" dirty="0">
                 <a:solidFill>
                   <a:srgbClr val="000000"/>
                 </a:solidFill>
                 <a:latin typeface="Calibri"/>
               </a:rPr>
-              <a:t>Caméra virtuelle: pas de distance focale disponible</a:t>
+              <a:t>Association des données </a:t>
             </a:r>
           </a:p>
           <a:p>
@@ -10148,17 +11010,78 @@
                 </a:solidFill>
                 <a:latin typeface="Calibri"/>
               </a:rPr>
-              <a:t>Utilisation de l’angle de vue (horizontal) de la caméra</a:t>
-            </a:r>
+              <a:t>Estimation de la vitesse sur base de la distance parcourue</a:t>
+            </a:r>
+          </a:p>
+          <a:p>
+            <a:pPr marL="343260" indent="-342900">
+              <a:lnSpc>
+                <a:spcPct val="90000"/>
+              </a:lnSpc>
+              <a:spcBef>
+                <a:spcPts val="1001"/>
+              </a:spcBef>
+              <a:buClr>
+                <a:srgbClr val="000000"/>
+              </a:buClr>
+              <a:buFont typeface="Arial" panose="020B0604020202020204" pitchFamily="34" charset="0"/>
+              <a:buChar char="•"/>
+            </a:pPr>
+            <a:endParaRPr lang="fr-BE" sz="2000" spc="-1" dirty="0">
+              <a:solidFill>
+                <a:srgbClr val="000000"/>
+              </a:solidFill>
+              <a:latin typeface="Calibri"/>
+            </a:endParaRPr>
+          </a:p>
+          <a:p>
+            <a:pPr marL="343260" indent="-342900">
+              <a:lnSpc>
+                <a:spcPct val="90000"/>
+              </a:lnSpc>
+              <a:spcBef>
+                <a:spcPts val="1001"/>
+              </a:spcBef>
+              <a:buClr>
+                <a:srgbClr val="000000"/>
+              </a:buClr>
+              <a:buFont typeface="Arial" panose="020B0604020202020204" pitchFamily="34" charset="0"/>
+              <a:buChar char="•"/>
+            </a:pPr>
+            <a:endParaRPr lang="fr-BE" sz="2000" b="0" strike="noStrike" spc="-1" dirty="0">
+              <a:solidFill>
+                <a:srgbClr val="000000"/>
+              </a:solidFill>
+              <a:latin typeface="Calibri"/>
+            </a:endParaRPr>
+          </a:p>
+          <a:p>
+            <a:pPr marL="360">
+              <a:lnSpc>
+                <a:spcPct val="90000"/>
+              </a:lnSpc>
+              <a:spcBef>
+                <a:spcPts val="1001"/>
+              </a:spcBef>
+              <a:buClr>
+                <a:srgbClr val="000000"/>
+              </a:buClr>
+            </a:pPr>
+            <a:endParaRPr lang="fr-BE" sz="2000" spc="-1" dirty="0">
+              <a:solidFill>
+                <a:srgbClr val="000000"/>
+              </a:solidFill>
+              <a:latin typeface="Calibri"/>
+            </a:endParaRPr>
           </a:p>
         </p:txBody>
       </p:sp>
       <p:pic>
         <p:nvPicPr>
-          <p:cNvPr id="8" name="Image 7">
+          <p:cNvPr id="10" name="Image 9">
             <a:extLst>
               <a:ext uri="{FF2B5EF4-FFF2-40B4-BE49-F238E27FC236}">
-                <a16:creationId xmlns:a16="http://schemas.microsoft.com/office/drawing/2014/main" id="{4F7351F9-6F89-4E8F-9758-2E2FA8D2BC6B}"/>
+                <a16:creationId xmlns:a16="http://schemas.microsoft.com/office/drawing/2014/main" id="{B2B4413E-CF68-472A-B52C-D4A35C30F826}"/>
               </a:ext>
             </a:extLst>
           </p:cNvPr>
@@ -10175,68 +11098,8 @@
         </p:blipFill>
         <p:spPr>
           <a:xfrm>
-            <a:off x="973423" y="2583543"/>
-            <a:ext cx="4459959" cy="3725698"/>
-          </a:xfrm>
-          <a:prstGeom prst="rect">
-            <a:avLst/>
-          </a:prstGeom>
-        </p:spPr>
-      </p:pic>
-      <p:pic>
-        <p:nvPicPr>
-          <p:cNvPr id="10" name="Image 9">
-            <a:extLst>
-              <a:ext uri="{FF2B5EF4-FFF2-40B4-BE49-F238E27FC236}">
-                <a16:creationId xmlns:a16="http://schemas.microsoft.com/office/drawing/2014/main" id="{D9745261-96B8-4CA5-B59E-6022D9623502}"/>
-              </a:ext>
-            </a:extLst>
-          </p:cNvPr>
-          <p:cNvPicPr>
-            <a:picLocks noChangeAspect="1"/>
-          </p:cNvPicPr>
-          <p:nvPr/>
-        </p:nvPicPr>
-        <p:blipFill>
-          <a:blip r:embed="rId3"/>
-          <a:stretch>
-            <a:fillRect/>
-          </a:stretch>
-        </p:blipFill>
-        <p:spPr>
-          <a:xfrm>
-            <a:off x="6669475" y="2583543"/>
-            <a:ext cx="2783795" cy="1883646"/>
-          </a:xfrm>
-          <a:prstGeom prst="rect">
-            <a:avLst/>
-          </a:prstGeom>
-        </p:spPr>
-      </p:pic>
-      <p:pic>
-        <p:nvPicPr>
-          <p:cNvPr id="12" name="Image 11">
-            <a:extLst>
-              <a:ext uri="{FF2B5EF4-FFF2-40B4-BE49-F238E27FC236}">
-                <a16:creationId xmlns:a16="http://schemas.microsoft.com/office/drawing/2014/main" id="{2632E84B-8CA5-4D2D-A85C-152D65BE51B5}"/>
-              </a:ext>
-            </a:extLst>
-          </p:cNvPr>
-          <p:cNvPicPr>
-            <a:picLocks noChangeAspect="1"/>
-          </p:cNvPicPr>
-          <p:nvPr/>
-        </p:nvPicPr>
-        <p:blipFill>
-          <a:blip r:embed="rId4"/>
-          <a:stretch>
-            <a:fillRect/>
-          </a:stretch>
-        </p:blipFill>
-        <p:spPr>
-          <a:xfrm>
-            <a:off x="6676000" y="4467189"/>
-            <a:ext cx="4459960" cy="1037200"/>
+            <a:off x="1291318" y="2481943"/>
+            <a:ext cx="5114108" cy="947057"/>
           </a:xfrm>
           <a:prstGeom prst="rect">
             <a:avLst/>
@@ -10246,7 +11109,7 @@
     </p:spTree>
     <p:extLst>
       <p:ext uri="{BB962C8B-B14F-4D97-AF65-F5344CB8AC3E}">
-        <p14:creationId xmlns:p14="http://schemas.microsoft.com/office/powerpoint/2010/main" val="1314627591"/>
+        <p14:creationId xmlns:p14="http://schemas.microsoft.com/office/powerpoint/2010/main" val="347860701"/>
       </p:ext>
     </p:extLst>
   </p:cSld>
@@ -10275,241 +11138,38 @@
       </p:grpSpPr>
       <p:sp>
         <p:nvSpPr>
-          <p:cNvPr id="8" name="TextShape 1">
+          <p:cNvPr id="2" name="Titre 1">
             <a:extLst>
               <a:ext uri="{FF2B5EF4-FFF2-40B4-BE49-F238E27FC236}">
-                <a16:creationId xmlns:a16="http://schemas.microsoft.com/office/drawing/2014/main" id="{041B31B6-98F3-4E8D-95B3-90B366F8246E}"/>
+                <a16:creationId xmlns:a16="http://schemas.microsoft.com/office/drawing/2014/main" id="{B1A6E087-0940-47F8-BC58-1CACF9E20866}"/>
               </a:ext>
             </a:extLst>
           </p:cNvPr>
-          <p:cNvSpPr txBox="1"/>
-          <p:nvPr/>
-        </p:nvSpPr>
-        <p:spPr>
-          <a:xfrm>
-            <a:off x="838380" y="0"/>
-            <a:ext cx="10515240" cy="4350960"/>
-          </a:xfrm>
-          <a:prstGeom prst="rect">
-            <a:avLst/>
-          </a:prstGeom>
-          <a:noFill/>
-          <a:ln>
-            <a:noFill/>
-          </a:ln>
-        </p:spPr>
-        <p:txBody>
-          <a:bodyPr>
-            <a:normAutofit/>
-          </a:bodyPr>
-          <a:lstStyle/>
-          <a:p>
-            <a:pPr marL="360">
-              <a:lnSpc>
-                <a:spcPct val="90000"/>
-              </a:lnSpc>
-              <a:spcBef>
-                <a:spcPts val="1001"/>
-              </a:spcBef>
-              <a:buClr>
-                <a:srgbClr val="000000"/>
-              </a:buClr>
-            </a:pPr>
-            <a:r>
-              <a:rPr lang="fr-BE" sz="3200" b="0" strike="noStrike" spc="-1" dirty="0">
-                <a:solidFill>
-                  <a:srgbClr val="000000"/>
-                </a:solidFill>
-                <a:latin typeface="Calibri"/>
-              </a:rPr>
-              <a:t>Extraction des données</a:t>
-            </a:r>
-          </a:p>
-          <a:p>
-            <a:pPr marL="360">
-              <a:lnSpc>
-                <a:spcPct val="90000"/>
-              </a:lnSpc>
-              <a:spcBef>
-                <a:spcPts val="1001"/>
-              </a:spcBef>
-              <a:buClr>
-                <a:srgbClr val="000000"/>
-              </a:buClr>
-            </a:pPr>
-            <a:r>
-              <a:rPr lang="fr-BE" sz="2000" spc="-1" dirty="0">
-                <a:solidFill>
-                  <a:srgbClr val="000000"/>
-                </a:solidFill>
-                <a:latin typeface="Calibri"/>
-              </a:rPr>
-              <a:t>Troisième étape: Estimation de la position de chaque objet</a:t>
-            </a:r>
-          </a:p>
-          <a:p>
-            <a:pPr marL="343260" indent="-342900">
-              <a:lnSpc>
-                <a:spcPct val="90000"/>
-              </a:lnSpc>
-              <a:spcBef>
-                <a:spcPts val="1001"/>
-              </a:spcBef>
-              <a:buClr>
-                <a:srgbClr val="000000"/>
-              </a:buClr>
-              <a:buFont typeface="Arial" panose="020B0604020202020204" pitchFamily="34" charset="0"/>
-              <a:buChar char="•"/>
-            </a:pPr>
-            <a:r>
-              <a:rPr lang="fr-BE" sz="2000" spc="-1" dirty="0">
-                <a:solidFill>
-                  <a:srgbClr val="000000"/>
-                </a:solidFill>
-                <a:latin typeface="Calibri"/>
-              </a:rPr>
-              <a:t>Passage de coordonnées sphériques aux coordonnées cartésiennes</a:t>
-            </a:r>
-          </a:p>
-          <a:p>
-            <a:pPr marL="360">
-              <a:lnSpc>
-                <a:spcPct val="90000"/>
-              </a:lnSpc>
-              <a:spcBef>
-                <a:spcPts val="1001"/>
-              </a:spcBef>
-              <a:buClr>
-                <a:srgbClr val="000000"/>
-              </a:buClr>
-            </a:pPr>
-            <a:r>
-              <a:rPr lang="fr-BE" sz="2000" b="0" strike="noStrike" spc="-1" dirty="0">
-                <a:solidFill>
-                  <a:srgbClr val="000000"/>
-                </a:solidFill>
-                <a:latin typeface="Calibri"/>
-              </a:rPr>
-              <a:t>Quatrième étape: Estimation de la vitesse de chaque objet</a:t>
-            </a:r>
-          </a:p>
-          <a:p>
-            <a:pPr marL="343260" indent="-342900">
-              <a:lnSpc>
-                <a:spcPct val="90000"/>
-              </a:lnSpc>
-              <a:spcBef>
-                <a:spcPts val="1001"/>
-              </a:spcBef>
-              <a:buClr>
-                <a:srgbClr val="000000"/>
-              </a:buClr>
-              <a:buFont typeface="Arial" panose="020B0604020202020204" pitchFamily="34" charset="0"/>
-              <a:buChar char="•"/>
-            </a:pPr>
-            <a:r>
-              <a:rPr lang="fr-BE" sz="2000" b="0" strike="noStrike" spc="-1" dirty="0">
-                <a:solidFill>
-                  <a:srgbClr val="000000"/>
-                </a:solidFill>
-                <a:latin typeface="Calibri"/>
-              </a:rPr>
-              <a:t>Association des données </a:t>
-            </a:r>
-          </a:p>
-          <a:p>
-            <a:pPr marL="343260" indent="-342900">
-              <a:lnSpc>
-                <a:spcPct val="90000"/>
-              </a:lnSpc>
-              <a:spcBef>
-                <a:spcPts val="1001"/>
-              </a:spcBef>
-              <a:buClr>
-                <a:srgbClr val="000000"/>
-              </a:buClr>
-              <a:buFont typeface="Arial" panose="020B0604020202020204" pitchFamily="34" charset="0"/>
-              <a:buChar char="•"/>
-            </a:pPr>
-            <a:r>
-              <a:rPr lang="fr-BE" sz="2000" b="0" strike="noStrike" spc="-1" dirty="0">
-                <a:solidFill>
-                  <a:srgbClr val="000000"/>
-                </a:solidFill>
-                <a:latin typeface="Calibri"/>
-              </a:rPr>
-              <a:t>Estimation de la vitesse sur base de la distance parcourue</a:t>
-            </a:r>
-          </a:p>
-          <a:p>
-            <a:pPr marL="343260" indent="-342900">
-              <a:lnSpc>
-                <a:spcPct val="90000"/>
-              </a:lnSpc>
-              <a:spcBef>
-                <a:spcPts val="1001"/>
-              </a:spcBef>
-              <a:buClr>
-                <a:srgbClr val="000000"/>
-              </a:buClr>
-              <a:buFont typeface="Arial" panose="020B0604020202020204" pitchFamily="34" charset="0"/>
-              <a:buChar char="•"/>
-            </a:pPr>
-            <a:endParaRPr lang="fr-BE" sz="2000" spc="-1" dirty="0">
-              <a:solidFill>
-                <a:srgbClr val="000000"/>
-              </a:solidFill>
-              <a:latin typeface="Calibri"/>
-            </a:endParaRPr>
-          </a:p>
-          <a:p>
-            <a:pPr marL="343260" indent="-342900">
-              <a:lnSpc>
-                <a:spcPct val="90000"/>
-              </a:lnSpc>
-              <a:spcBef>
-                <a:spcPts val="1001"/>
-              </a:spcBef>
-              <a:buClr>
-                <a:srgbClr val="000000"/>
-              </a:buClr>
-              <a:buFont typeface="Arial" panose="020B0604020202020204" pitchFamily="34" charset="0"/>
-              <a:buChar char="•"/>
-            </a:pPr>
-            <a:endParaRPr lang="fr-BE" sz="2000" b="0" strike="noStrike" spc="-1" dirty="0">
-              <a:solidFill>
-                <a:srgbClr val="000000"/>
-              </a:solidFill>
-              <a:latin typeface="Calibri"/>
-            </a:endParaRPr>
-          </a:p>
-          <a:p>
-            <a:pPr marL="360">
-              <a:lnSpc>
-                <a:spcPct val="90000"/>
-              </a:lnSpc>
-              <a:spcBef>
-                <a:spcPts val="1001"/>
-              </a:spcBef>
-              <a:buClr>
-                <a:srgbClr val="000000"/>
-              </a:buClr>
-            </a:pPr>
-            <a:endParaRPr lang="fr-BE" sz="2000" spc="-1" dirty="0">
-              <a:solidFill>
-                <a:srgbClr val="000000"/>
-              </a:solidFill>
-              <a:latin typeface="Calibri"/>
-            </a:endParaRPr>
+          <p:cNvSpPr>
+            <a:spLocks noGrp="1"/>
+          </p:cNvSpPr>
+          <p:nvPr>
+            <p:ph type="title"/>
+          </p:nvPr>
+        </p:nvSpPr>
+        <p:spPr/>
+        <p:txBody>
+          <a:bodyPr/>
+          <a:lstStyle/>
+          <a:p>
+            <a:r>
+              <a:rPr lang="fr-BE" sz="3200" dirty="0"/>
+              <a:t>Résultats</a:t>
+            </a:r>
           </a:p>
         </p:txBody>
       </p:sp>
       <p:pic>
         <p:nvPicPr>
-          <p:cNvPr id="10" name="Image 9">
+          <p:cNvPr id="5" name="Image 4">
             <a:extLst>
               <a:ext uri="{FF2B5EF4-FFF2-40B4-BE49-F238E27FC236}">
-                <a16:creationId xmlns:a16="http://schemas.microsoft.com/office/drawing/2014/main" id="{B2B4413E-CF68-472A-B52C-D4A35C30F826}"/>
+                <a16:creationId xmlns:a16="http://schemas.microsoft.com/office/drawing/2014/main" id="{C2AF5E22-CD26-4816-A2FA-C7F742CEA17F}"/>
               </a:ext>
             </a:extLst>
           </p:cNvPr>
@@ -10526,18 +11186,218 @@
         </p:blipFill>
         <p:spPr>
           <a:xfrm>
-            <a:off x="1291318" y="2481943"/>
-            <a:ext cx="5114108" cy="947057"/>
+            <a:off x="7707987" y="2311766"/>
+            <a:ext cx="4149725" cy="1117234"/>
           </a:xfrm>
           <a:prstGeom prst="rect">
             <a:avLst/>
           </a:prstGeom>
         </p:spPr>
       </p:pic>
+      <p:pic>
+        <p:nvPicPr>
+          <p:cNvPr id="7" name="Image 6">
+            <a:extLst>
+              <a:ext uri="{FF2B5EF4-FFF2-40B4-BE49-F238E27FC236}">
+                <a16:creationId xmlns:a16="http://schemas.microsoft.com/office/drawing/2014/main" id="{2BC6278F-B170-4AA5-A7FD-BB8780801DDF}"/>
+              </a:ext>
+            </a:extLst>
+          </p:cNvPr>
+          <p:cNvPicPr>
+            <a:picLocks noChangeAspect="1"/>
+          </p:cNvPicPr>
+          <p:nvPr/>
+        </p:nvPicPr>
+        <p:blipFill>
+          <a:blip r:embed="rId3"/>
+          <a:stretch>
+            <a:fillRect/>
+          </a:stretch>
+        </p:blipFill>
+        <p:spPr>
+          <a:xfrm>
+            <a:off x="838080" y="2244810"/>
+            <a:ext cx="6869907" cy="3938276"/>
+          </a:xfrm>
+          <a:prstGeom prst="rect">
+            <a:avLst/>
+          </a:prstGeom>
+        </p:spPr>
+      </p:pic>
+      <p:sp>
+        <p:nvSpPr>
+          <p:cNvPr id="8" name="ZoneTexte 7">
+            <a:extLst>
+              <a:ext uri="{FF2B5EF4-FFF2-40B4-BE49-F238E27FC236}">
+                <a16:creationId xmlns:a16="http://schemas.microsoft.com/office/drawing/2014/main" id="{CE020669-83C4-4728-B01A-AF1A6FA23E67}"/>
+              </a:ext>
+            </a:extLst>
+          </p:cNvPr>
+          <p:cNvSpPr txBox="1"/>
+          <p:nvPr/>
+        </p:nvSpPr>
+        <p:spPr>
+          <a:xfrm>
+            <a:off x="7707987" y="1837754"/>
+            <a:ext cx="2989943" cy="369332"/>
+          </a:xfrm>
+          <a:prstGeom prst="rect">
+            <a:avLst/>
+          </a:prstGeom>
+          <a:noFill/>
+        </p:spPr>
+        <p:txBody>
+          <a:bodyPr wrap="square" rtlCol="0">
+            <a:spAutoFit/>
+          </a:bodyPr>
+          <a:lstStyle/>
+          <a:p>
+            <a:r>
+              <a:rPr lang="fr-BE" dirty="0"/>
+              <a:t>Données estimées:</a:t>
+            </a:r>
+          </a:p>
+        </p:txBody>
+      </p:sp>
+      <p:sp>
+        <p:nvSpPr>
+          <p:cNvPr id="9" name="ZoneTexte 8">
+            <a:extLst>
+              <a:ext uri="{FF2B5EF4-FFF2-40B4-BE49-F238E27FC236}">
+                <a16:creationId xmlns:a16="http://schemas.microsoft.com/office/drawing/2014/main" id="{ED8009A6-F226-419A-930F-27C0FE3F0479}"/>
+              </a:ext>
+            </a:extLst>
+          </p:cNvPr>
+          <p:cNvSpPr txBox="1"/>
+          <p:nvPr/>
+        </p:nvSpPr>
+        <p:spPr>
+          <a:xfrm>
+            <a:off x="957941" y="1837754"/>
+            <a:ext cx="4149725" cy="369332"/>
+          </a:xfrm>
+          <a:prstGeom prst="rect">
+            <a:avLst/>
+          </a:prstGeom>
+          <a:noFill/>
+        </p:spPr>
+        <p:txBody>
+          <a:bodyPr wrap="square" rtlCol="0">
+            <a:spAutoFit/>
+          </a:bodyPr>
+          <a:lstStyle/>
+          <a:p>
+            <a:r>
+              <a:rPr lang="fr-BE" dirty="0"/>
+              <a:t>Exemple de données capturées</a:t>
+            </a:r>
+          </a:p>
+        </p:txBody>
+      </p:sp>
+      <p:sp>
+        <p:nvSpPr>
+          <p:cNvPr id="10" name="ZoneTexte 9">
+            <a:extLst>
+              <a:ext uri="{FF2B5EF4-FFF2-40B4-BE49-F238E27FC236}">
+                <a16:creationId xmlns:a16="http://schemas.microsoft.com/office/drawing/2014/main" id="{51CF065E-A621-4814-A24B-F90E0C707F0F}"/>
+              </a:ext>
+            </a:extLst>
+          </p:cNvPr>
+          <p:cNvSpPr txBox="1"/>
+          <p:nvPr/>
+        </p:nvSpPr>
+        <p:spPr>
+          <a:xfrm>
+            <a:off x="7707987" y="3599764"/>
+            <a:ext cx="2307771" cy="369332"/>
+          </a:xfrm>
+          <a:prstGeom prst="rect">
+            <a:avLst/>
+          </a:prstGeom>
+          <a:noFill/>
+        </p:spPr>
+        <p:txBody>
+          <a:bodyPr wrap="square" rtlCol="0">
+            <a:spAutoFit/>
+          </a:bodyPr>
+          <a:lstStyle/>
+          <a:p>
+            <a:r>
+              <a:rPr lang="fr-BE" dirty="0"/>
+              <a:t>Données réelles</a:t>
+            </a:r>
+          </a:p>
+        </p:txBody>
+      </p:sp>
+      <p:pic>
+        <p:nvPicPr>
+          <p:cNvPr id="12" name="Image 11">
+            <a:extLst>
+              <a:ext uri="{FF2B5EF4-FFF2-40B4-BE49-F238E27FC236}">
+                <a16:creationId xmlns:a16="http://schemas.microsoft.com/office/drawing/2014/main" id="{37F658CB-DAD5-4F9A-AE87-4CB97A557A92}"/>
+              </a:ext>
+            </a:extLst>
+          </p:cNvPr>
+          <p:cNvPicPr>
+            <a:picLocks noChangeAspect="1"/>
+          </p:cNvPicPr>
+          <p:nvPr/>
+        </p:nvPicPr>
+        <p:blipFill>
+          <a:blip r:embed="rId4"/>
+          <a:stretch>
+            <a:fillRect/>
+          </a:stretch>
+        </p:blipFill>
+        <p:spPr>
+          <a:xfrm>
+            <a:off x="7565629" y="4024826"/>
+            <a:ext cx="4656301" cy="1087323"/>
+          </a:xfrm>
+          <a:prstGeom prst="rect">
+            <a:avLst/>
+          </a:prstGeom>
+        </p:spPr>
+      </p:pic>
+      <p:sp>
+        <p:nvSpPr>
+          <p:cNvPr id="3" name="ZoneTexte 2">
+            <a:extLst>
+              <a:ext uri="{FF2B5EF4-FFF2-40B4-BE49-F238E27FC236}">
+                <a16:creationId xmlns:a16="http://schemas.microsoft.com/office/drawing/2014/main" id="{9B9F89D7-C6E9-4E83-A665-903DC0733A4F}"/>
+              </a:ext>
+            </a:extLst>
+          </p:cNvPr>
+          <p:cNvSpPr txBox="1"/>
+          <p:nvPr/>
+        </p:nvSpPr>
+        <p:spPr>
+          <a:xfrm>
+            <a:off x="8733183" y="5420139"/>
+            <a:ext cx="2398643" cy="369332"/>
+          </a:xfrm>
+          <a:prstGeom prst="rect">
+            <a:avLst/>
+          </a:prstGeom>
+          <a:noFill/>
+        </p:spPr>
+        <p:txBody>
+          <a:bodyPr wrap="square" rtlCol="0">
+            <a:spAutoFit/>
+          </a:bodyPr>
+          <a:lstStyle/>
+          <a:p>
+            <a:r>
+              <a:rPr lang="fr-BE" dirty="0"/>
+              <a:t>-1.1788</a:t>
+            </a:r>
+          </a:p>
+        </p:txBody>
+      </p:sp>
     </p:spTree>
     <p:extLst>
       <p:ext uri="{BB962C8B-B14F-4D97-AF65-F5344CB8AC3E}">
-        <p14:creationId xmlns:p14="http://schemas.microsoft.com/office/powerpoint/2010/main" val="347860701"/>
+        <p14:creationId xmlns:p14="http://schemas.microsoft.com/office/powerpoint/2010/main" val="1030650210"/>
       </p:ext>
     </p:extLst>
   </p:cSld>
@@ -10566,233 +11426,165 @@
       </p:grpSpPr>
       <p:sp>
         <p:nvSpPr>
-          <p:cNvPr id="2" name="Titre 1">
-            <a:extLst>
-              <a:ext uri="{FF2B5EF4-FFF2-40B4-BE49-F238E27FC236}">
-                <a16:creationId xmlns:a16="http://schemas.microsoft.com/office/drawing/2014/main" id="{B1A6E087-0940-47F8-BC58-1CACF9E20866}"/>
-              </a:ext>
-            </a:extLst>
-          </p:cNvPr>
-          <p:cNvSpPr>
-            <a:spLocks noGrp="1"/>
-          </p:cNvSpPr>
-          <p:nvPr>
-            <p:ph type="title"/>
-          </p:nvPr>
-        </p:nvSpPr>
-        <p:spPr/>
-        <p:txBody>
-          <a:bodyPr/>
-          <a:lstStyle/>
-          <a:p>
-            <a:r>
-              <a:rPr lang="fr-BE" sz="3200" dirty="0"/>
-              <a:t>Résultats</a:t>
-            </a:r>
+          <p:cNvPr id="87" name="CustomShape 1"/>
+          <p:cNvSpPr/>
+          <p:nvPr/>
+        </p:nvSpPr>
+        <p:spPr>
+          <a:xfrm>
+            <a:off x="928440" y="351720"/>
+            <a:ext cx="10873800" cy="1187640"/>
+          </a:xfrm>
+          <a:prstGeom prst="rect">
+            <a:avLst/>
+          </a:prstGeom>
+          <a:noFill/>
+          <a:ln>
+            <a:noFill/>
+          </a:ln>
+        </p:spPr>
+        <p:style>
+          <a:lnRef idx="0">
+            <a:scrgbClr r="0" g="0" b="0"/>
+          </a:lnRef>
+          <a:fillRef idx="0">
+            <a:scrgbClr r="0" g="0" b="0"/>
+          </a:fillRef>
+          <a:effectRef idx="0">
+            <a:scrgbClr r="0" g="0" b="0"/>
+          </a:effectRef>
+          <a:fontRef idx="minor"/>
+        </p:style>
+        <p:txBody>
+          <a:bodyPr lIns="90000" tIns="45000" rIns="90000" bIns="45000">
+            <a:spAutoFit/>
+          </a:bodyPr>
+          <a:lstStyle/>
+          <a:p>
+            <a:pPr algn="ctr">
+              <a:lnSpc>
+                <a:spcPct val="100000"/>
+              </a:lnSpc>
+            </a:pPr>
+            <a:r>
+              <a:rPr lang="fr-BE" sz="3600" b="0" strike="noStrike" spc="-1">
+                <a:solidFill>
+                  <a:srgbClr val="000000"/>
+                </a:solidFill>
+                <a:latin typeface="Calibri"/>
+              </a:rPr>
+              <a:t>Conception d’un senseur intégré multimodal pour l’observation des routes</a:t>
+            </a:r>
+            <a:endParaRPr lang="fr-FR" sz="3600" b="0" strike="noStrike" spc="-1">
+              <a:latin typeface="Arial"/>
+            </a:endParaRPr>
           </a:p>
         </p:txBody>
       </p:sp>
       <p:pic>
         <p:nvPicPr>
-          <p:cNvPr id="5" name="Image 4">
-            <a:extLst>
-              <a:ext uri="{FF2B5EF4-FFF2-40B4-BE49-F238E27FC236}">
-                <a16:creationId xmlns:a16="http://schemas.microsoft.com/office/drawing/2014/main" id="{C2AF5E22-CD26-4816-A2FA-C7F742CEA17F}"/>
-              </a:ext>
-            </a:extLst>
-          </p:cNvPr>
-          <p:cNvPicPr>
-            <a:picLocks noChangeAspect="1"/>
-          </p:cNvPicPr>
+          <p:cNvPr id="88" name="Image 5"/>
+          <p:cNvPicPr/>
           <p:nvPr/>
         </p:nvPicPr>
         <p:blipFill>
           <a:blip r:embed="rId2"/>
-          <a:stretch>
-            <a:fillRect/>
-          </a:stretch>
+          <a:stretch/>
         </p:blipFill>
         <p:spPr>
           <a:xfrm>
-            <a:off x="7707987" y="2311766"/>
-            <a:ext cx="4149725" cy="1117234"/>
-          </a:xfrm>
-          <a:prstGeom prst="rect">
-            <a:avLst/>
-          </a:prstGeom>
+            <a:off x="736200" y="2584080"/>
+            <a:ext cx="4942800" cy="3539160"/>
+          </a:xfrm>
+          <a:prstGeom prst="rect">
+            <a:avLst/>
+          </a:prstGeom>
+          <a:ln>
+            <a:noFill/>
+          </a:ln>
         </p:spPr>
       </p:pic>
       <p:pic>
         <p:nvPicPr>
-          <p:cNvPr id="7" name="Image 6">
-            <a:extLst>
-              <a:ext uri="{FF2B5EF4-FFF2-40B4-BE49-F238E27FC236}">
-                <a16:creationId xmlns:a16="http://schemas.microsoft.com/office/drawing/2014/main" id="{2BC6278F-B170-4AA5-A7FD-BB8780801DDF}"/>
-              </a:ext>
-            </a:extLst>
-          </p:cNvPr>
-          <p:cNvPicPr>
-            <a:picLocks noChangeAspect="1"/>
-          </p:cNvPicPr>
+          <p:cNvPr id="89" name="Image 7"/>
+          <p:cNvPicPr/>
           <p:nvPr/>
         </p:nvPicPr>
         <p:blipFill>
           <a:blip r:embed="rId3"/>
-          <a:stretch>
-            <a:fillRect/>
-          </a:stretch>
+          <a:stretch/>
         </p:blipFill>
         <p:spPr>
           <a:xfrm>
-            <a:off x="838080" y="2244810"/>
-            <a:ext cx="6869907" cy="3938276"/>
-          </a:xfrm>
-          <a:prstGeom prst="rect">
-            <a:avLst/>
-          </a:prstGeom>
+            <a:off x="6095880" y="2584080"/>
+            <a:ext cx="5218920" cy="3540960"/>
+          </a:xfrm>
+          <a:prstGeom prst="rect">
+            <a:avLst/>
+          </a:prstGeom>
+          <a:ln>
+            <a:noFill/>
+          </a:ln>
         </p:spPr>
       </p:pic>
       <p:sp>
         <p:nvSpPr>
-          <p:cNvPr id="8" name="ZoneTexte 7">
-            <a:extLst>
-              <a:ext uri="{FF2B5EF4-FFF2-40B4-BE49-F238E27FC236}">
-                <a16:creationId xmlns:a16="http://schemas.microsoft.com/office/drawing/2014/main" id="{CE020669-83C4-4728-B01A-AF1A6FA23E67}"/>
-              </a:ext>
-            </a:extLst>
-          </p:cNvPr>
-          <p:cNvSpPr txBox="1"/>
-          <p:nvPr/>
-        </p:nvSpPr>
-        <p:spPr>
-          <a:xfrm>
-            <a:off x="7707987" y="1837754"/>
-            <a:ext cx="2989943" cy="369332"/>
+          <p:cNvPr id="90" name="CustomShape 2"/>
+          <p:cNvSpPr/>
+          <p:nvPr/>
+        </p:nvSpPr>
+        <p:spPr>
+          <a:xfrm>
+            <a:off x="1027080" y="1814760"/>
+            <a:ext cx="2405160" cy="395280"/>
           </a:xfrm>
           <a:prstGeom prst="rect">
             <a:avLst/>
           </a:prstGeom>
           <a:noFill/>
-        </p:spPr>
-        <p:txBody>
-          <a:bodyPr wrap="square" rtlCol="0">
+          <a:ln>
+            <a:noFill/>
+          </a:ln>
+        </p:spPr>
+        <p:style>
+          <a:lnRef idx="0">
+            <a:scrgbClr r="0" g="0" b="0"/>
+          </a:lnRef>
+          <a:fillRef idx="0">
+            <a:scrgbClr r="0" g="0" b="0"/>
+          </a:fillRef>
+          <a:effectRef idx="0">
+            <a:scrgbClr r="0" g="0" b="0"/>
+          </a:effectRef>
+          <a:fontRef idx="minor"/>
+        </p:style>
+        <p:txBody>
+          <a:bodyPr lIns="90000" tIns="45000" rIns="90000" bIns="45000">
             <a:spAutoFit/>
           </a:bodyPr>
           <a:lstStyle/>
           <a:p>
-            <a:r>
-              <a:rPr lang="fr-BE" dirty="0"/>
-              <a:t>Données estimées:</a:t>
-            </a:r>
-          </a:p>
-        </p:txBody>
-      </p:sp>
-      <p:sp>
-        <p:nvSpPr>
-          <p:cNvPr id="9" name="ZoneTexte 8">
-            <a:extLst>
-              <a:ext uri="{FF2B5EF4-FFF2-40B4-BE49-F238E27FC236}">
-                <a16:creationId xmlns:a16="http://schemas.microsoft.com/office/drawing/2014/main" id="{ED8009A6-F226-419A-930F-27C0FE3F0479}"/>
-              </a:ext>
-            </a:extLst>
-          </p:cNvPr>
-          <p:cNvSpPr txBox="1"/>
-          <p:nvPr/>
-        </p:nvSpPr>
-        <p:spPr>
-          <a:xfrm>
-            <a:off x="957941" y="1837754"/>
-            <a:ext cx="4149725" cy="369332"/>
-          </a:xfrm>
-          <a:prstGeom prst="rect">
-            <a:avLst/>
-          </a:prstGeom>
-          <a:noFill/>
-        </p:spPr>
-        <p:txBody>
-          <a:bodyPr wrap="square" rtlCol="0">
-            <a:spAutoFit/>
-          </a:bodyPr>
-          <a:lstStyle/>
-          <a:p>
-            <a:r>
-              <a:rPr lang="fr-BE" dirty="0"/>
-              <a:t>Exemple de données capturées</a:t>
-            </a:r>
-          </a:p>
-        </p:txBody>
-      </p:sp>
-      <p:sp>
-        <p:nvSpPr>
-          <p:cNvPr id="10" name="ZoneTexte 9">
-            <a:extLst>
-              <a:ext uri="{FF2B5EF4-FFF2-40B4-BE49-F238E27FC236}">
-                <a16:creationId xmlns:a16="http://schemas.microsoft.com/office/drawing/2014/main" id="{51CF065E-A621-4814-A24B-F90E0C707F0F}"/>
-              </a:ext>
-            </a:extLst>
-          </p:cNvPr>
-          <p:cNvSpPr txBox="1"/>
-          <p:nvPr/>
-        </p:nvSpPr>
-        <p:spPr>
-          <a:xfrm>
-            <a:off x="7707987" y="3599764"/>
-            <a:ext cx="2307771" cy="369332"/>
-          </a:xfrm>
-          <a:prstGeom prst="rect">
-            <a:avLst/>
-          </a:prstGeom>
-          <a:noFill/>
-        </p:spPr>
-        <p:txBody>
-          <a:bodyPr wrap="square" rtlCol="0">
-            <a:spAutoFit/>
-          </a:bodyPr>
-          <a:lstStyle/>
-          <a:p>
-            <a:r>
-              <a:rPr lang="fr-BE" dirty="0"/>
-              <a:t>Données réelles</a:t>
-            </a:r>
-          </a:p>
-        </p:txBody>
-      </p:sp>
-      <p:pic>
-        <p:nvPicPr>
-          <p:cNvPr id="12" name="Image 11">
-            <a:extLst>
-              <a:ext uri="{FF2B5EF4-FFF2-40B4-BE49-F238E27FC236}">
-                <a16:creationId xmlns:a16="http://schemas.microsoft.com/office/drawing/2014/main" id="{37F658CB-DAD5-4F9A-AE87-4CB97A557A92}"/>
-              </a:ext>
-            </a:extLst>
-          </p:cNvPr>
-          <p:cNvPicPr>
-            <a:picLocks noChangeAspect="1"/>
-          </p:cNvPicPr>
-          <p:nvPr/>
-        </p:nvPicPr>
-        <p:blipFill>
-          <a:blip r:embed="rId4"/>
-          <a:stretch>
-            <a:fillRect/>
-          </a:stretch>
-        </p:blipFill>
-        <p:spPr>
-          <a:xfrm>
-            <a:off x="7565629" y="4024826"/>
-            <a:ext cx="4656301" cy="1087323"/>
-          </a:xfrm>
-          <a:prstGeom prst="rect">
-            <a:avLst/>
-          </a:prstGeom>
-        </p:spPr>
-      </p:pic>
+            <a:pPr>
+              <a:lnSpc>
+                <a:spcPct val="100000"/>
+              </a:lnSpc>
+            </a:pPr>
+            <a:r>
+              <a:rPr lang="fr-BE" sz="2000" b="0" strike="noStrike" spc="-1">
+                <a:solidFill>
+                  <a:srgbClr val="000000"/>
+                </a:solidFill>
+                <a:latin typeface="Calibri"/>
+              </a:rPr>
+              <a:t>Radar Doppler:</a:t>
+            </a:r>
+            <a:endParaRPr lang="fr-FR" sz="2000" b="0" strike="noStrike" spc="-1">
+              <a:latin typeface="Arial"/>
+            </a:endParaRPr>
+          </a:p>
+        </p:txBody>
+      </p:sp>
     </p:spTree>
-    <p:extLst>
-      <p:ext uri="{BB962C8B-B14F-4D97-AF65-F5344CB8AC3E}">
-        <p14:creationId xmlns:p14="http://schemas.microsoft.com/office/powerpoint/2010/main" val="1030650210"/>
-      </p:ext>
-    </p:extLst>
   </p:cSld>
   <p:clrMapOvr>
     <a:masterClrMapping/>

--- a/Presentation/Slides_TFE.pptx
+++ b/Presentation/Slides_TFE.pptx
@@ -33,6 +33,7 @@
     <p:sldId id="279" r:id="rId28"/>
     <p:sldId id="280" r:id="rId29"/>
     <p:sldId id="281" r:id="rId30"/>
+    <p:sldId id="282" r:id="rId31"/>
   </p:sldIdLst>
   <p:sldSz cx="12192000" cy="6858000"/>
   <p:notesSz cx="7559675" cy="10691812"/>
@@ -4160,13 +4161,7 @@
               <a:rPr b="0" lang="fr-FR" sz="4400" spc="-1" strike="noStrike">
                 <a:latin typeface="Arial"/>
               </a:rPr>
-              <a:t>Cliquez pour éditer le </a:t>
-            </a:r>
-            <a:r>
-              <a:rPr b="0" lang="fr-FR" sz="4400" spc="-1" strike="noStrike">
-                <a:latin typeface="Arial"/>
-              </a:rPr>
-              <a:t>format du texte-titre</a:t>
+              <a:t>Cliquez pour éditer le format du texte-titre</a:t>
             </a:r>
             <a:endParaRPr b="0" lang="fr-FR" sz="4400" spc="-1" strike="noStrike">
               <a:latin typeface="Arial"/>
@@ -4686,13 +4681,7 @@
               <a:rPr b="0" lang="fr-FR" sz="1800" spc="-1" strike="noStrike">
                 <a:latin typeface="Arial"/>
               </a:rPr>
-              <a:t>Cliquez pour éditer le </a:t>
-            </a:r>
-            <a:r>
-              <a:rPr b="0" lang="fr-FR" sz="1800" spc="-1" strike="noStrike">
-                <a:latin typeface="Arial"/>
-              </a:rPr>
-              <a:t>format du texte-titre</a:t>
+              <a:t>Cliquez pour éditer le format du texte-titre</a:t>
             </a:r>
             <a:endParaRPr b="0" lang="fr-FR" sz="1800" spc="-1" strike="noStrike">
               <a:latin typeface="Arial"/>
@@ -5165,7 +5154,19 @@
               <a:rPr b="0" lang="fr-FR" sz="1800" spc="-1" strike="noStrike">
                 <a:latin typeface="Arial"/>
               </a:rPr>
-              <a:t>Auteurs : De Sousa Kevin</a:t>
+              <a:t>Auteurs : </a:t>
+            </a:r>
+            <a:r>
+              <a:rPr b="0" lang="fr-FR" sz="1800" spc="-1" strike="noStrike">
+                <a:latin typeface="Arial"/>
+              </a:rPr>
+              <a:t>De Sousa </a:t>
+            </a:r>
+            <a:r>
+              <a:rPr b="0" lang="fr-FR" sz="1800" spc="-1" strike="noStrike">
+                <a:latin typeface="Arial"/>
+              </a:rPr>
+              <a:t>Kevin</a:t>
             </a:r>
             <a:endParaRPr b="0" lang="fr-FR" sz="1800" spc="-1" strike="noStrike">
               <a:latin typeface="Arial"/>
@@ -5194,7 +5195,19 @@
               <a:rPr b="0" lang="fr-FR" sz="1800" spc="-1" strike="noStrike">
                 <a:latin typeface="Arial"/>
               </a:rPr>
-              <a:t>Rotsart de Hertaing Gauthier</a:t>
+              <a:t>Rotsart de </a:t>
+            </a:r>
+            <a:r>
+              <a:rPr b="0" lang="fr-FR" sz="1800" spc="-1" strike="noStrike">
+                <a:latin typeface="Arial"/>
+              </a:rPr>
+              <a:t>Hertaing </a:t>
+            </a:r>
+            <a:r>
+              <a:rPr b="0" lang="fr-FR" sz="1800" spc="-1" strike="noStrike">
+                <a:latin typeface="Arial"/>
+              </a:rPr>
+              <a:t>Gauthier</a:t>
             </a:r>
             <a:endParaRPr b="0" lang="fr-FR" sz="1800" spc="-1" strike="noStrike">
               <a:latin typeface="Arial"/>
@@ -5216,7 +5229,21 @@
                 <a:latin typeface="Arial"/>
                 <a:ea typeface="Noto Sans CJK SC"/>
               </a:rPr>
-              <a:t>Promoteurs : Macq  Benoît ,  </a:t>
+              <a:t>Promoteur</a:t>
+            </a:r>
+            <a:r>
+              <a:rPr b="0" lang="fr-FR" sz="1800" spc="-1" strike="noStrike">
+                <a:latin typeface="Arial"/>
+                <a:ea typeface="Noto Sans CJK SC"/>
+              </a:rPr>
+              <a:t>s : Macq  </a:t>
+            </a:r>
+            <a:r>
+              <a:rPr b="0" lang="fr-FR" sz="1800" spc="-1" strike="noStrike">
+                <a:latin typeface="Arial"/>
+                <a:ea typeface="Noto Sans CJK SC"/>
+              </a:rPr>
+              <a:t>Benoît ,  </a:t>
             </a:r>
             <a:r>
               <a:rPr b="0" lang="fr-FR" sz="1800" spc="-1" strike="noStrike">
@@ -5293,13 +5320,26 @@
                 <a:latin typeface="Arial"/>
                 <a:ea typeface="Noto Sans CJK SC"/>
               </a:rPr>
-              <a:t>Lecteurs : Delbrouck </a:t>
+              <a:t>Lecteurs : </a:t>
             </a:r>
             <a:r>
               <a:rPr b="0" lang="fr-FR" sz="1800" spc="-1" strike="noStrike">
                 <a:latin typeface="Arial"/>
-              </a:rPr>
-              <a:t>Jean-Benoît </a:t>
+                <a:ea typeface="Noto Sans CJK SC"/>
+              </a:rPr>
+              <a:t>Delbrouck </a:t>
+            </a:r>
+            <a:r>
+              <a:rPr b="0" lang="fr-FR" sz="1800" spc="-1" strike="noStrike">
+                <a:latin typeface="Arial"/>
+              </a:rPr>
+              <a:t>Jean-</a:t>
+            </a:r>
+            <a:r>
+              <a:rPr b="0" lang="fr-FR" sz="1800" spc="-1" strike="noStrike">
+                <a:latin typeface="Arial"/>
+              </a:rPr>
+              <a:t>Benoît </a:t>
             </a:r>
             <a:endParaRPr b="0" lang="fr-FR" sz="1800" spc="-1" strike="noStrike">
               <a:latin typeface="Arial"/>
@@ -5333,7 +5373,13 @@
               <a:rPr b="0" lang="fr-FR" sz="1800" spc="-1" strike="noStrike">
                 <a:latin typeface="Arial"/>
               </a:rPr>
-              <a:t>Legat Jean-Didier</a:t>
+              <a:t>Legat </a:t>
+            </a:r>
+            <a:r>
+              <a:rPr b="0" lang="fr-FR" sz="1800" spc="-1" strike="noStrike">
+                <a:latin typeface="Arial"/>
+              </a:rPr>
+              <a:t>Jean-Didier</a:t>
             </a:r>
             <a:endParaRPr b="0" lang="fr-FR" sz="1800" spc="-1" strike="noStrike">
               <a:latin typeface="Arial"/>
@@ -5367,7 +5413,13 @@
               <a:rPr b="0" lang="fr-FR" sz="1800" spc="-1" strike="noStrike">
                 <a:latin typeface="Arial"/>
               </a:rPr>
-              <a:t>Manjah Dani</a:t>
+              <a:t>Manjah </a:t>
+            </a:r>
+            <a:r>
+              <a:rPr b="0" lang="fr-FR" sz="1800" spc="-1" strike="noStrike">
+                <a:latin typeface="Arial"/>
+              </a:rPr>
+              <a:t>Dani</a:t>
             </a:r>
             <a:endParaRPr b="0" lang="fr-FR" sz="1800" spc="-1" strike="noStrike">
               <a:latin typeface="Arial"/>
@@ -5407,7 +5459,7 @@
       </p:grpSpPr>
       <p:sp>
         <p:nvSpPr>
-          <p:cNvPr id="190" name="CustomShape 1"/>
+          <p:cNvPr id="191" name="CustomShape 1"/>
           <p:cNvSpPr/>
           <p:nvPr/>
         </p:nvSpPr>
@@ -5458,7 +5510,7 @@
       </p:sp>
       <p:pic>
         <p:nvPicPr>
-          <p:cNvPr id="191" name="Image 5" descr=""/>
+          <p:cNvPr id="192" name="Image 5" descr=""/>
           <p:cNvPicPr/>
           <p:nvPr/>
         </p:nvPicPr>
@@ -5481,7 +5533,7 @@
       </p:pic>
       <p:pic>
         <p:nvPicPr>
-          <p:cNvPr id="192" name="Image 7" descr=""/>
+          <p:cNvPr id="193" name="Image 7" descr=""/>
           <p:cNvPicPr/>
           <p:nvPr/>
         </p:nvPicPr>
@@ -5504,7 +5556,7 @@
       </p:pic>
       <p:sp>
         <p:nvSpPr>
-          <p:cNvPr id="193" name="CustomShape 2"/>
+          <p:cNvPr id="194" name="CustomShape 2"/>
           <p:cNvSpPr/>
           <p:nvPr/>
         </p:nvSpPr>
@@ -5585,7 +5637,7 @@
       </p:grpSpPr>
       <p:pic>
         <p:nvPicPr>
-          <p:cNvPr id="194" name="" descr=""/>
+          <p:cNvPr id="195" name="" descr=""/>
           <p:cNvPicPr/>
           <p:nvPr/>
         </p:nvPicPr>
@@ -5608,7 +5660,7 @@
       </p:pic>
       <p:sp>
         <p:nvSpPr>
-          <p:cNvPr id="195" name="CustomShape 1"/>
+          <p:cNvPr id="196" name="CustomShape 1"/>
           <p:cNvSpPr/>
           <p:nvPr/>
         </p:nvSpPr>
@@ -5659,7 +5711,7 @@
       </p:sp>
       <p:pic>
         <p:nvPicPr>
-          <p:cNvPr id="196" name="Image 95" descr=""/>
+          <p:cNvPr id="197" name="Image 95" descr=""/>
           <p:cNvPicPr/>
           <p:nvPr/>
         </p:nvPicPr>
@@ -5682,7 +5734,7 @@
       </p:pic>
       <p:pic>
         <p:nvPicPr>
-          <p:cNvPr id="197" name="Image 96" descr=""/>
+          <p:cNvPr id="198" name="Image 96" descr=""/>
           <p:cNvPicPr/>
           <p:nvPr/>
         </p:nvPicPr>
@@ -5707,7 +5759,7 @@
       </p:pic>
       <p:sp>
         <p:nvSpPr>
-          <p:cNvPr id="198" name="CustomShape 2"/>
+          <p:cNvPr id="199" name="CustomShape 2"/>
           <p:cNvSpPr/>
           <p:nvPr/>
         </p:nvSpPr>
@@ -5736,7 +5788,7 @@
       </p:sp>
       <p:sp>
         <p:nvSpPr>
-          <p:cNvPr id="199" name="Line 3"/>
+          <p:cNvPr id="200" name="Line 3"/>
           <p:cNvSpPr/>
           <p:nvPr/>
         </p:nvSpPr>
@@ -5765,7 +5817,7 @@
       </p:sp>
       <p:sp>
         <p:nvSpPr>
-          <p:cNvPr id="200" name="CustomShape 4"/>
+          <p:cNvPr id="201" name="CustomShape 4"/>
           <p:cNvSpPr/>
           <p:nvPr/>
         </p:nvSpPr>
@@ -5826,7 +5878,7 @@
       </p:sp>
       <p:pic>
         <p:nvPicPr>
-          <p:cNvPr id="201" name="Image 100" descr=""/>
+          <p:cNvPr id="202" name="Image 100" descr=""/>
           <p:cNvPicPr/>
           <p:nvPr/>
         </p:nvPicPr>
@@ -5854,7 +5906,7 @@
       </p:pic>
       <p:sp>
         <p:nvSpPr>
-          <p:cNvPr id="202" name="CustomShape 5"/>
+          <p:cNvPr id="203" name="CustomShape 5"/>
           <p:cNvSpPr/>
           <p:nvPr/>
         </p:nvSpPr>
@@ -5883,7 +5935,7 @@
       </p:sp>
       <p:sp>
         <p:nvSpPr>
-          <p:cNvPr id="203" name="Line 6"/>
+          <p:cNvPr id="204" name="Line 6"/>
           <p:cNvSpPr/>
           <p:nvPr/>
         </p:nvSpPr>
@@ -5912,7 +5964,7 @@
       </p:sp>
       <p:pic>
         <p:nvPicPr>
-          <p:cNvPr id="204" name="Image 103" descr=""/>
+          <p:cNvPr id="205" name="Image 103" descr=""/>
           <p:cNvPicPr/>
           <p:nvPr/>
         </p:nvPicPr>
@@ -5935,7 +5987,7 @@
       </p:pic>
       <p:pic>
         <p:nvPicPr>
-          <p:cNvPr id="205" name="Image 104" descr=""/>
+          <p:cNvPr id="206" name="Image 104" descr=""/>
           <p:cNvPicPr/>
           <p:nvPr/>
         </p:nvPicPr>
@@ -5958,7 +6010,7 @@
       </p:pic>
       <p:pic>
         <p:nvPicPr>
-          <p:cNvPr id="206" name="Image 105" descr=""/>
+          <p:cNvPr id="207" name="Image 105" descr=""/>
           <p:cNvPicPr/>
           <p:nvPr/>
         </p:nvPicPr>
@@ -5981,7 +6033,7 @@
       </p:pic>
       <p:pic>
         <p:nvPicPr>
-          <p:cNvPr id="207" name="Image 106" descr=""/>
+          <p:cNvPr id="208" name="Image 106" descr=""/>
           <p:cNvPicPr/>
           <p:nvPr/>
         </p:nvPicPr>
@@ -6004,7 +6056,7 @@
       </p:pic>
       <p:pic>
         <p:nvPicPr>
-          <p:cNvPr id="208" name="Image 107" descr=""/>
+          <p:cNvPr id="209" name="Image 107" descr=""/>
           <p:cNvPicPr/>
           <p:nvPr/>
         </p:nvPicPr>
@@ -6027,7 +6079,7 @@
       </p:pic>
       <p:sp>
         <p:nvSpPr>
-          <p:cNvPr id="209" name="CustomShape 7"/>
+          <p:cNvPr id="210" name="CustomShape 7"/>
           <p:cNvSpPr/>
           <p:nvPr/>
         </p:nvSpPr>
@@ -6108,7 +6160,7 @@
       </p:grpSpPr>
       <p:sp>
         <p:nvSpPr>
-          <p:cNvPr id="210" name="CustomShape 1"/>
+          <p:cNvPr id="211" name="CustomShape 1"/>
           <p:cNvSpPr/>
           <p:nvPr/>
         </p:nvSpPr>
@@ -6159,7 +6211,7 @@
       </p:sp>
       <p:pic>
         <p:nvPicPr>
-          <p:cNvPr id="211" name="Image 110" descr=""/>
+          <p:cNvPr id="212" name="Image 110" descr=""/>
           <p:cNvPicPr/>
           <p:nvPr/>
         </p:nvPicPr>
@@ -6182,7 +6234,7 @@
       </p:pic>
       <p:pic>
         <p:nvPicPr>
-          <p:cNvPr id="212" name="Image 111" descr=""/>
+          <p:cNvPr id="213" name="Image 111" descr=""/>
           <p:cNvPicPr/>
           <p:nvPr/>
         </p:nvPicPr>
@@ -6205,7 +6257,7 @@
       </p:pic>
       <p:pic>
         <p:nvPicPr>
-          <p:cNvPr id="213" name="Image 112" descr=""/>
+          <p:cNvPr id="214" name="Image 112" descr=""/>
           <p:cNvPicPr/>
           <p:nvPr/>
         </p:nvPicPr>
@@ -6228,7 +6280,7 @@
       </p:pic>
       <p:sp>
         <p:nvSpPr>
-          <p:cNvPr id="214" name="CustomShape 2"/>
+          <p:cNvPr id="215" name="CustomShape 2"/>
           <p:cNvSpPr/>
           <p:nvPr/>
         </p:nvSpPr>
@@ -6309,7 +6361,7 @@
       </p:grpSpPr>
       <p:sp>
         <p:nvSpPr>
-          <p:cNvPr id="215" name="CustomShape 1"/>
+          <p:cNvPr id="216" name="CustomShape 1"/>
           <p:cNvSpPr/>
           <p:nvPr/>
         </p:nvSpPr>
@@ -6360,7 +6412,7 @@
       </p:sp>
       <p:pic>
         <p:nvPicPr>
-          <p:cNvPr id="216" name="Image 115" descr=""/>
+          <p:cNvPr id="217" name="Image 115" descr=""/>
           <p:cNvPicPr/>
           <p:nvPr/>
         </p:nvPicPr>
@@ -6383,7 +6435,7 @@
       </p:pic>
       <p:sp>
         <p:nvSpPr>
-          <p:cNvPr id="217" name="CustomShape 2"/>
+          <p:cNvPr id="218" name="CustomShape 2"/>
           <p:cNvSpPr/>
           <p:nvPr/>
         </p:nvSpPr>
@@ -6434,7 +6486,7 @@
       </p:sp>
       <p:sp>
         <p:nvSpPr>
-          <p:cNvPr id="218" name="CustomShape 3"/>
+          <p:cNvPr id="219" name="CustomShape 3"/>
           <p:cNvSpPr/>
           <p:nvPr/>
         </p:nvSpPr>
@@ -6615,7 +6667,7 @@
       </p:grpSpPr>
       <p:sp>
         <p:nvSpPr>
-          <p:cNvPr id="219" name="CustomShape 1"/>
+          <p:cNvPr id="220" name="CustomShape 1"/>
           <p:cNvSpPr/>
           <p:nvPr/>
         </p:nvSpPr>
@@ -6666,7 +6718,7 @@
       </p:sp>
       <p:sp>
         <p:nvSpPr>
-          <p:cNvPr id="220" name="Line 2"/>
+          <p:cNvPr id="221" name="Line 2"/>
           <p:cNvSpPr/>
           <p:nvPr/>
         </p:nvSpPr>
@@ -6694,7 +6746,7 @@
       </p:sp>
       <p:sp>
         <p:nvSpPr>
-          <p:cNvPr id="221" name="Line 3"/>
+          <p:cNvPr id="222" name="Line 3"/>
           <p:cNvSpPr/>
           <p:nvPr/>
         </p:nvSpPr>
@@ -6722,7 +6774,7 @@
       </p:sp>
       <p:sp>
         <p:nvSpPr>
-          <p:cNvPr id="222" name="Line 4"/>
+          <p:cNvPr id="223" name="Line 4"/>
           <p:cNvSpPr/>
           <p:nvPr/>
         </p:nvSpPr>
@@ -6747,7 +6799,7 @@
       </p:sp>
       <p:sp>
         <p:nvSpPr>
-          <p:cNvPr id="223" name="Line 5"/>
+          <p:cNvPr id="224" name="Line 5"/>
           <p:cNvSpPr/>
           <p:nvPr/>
         </p:nvSpPr>
@@ -6772,7 +6824,7 @@
       </p:sp>
       <p:sp>
         <p:nvSpPr>
-          <p:cNvPr id="224" name="Line 6"/>
+          <p:cNvPr id="225" name="Line 6"/>
           <p:cNvSpPr/>
           <p:nvPr/>
         </p:nvSpPr>
@@ -6800,7 +6852,7 @@
       </p:sp>
       <p:sp>
         <p:nvSpPr>
-          <p:cNvPr id="225" name="Line 7"/>
+          <p:cNvPr id="226" name="Line 7"/>
           <p:cNvSpPr/>
           <p:nvPr/>
         </p:nvSpPr>
@@ -6831,7 +6883,7 @@
       </p:sp>
       <p:sp>
         <p:nvSpPr>
-          <p:cNvPr id="226" name="CustomShape 8"/>
+          <p:cNvPr id="227" name="CustomShape 8"/>
           <p:cNvSpPr/>
           <p:nvPr/>
         </p:nvSpPr>
@@ -6862,7 +6914,7 @@
       </p:sp>
       <p:sp>
         <p:nvSpPr>
-          <p:cNvPr id="227" name="CustomShape 9"/>
+          <p:cNvPr id="228" name="CustomShape 9"/>
           <p:cNvSpPr/>
           <p:nvPr/>
         </p:nvSpPr>
@@ -6893,7 +6945,7 @@
       </p:sp>
       <p:pic>
         <p:nvPicPr>
-          <p:cNvPr id="228" name="Image 127" descr=""/>
+          <p:cNvPr id="229" name="Image 127" descr=""/>
           <p:cNvPicPr/>
           <p:nvPr/>
         </p:nvPicPr>
@@ -6916,7 +6968,7 @@
       </p:pic>
       <p:pic>
         <p:nvPicPr>
-          <p:cNvPr id="229" name="Image 128" descr=""/>
+          <p:cNvPr id="230" name="Image 128" descr=""/>
           <p:cNvPicPr/>
           <p:nvPr/>
         </p:nvPicPr>
@@ -6939,7 +6991,7 @@
       </p:pic>
       <p:pic>
         <p:nvPicPr>
-          <p:cNvPr id="230" name="Image 129" descr=""/>
+          <p:cNvPr id="231" name="Image 129" descr=""/>
           <p:cNvPicPr/>
           <p:nvPr/>
         </p:nvPicPr>
@@ -6962,7 +7014,7 @@
       </p:pic>
       <p:pic>
         <p:nvPicPr>
-          <p:cNvPr id="231" name="Image 130" descr=""/>
+          <p:cNvPr id="232" name="Image 130" descr=""/>
           <p:cNvPicPr/>
           <p:nvPr/>
         </p:nvPicPr>
@@ -6985,7 +7037,7 @@
       </p:pic>
       <p:sp>
         <p:nvSpPr>
-          <p:cNvPr id="232" name="CustomShape 10"/>
+          <p:cNvPr id="233" name="CustomShape 10"/>
           <p:cNvSpPr/>
           <p:nvPr/>
         </p:nvSpPr>
@@ -7014,7 +7066,7 @@
       </p:sp>
       <p:sp>
         <p:nvSpPr>
-          <p:cNvPr id="233" name="Line 11"/>
+          <p:cNvPr id="234" name="Line 11"/>
           <p:cNvSpPr/>
           <p:nvPr/>
         </p:nvSpPr>
@@ -7042,7 +7094,7 @@
       </p:sp>
       <p:sp>
         <p:nvSpPr>
-          <p:cNvPr id="234" name="Line 12"/>
+          <p:cNvPr id="235" name="Line 12"/>
           <p:cNvSpPr/>
           <p:nvPr/>
         </p:nvSpPr>
@@ -7070,7 +7122,7 @@
       </p:sp>
       <p:pic>
         <p:nvPicPr>
-          <p:cNvPr id="235" name="Image 134" descr=""/>
+          <p:cNvPr id="236" name="Image 134" descr=""/>
           <p:cNvPicPr/>
           <p:nvPr/>
         </p:nvPicPr>
@@ -7093,7 +7145,7 @@
       </p:pic>
       <p:sp>
         <p:nvSpPr>
-          <p:cNvPr id="236" name="CustomShape 13"/>
+          <p:cNvPr id="237" name="CustomShape 13"/>
           <p:cNvSpPr/>
           <p:nvPr/>
         </p:nvSpPr>
@@ -7144,7 +7196,7 @@
       </p:sp>
       <p:sp>
         <p:nvSpPr>
-          <p:cNvPr id="237" name="CustomShape 14"/>
+          <p:cNvPr id="238" name="CustomShape 14"/>
           <p:cNvSpPr/>
           <p:nvPr/>
         </p:nvSpPr>
@@ -7195,7 +7247,7 @@
       </p:sp>
       <p:sp>
         <p:nvSpPr>
-          <p:cNvPr id="238" name="CustomShape 15"/>
+          <p:cNvPr id="239" name="CustomShape 15"/>
           <p:cNvSpPr/>
           <p:nvPr/>
         </p:nvSpPr>
@@ -7246,7 +7298,7 @@
       </p:sp>
       <p:pic>
         <p:nvPicPr>
-          <p:cNvPr id="239" name="Image 138" descr=""/>
+          <p:cNvPr id="240" name="Image 138" descr=""/>
           <p:cNvPicPr/>
           <p:nvPr/>
         </p:nvPicPr>
@@ -7269,7 +7321,7 @@
       </p:pic>
       <p:sp>
         <p:nvSpPr>
-          <p:cNvPr id="240" name="CustomShape 16"/>
+          <p:cNvPr id="241" name="CustomShape 16"/>
           <p:cNvSpPr/>
           <p:nvPr/>
         </p:nvSpPr>
@@ -7320,7 +7372,7 @@
       </p:sp>
       <p:pic>
         <p:nvPicPr>
-          <p:cNvPr id="241" name="Image 140" descr=""/>
+          <p:cNvPr id="242" name="Image 140" descr=""/>
           <p:cNvPicPr/>
           <p:nvPr/>
         </p:nvPicPr>
@@ -7373,7 +7425,7 @@
       </p:grpSpPr>
       <p:sp>
         <p:nvSpPr>
-          <p:cNvPr id="242" name="CustomShape 1"/>
+          <p:cNvPr id="243" name="CustomShape 1"/>
           <p:cNvSpPr/>
           <p:nvPr/>
         </p:nvSpPr>
@@ -7426,7 +7478,7 @@
       </p:sp>
       <p:pic>
         <p:nvPicPr>
-          <p:cNvPr id="243" name="Image 6_0" descr=""/>
+          <p:cNvPr id="244" name="Image 6_0" descr=""/>
           <p:cNvPicPr/>
           <p:nvPr/>
         </p:nvPicPr>
@@ -7450,7 +7502,7 @@
       </p:pic>
       <p:pic>
         <p:nvPicPr>
-          <p:cNvPr id="244" name="" descr=""/>
+          <p:cNvPr id="245" name="" descr=""/>
           <p:cNvPicPr/>
           <p:nvPr/>
         </p:nvPicPr>
@@ -7474,7 +7526,7 @@
       </p:pic>
       <p:sp>
         <p:nvSpPr>
-          <p:cNvPr id="245" name="Line 2"/>
+          <p:cNvPr id="246" name="Line 2"/>
           <p:cNvSpPr/>
           <p:nvPr/>
         </p:nvSpPr>
@@ -7502,7 +7554,7 @@
       </p:sp>
       <p:pic>
         <p:nvPicPr>
-          <p:cNvPr id="246" name="" descr=""/>
+          <p:cNvPr id="247" name="" descr=""/>
           <p:cNvPicPr/>
           <p:nvPr/>
         </p:nvPicPr>
@@ -7525,7 +7577,7 @@
       </p:pic>
       <p:pic>
         <p:nvPicPr>
-          <p:cNvPr id="247" name="" descr=""/>
+          <p:cNvPr id="248" name="" descr=""/>
           <p:cNvPicPr/>
           <p:nvPr/>
         </p:nvPicPr>
@@ -7548,7 +7600,7 @@
       </p:pic>
       <p:sp>
         <p:nvSpPr>
-          <p:cNvPr id="248" name="Line 3"/>
+          <p:cNvPr id="249" name="Line 3"/>
           <p:cNvSpPr/>
           <p:nvPr/>
         </p:nvSpPr>
@@ -7576,7 +7628,7 @@
       </p:sp>
       <p:sp>
         <p:nvSpPr>
-          <p:cNvPr id="249" name="CustomShape 4"/>
+          <p:cNvPr id="250" name="CustomShape 4"/>
           <p:cNvSpPr/>
           <p:nvPr/>
         </p:nvSpPr>
@@ -7653,7 +7705,7 @@
       </p:grpSpPr>
       <p:sp>
         <p:nvSpPr>
-          <p:cNvPr id="250" name="CustomShape 1"/>
+          <p:cNvPr id="251" name="CustomShape 1"/>
           <p:cNvSpPr/>
           <p:nvPr/>
         </p:nvSpPr>
@@ -7700,7 +7752,7 @@
       </p:sp>
       <p:pic>
         <p:nvPicPr>
-          <p:cNvPr id="251" name="" descr=""/>
+          <p:cNvPr id="252" name="" descr=""/>
           <p:cNvPicPr/>
           <p:nvPr/>
         </p:nvPicPr>
@@ -7724,7 +7776,7 @@
       </p:pic>
       <p:sp>
         <p:nvSpPr>
-          <p:cNvPr id="252" name="CustomShape 2"/>
+          <p:cNvPr id="253" name="CustomShape 2"/>
           <p:cNvSpPr/>
           <p:nvPr/>
         </p:nvSpPr>
@@ -7891,7 +7943,7 @@
       </p:sp>
       <p:sp>
         <p:nvSpPr>
-          <p:cNvPr id="253" name="CustomShape 3"/>
+          <p:cNvPr id="254" name="CustomShape 3"/>
           <p:cNvSpPr/>
           <p:nvPr/>
         </p:nvSpPr>
@@ -7944,7 +7996,7 @@
       </p:sp>
       <p:sp>
         <p:nvSpPr>
-          <p:cNvPr id="254" name="CustomShape 4"/>
+          <p:cNvPr id="255" name="CustomShape 4"/>
           <p:cNvSpPr/>
           <p:nvPr/>
         </p:nvSpPr>
@@ -8021,7 +8073,7 @@
       </p:grpSpPr>
       <p:sp>
         <p:nvSpPr>
-          <p:cNvPr id="255" name="CustomShape 1"/>
+          <p:cNvPr id="256" name="CustomShape 1"/>
           <p:cNvSpPr/>
           <p:nvPr/>
         </p:nvSpPr>
@@ -8072,7 +8124,7 @@
       </p:sp>
       <p:sp>
         <p:nvSpPr>
-          <p:cNvPr id="256" name="CustomShape 2"/>
+          <p:cNvPr id="257" name="CustomShape 2"/>
           <p:cNvSpPr/>
           <p:nvPr/>
         </p:nvSpPr>
@@ -8123,7 +8175,7 @@
       </p:sp>
       <p:pic>
         <p:nvPicPr>
-          <p:cNvPr id="257" name="Image 143" descr=""/>
+          <p:cNvPr id="258" name="Image 143" descr=""/>
           <p:cNvPicPr/>
           <p:nvPr/>
         </p:nvPicPr>
@@ -8146,7 +8198,7 @@
       </p:pic>
       <p:pic>
         <p:nvPicPr>
-          <p:cNvPr id="258" name="Image 144" descr=""/>
+          <p:cNvPr id="259" name="Image 144" descr=""/>
           <p:cNvPicPr/>
           <p:nvPr/>
         </p:nvPicPr>
@@ -8169,7 +8221,7 @@
       </p:pic>
       <p:pic>
         <p:nvPicPr>
-          <p:cNvPr id="259" name="Image 145" descr=""/>
+          <p:cNvPr id="260" name="Image 145" descr=""/>
           <p:cNvPicPr/>
           <p:nvPr/>
         </p:nvPicPr>
@@ -8192,7 +8244,7 @@
       </p:pic>
       <p:pic>
         <p:nvPicPr>
-          <p:cNvPr id="260" name="Image 146" descr=""/>
+          <p:cNvPr id="261" name="Image 146" descr=""/>
           <p:cNvPicPr/>
           <p:nvPr/>
         </p:nvPicPr>
@@ -8215,7 +8267,7 @@
       </p:pic>
       <p:sp>
         <p:nvSpPr>
-          <p:cNvPr id="261" name="CustomShape 3"/>
+          <p:cNvPr id="262" name="CustomShape 3"/>
           <p:cNvSpPr/>
           <p:nvPr/>
         </p:nvSpPr>
@@ -8404,7 +8456,7 @@
       </p:sp>
       <p:sp>
         <p:nvSpPr>
-          <p:cNvPr id="262" name="CustomShape 4"/>
+          <p:cNvPr id="263" name="CustomShape 4"/>
           <p:cNvSpPr/>
           <p:nvPr/>
         </p:nvSpPr>
@@ -8451,7 +8503,7 @@
       </p:sp>
       <p:sp>
         <p:nvSpPr>
-          <p:cNvPr id="263" name="CustomShape 5"/>
+          <p:cNvPr id="264" name="CustomShape 5"/>
           <p:cNvSpPr/>
           <p:nvPr/>
         </p:nvSpPr>
@@ -8498,7 +8550,7 @@
       </p:sp>
       <p:sp>
         <p:nvSpPr>
-          <p:cNvPr id="264" name="CustomShape 6"/>
+          <p:cNvPr id="265" name="CustomShape 6"/>
           <p:cNvSpPr/>
           <p:nvPr/>
         </p:nvSpPr>
@@ -8575,7 +8627,7 @@
       </p:grpSpPr>
       <p:sp>
         <p:nvSpPr>
-          <p:cNvPr id="265" name="CustomShape 1"/>
+          <p:cNvPr id="266" name="CustomShape 1"/>
           <p:cNvSpPr/>
           <p:nvPr/>
         </p:nvSpPr>
@@ -8627,7 +8679,7 @@
       </p:sp>
       <p:pic>
         <p:nvPicPr>
-          <p:cNvPr id="266" name="Image 4" descr=""/>
+          <p:cNvPr id="267" name="Image 4" descr=""/>
           <p:cNvPicPr/>
           <p:nvPr/>
         </p:nvPicPr>
@@ -8650,7 +8702,7 @@
       </p:pic>
       <p:sp>
         <p:nvSpPr>
-          <p:cNvPr id="267" name="CustomShape 2"/>
+          <p:cNvPr id="268" name="CustomShape 2"/>
           <p:cNvSpPr/>
           <p:nvPr/>
         </p:nvSpPr>
@@ -8761,7 +8813,7 @@
       </p:grpSpPr>
       <p:sp>
         <p:nvSpPr>
-          <p:cNvPr id="268" name="CustomShape 1"/>
+          <p:cNvPr id="269" name="CustomShape 1"/>
           <p:cNvSpPr/>
           <p:nvPr/>
         </p:nvSpPr>
@@ -8813,7 +8865,7 @@
       </p:sp>
       <p:sp>
         <p:nvSpPr>
-          <p:cNvPr id="269" name="CustomShape 2"/>
+          <p:cNvPr id="270" name="CustomShape 2"/>
           <p:cNvSpPr/>
           <p:nvPr/>
         </p:nvSpPr>
@@ -8869,7 +8921,7 @@
       </p:sp>
       <p:pic>
         <p:nvPicPr>
-          <p:cNvPr id="270" name="Image 5" descr=""/>
+          <p:cNvPr id="271" name="Image 5" descr=""/>
           <p:cNvPicPr/>
           <p:nvPr/>
         </p:nvPicPr>
@@ -8892,7 +8944,7 @@
       </p:pic>
       <p:pic>
         <p:nvPicPr>
-          <p:cNvPr id="271" name="Image 7" descr=""/>
+          <p:cNvPr id="272" name="Image 7" descr=""/>
           <p:cNvPicPr/>
           <p:nvPr/>
         </p:nvPicPr>
@@ -8915,7 +8967,7 @@
       </p:pic>
       <p:sp>
         <p:nvSpPr>
-          <p:cNvPr id="272" name="CustomShape 3"/>
+          <p:cNvPr id="273" name="CustomShape 3"/>
           <p:cNvSpPr/>
           <p:nvPr/>
         </p:nvSpPr>
@@ -9075,32 +9127,9 @@
           </a:p>
         </p:txBody>
       </p:sp>
-      <p:pic>
-        <p:nvPicPr>
-          <p:cNvPr id="117" name="Image 5" descr=""/>
-          <p:cNvPicPr/>
-          <p:nvPr/>
-        </p:nvPicPr>
-        <p:blipFill>
-          <a:blip r:embed="rId1"/>
-          <a:stretch/>
-        </p:blipFill>
-        <p:spPr>
-          <a:xfrm>
-            <a:off x="4437000" y="1690560"/>
-            <a:ext cx="7265160" cy="3657600"/>
-          </a:xfrm>
-          <a:prstGeom prst="rect">
-            <a:avLst/>
-          </a:prstGeom>
-          <a:ln>
-            <a:noFill/>
-          </a:ln>
-        </p:spPr>
-      </p:pic>
-      <p:sp>
-        <p:nvSpPr>
-          <p:cNvPr id="118" name="CustomShape 2"/>
+      <p:sp>
+        <p:nvSpPr>
+          <p:cNvPr id="117" name="CustomShape 2"/>
           <p:cNvSpPr/>
           <p:nvPr/>
         </p:nvSpPr>
@@ -9254,6 +9283,53 @@
           </a:p>
         </p:txBody>
       </p:sp>
+      <p:pic>
+        <p:nvPicPr>
+          <p:cNvPr id="118" name="Image 5_0" descr=""/>
+          <p:cNvPicPr/>
+          <p:nvPr/>
+        </p:nvPicPr>
+        <p:blipFill>
+          <a:blip r:embed="rId1"/>
+          <a:srcRect l="29365" t="14061" r="30563" b="18343"/>
+          <a:stretch/>
+        </p:blipFill>
+        <p:spPr>
+          <a:xfrm>
+            <a:off x="6571440" y="2205000"/>
+            <a:ext cx="2910600" cy="2471760"/>
+          </a:xfrm>
+          <a:prstGeom prst="rect">
+            <a:avLst/>
+          </a:prstGeom>
+          <a:ln>
+            <a:noFill/>
+          </a:ln>
+        </p:spPr>
+      </p:pic>
+      <p:pic>
+        <p:nvPicPr>
+          <p:cNvPr id="119" name="Image 5_1" descr=""/>
+          <p:cNvPicPr/>
+          <p:nvPr/>
+        </p:nvPicPr>
+        <p:blipFill>
+          <a:blip r:embed="rId2"/>
+          <a:stretch/>
+        </p:blipFill>
+        <p:spPr>
+          <a:xfrm>
+            <a:off x="4437360" y="1690560"/>
+            <a:ext cx="7265160" cy="3657600"/>
+          </a:xfrm>
+          <a:prstGeom prst="rect">
+            <a:avLst/>
+          </a:prstGeom>
+          <a:ln>
+            <a:noFill/>
+          </a:ln>
+        </p:spPr>
+      </p:pic>
     </p:spTree>
   </p:cSld>
   <mc:AlternateContent>
@@ -9286,7 +9362,7 @@
       </p:grpSpPr>
       <p:sp>
         <p:nvSpPr>
-          <p:cNvPr id="273" name="CustomShape 1"/>
+          <p:cNvPr id="274" name="CustomShape 1"/>
           <p:cNvSpPr/>
           <p:nvPr/>
         </p:nvSpPr>
@@ -9338,7 +9414,7 @@
       </p:sp>
       <p:sp>
         <p:nvSpPr>
-          <p:cNvPr id="274" name="CustomShape 2"/>
+          <p:cNvPr id="275" name="CustomShape 2"/>
           <p:cNvSpPr/>
           <p:nvPr/>
         </p:nvSpPr>
@@ -9459,7 +9535,7 @@
       </p:sp>
       <p:pic>
         <p:nvPicPr>
-          <p:cNvPr id="275" name="Image 6" descr=""/>
+          <p:cNvPr id="276" name="Image 6" descr=""/>
           <p:cNvPicPr/>
           <p:nvPr/>
         </p:nvPicPr>
@@ -9482,7 +9558,7 @@
       </p:pic>
       <p:pic>
         <p:nvPicPr>
-          <p:cNvPr id="276" name="Image 8" descr=""/>
+          <p:cNvPr id="277" name="Image 8" descr=""/>
           <p:cNvPicPr/>
           <p:nvPr/>
         </p:nvPicPr>
@@ -9505,7 +9581,7 @@
       </p:pic>
       <p:sp>
         <p:nvSpPr>
-          <p:cNvPr id="277" name="CustomShape 3"/>
+          <p:cNvPr id="278" name="CustomShape 3"/>
           <p:cNvSpPr/>
           <p:nvPr/>
         </p:nvSpPr>
@@ -9598,7 +9674,7 @@
 </file>
 
 <file path=ppt/slides/slide21.xml><?xml version="1.0" encoding="utf-8"?>
-<p:sld xmlns:a="http://schemas.openxmlformats.org/drawingml/2006/main" xmlns:p="http://schemas.openxmlformats.org/presentationml/2006/main" xmlns:r="http://schemas.openxmlformats.org/officeDocument/2006/relationships" xmlns:p14="http://schemas.microsoft.com/office/powerpoint/2010/main" xmlns:p15="http://schemas.microsoft.com/office/powerpoint/2012/main" xmlns:mc="http://schemas.openxmlformats.org/markup-compatibility/2006">
+<p:sld xmlns:a="http://schemas.openxmlformats.org/drawingml/2006/main" xmlns:p="http://schemas.openxmlformats.org/presentationml/2006/main" xmlns:r="http://schemas.openxmlformats.org/officeDocument/2006/relationships" xmlns:p14="http://schemas.microsoft.com/office/powerpoint/2010/main" xmlns:p15="http://schemas.microsoft.com/office/powerpoint/2012/main" xmlns:mc="http://schemas.openxmlformats.org/markup-compatibility/2006" show="0">
   <p:cSld>
     <p:spTree>
       <p:nvGrpSpPr>
@@ -9616,7 +9692,7 @@
       </p:grpSpPr>
       <p:sp>
         <p:nvSpPr>
-          <p:cNvPr id="278" name="CustomShape 1"/>
+          <p:cNvPr id="279" name="CustomShape 1"/>
           <p:cNvSpPr/>
           <p:nvPr/>
         </p:nvSpPr>
@@ -9667,7 +9743,7 @@
       </p:sp>
       <p:pic>
         <p:nvPicPr>
-          <p:cNvPr id="279" name="Image 7" descr=""/>
+          <p:cNvPr id="280" name="Image 7" descr=""/>
           <p:cNvPicPr/>
           <p:nvPr/>
         </p:nvPicPr>
@@ -9690,7 +9766,7 @@
       </p:pic>
       <p:sp>
         <p:nvSpPr>
-          <p:cNvPr id="280" name="CustomShape 2"/>
+          <p:cNvPr id="281" name="CustomShape 2"/>
           <p:cNvSpPr/>
           <p:nvPr/>
         </p:nvSpPr>
@@ -9816,7 +9892,7 @@
       </p:sp>
       <p:sp>
         <p:nvSpPr>
-          <p:cNvPr id="281" name="CustomShape 3"/>
+          <p:cNvPr id="282" name="CustomShape 3"/>
           <p:cNvSpPr/>
           <p:nvPr/>
         </p:nvSpPr>
@@ -9902,7 +9978,7 @@
       </p:grpSpPr>
       <p:sp>
         <p:nvSpPr>
-          <p:cNvPr id="282" name="CustomShape 1"/>
+          <p:cNvPr id="283" name="CustomShape 1"/>
           <p:cNvSpPr/>
           <p:nvPr/>
         </p:nvSpPr>
@@ -9973,7 +10049,7 @@
       </p:sp>
       <p:pic>
         <p:nvPicPr>
-          <p:cNvPr id="283" name="Image 4" descr=""/>
+          <p:cNvPr id="284" name="Image 4" descr=""/>
           <p:cNvPicPr/>
           <p:nvPr/>
         </p:nvPicPr>
@@ -9996,7 +10072,7 @@
       </p:pic>
       <p:sp>
         <p:nvSpPr>
-          <p:cNvPr id="284" name="CustomShape 2"/>
+          <p:cNvPr id="285" name="CustomShape 2"/>
           <p:cNvSpPr/>
           <p:nvPr/>
         </p:nvSpPr>
@@ -10077,7 +10153,7 @@
       </p:sp>
       <p:pic>
         <p:nvPicPr>
-          <p:cNvPr id="285" name="Image 6" descr=""/>
+          <p:cNvPr id="286" name="Image 6" descr=""/>
           <p:cNvPicPr/>
           <p:nvPr/>
         </p:nvPicPr>
@@ -10100,7 +10176,7 @@
       </p:pic>
       <p:sp>
         <p:nvSpPr>
-          <p:cNvPr id="286" name="CustomShape 3"/>
+          <p:cNvPr id="287" name="CustomShape 3"/>
           <p:cNvSpPr/>
           <p:nvPr/>
         </p:nvSpPr>
@@ -10181,7 +10257,7 @@
       </p:grpSpPr>
       <p:sp>
         <p:nvSpPr>
-          <p:cNvPr id="287" name="CustomShape 1"/>
+          <p:cNvPr id="288" name="CustomShape 1"/>
           <p:cNvSpPr/>
           <p:nvPr/>
         </p:nvSpPr>
@@ -10232,7 +10308,7 @@
       </p:sp>
       <p:sp>
         <p:nvSpPr>
-          <p:cNvPr id="288" name="CustomShape 2"/>
+          <p:cNvPr id="289" name="CustomShape 2"/>
           <p:cNvSpPr/>
           <p:nvPr/>
         </p:nvSpPr>
@@ -10308,7 +10384,7 @@
       </p:sp>
       <p:pic>
         <p:nvPicPr>
-          <p:cNvPr id="289" name="Image 6" descr=""/>
+          <p:cNvPr id="290" name="Image 6" descr=""/>
           <p:cNvPicPr/>
           <p:nvPr/>
         </p:nvPicPr>
@@ -10331,7 +10407,7 @@
       </p:pic>
       <p:pic>
         <p:nvPicPr>
-          <p:cNvPr id="290" name="Image 8" descr=""/>
+          <p:cNvPr id="291" name="Image 8" descr=""/>
           <p:cNvPicPr/>
           <p:nvPr/>
         </p:nvPicPr>
@@ -10354,7 +10430,7 @@
       </p:pic>
       <p:sp>
         <p:nvSpPr>
-          <p:cNvPr id="291" name="CustomShape 3"/>
+          <p:cNvPr id="292" name="CustomShape 3"/>
           <p:cNvSpPr/>
           <p:nvPr/>
         </p:nvSpPr>
@@ -10465,7 +10541,7 @@
       </p:grpSpPr>
       <p:sp>
         <p:nvSpPr>
-          <p:cNvPr id="292" name="CustomShape 1"/>
+          <p:cNvPr id="293" name="CustomShape 1"/>
           <p:cNvSpPr/>
           <p:nvPr/>
         </p:nvSpPr>
@@ -10526,7 +10602,7 @@
       </p:sp>
       <p:pic>
         <p:nvPicPr>
-          <p:cNvPr id="293" name="Image 148" descr=""/>
+          <p:cNvPr id="294" name="Image 148" descr=""/>
           <p:cNvPicPr/>
           <p:nvPr/>
         </p:nvPicPr>
@@ -10549,7 +10625,7 @@
       </p:pic>
       <p:pic>
         <p:nvPicPr>
-          <p:cNvPr id="294" name="Image 149" descr=""/>
+          <p:cNvPr id="295" name="Image 149" descr=""/>
           <p:cNvPicPr/>
           <p:nvPr/>
         </p:nvPicPr>
@@ -10572,7 +10648,7 @@
       </p:pic>
       <p:pic>
         <p:nvPicPr>
-          <p:cNvPr id="295" name="Image 150" descr=""/>
+          <p:cNvPr id="296" name="Image 150" descr=""/>
           <p:cNvPicPr/>
           <p:nvPr/>
         </p:nvPicPr>
@@ -10595,7 +10671,7 @@
       </p:pic>
       <p:sp>
         <p:nvSpPr>
-          <p:cNvPr id="296" name="CustomShape 2"/>
+          <p:cNvPr id="297" name="CustomShape 2"/>
           <p:cNvSpPr/>
           <p:nvPr/>
         </p:nvSpPr>
@@ -10646,7 +10722,7 @@
       </p:sp>
       <p:sp>
         <p:nvSpPr>
-          <p:cNvPr id="297" name="CustomShape 3"/>
+          <p:cNvPr id="298" name="CustomShape 3"/>
           <p:cNvSpPr/>
           <p:nvPr/>
         </p:nvSpPr>
@@ -10697,7 +10773,7 @@
       </p:sp>
       <p:sp>
         <p:nvSpPr>
-          <p:cNvPr id="298" name="CustomShape 4"/>
+          <p:cNvPr id="299" name="CustomShape 4"/>
           <p:cNvSpPr/>
           <p:nvPr/>
         </p:nvSpPr>
@@ -10778,7 +10854,7 @@
       </p:grpSpPr>
       <p:sp>
         <p:nvSpPr>
-          <p:cNvPr id="299" name="CustomShape 1"/>
+          <p:cNvPr id="300" name="CustomShape 1"/>
           <p:cNvSpPr/>
           <p:nvPr/>
         </p:nvSpPr>
@@ -10839,7 +10915,7 @@
       </p:sp>
       <p:pic>
         <p:nvPicPr>
-          <p:cNvPr id="300" name="Image 155" descr=""/>
+          <p:cNvPr id="301" name="Image 155" descr=""/>
           <p:cNvPicPr/>
           <p:nvPr/>
         </p:nvPicPr>
@@ -10862,7 +10938,7 @@
       </p:pic>
       <p:sp>
         <p:nvSpPr>
-          <p:cNvPr id="301" name="Line 2"/>
+          <p:cNvPr id="302" name="Line 2"/>
           <p:cNvSpPr/>
           <p:nvPr/>
         </p:nvSpPr>
@@ -10890,7 +10966,7 @@
       </p:sp>
       <p:sp>
         <p:nvSpPr>
-          <p:cNvPr id="302" name="CustomShape 3"/>
+          <p:cNvPr id="303" name="CustomShape 3"/>
           <p:cNvSpPr/>
           <p:nvPr/>
         </p:nvSpPr>
@@ -11011,7 +11087,7 @@
       </p:grpSpPr>
       <p:pic>
         <p:nvPicPr>
-          <p:cNvPr id="303" name="Image 159" descr=""/>
+          <p:cNvPr id="304" name="Image 159" descr=""/>
           <p:cNvPicPr/>
           <p:nvPr/>
         </p:nvPicPr>
@@ -11034,7 +11110,7 @@
       </p:pic>
       <p:pic>
         <p:nvPicPr>
-          <p:cNvPr id="304" name="Image 160" descr=""/>
+          <p:cNvPr id="305" name="Image 160" descr=""/>
           <p:cNvPicPr/>
           <p:nvPr/>
         </p:nvPicPr>
@@ -11057,7 +11133,7 @@
       </p:pic>
       <p:pic>
         <p:nvPicPr>
-          <p:cNvPr id="305" name="Image 161" descr=""/>
+          <p:cNvPr id="306" name="Image 161" descr=""/>
           <p:cNvPicPr/>
           <p:nvPr/>
         </p:nvPicPr>
@@ -11080,7 +11156,7 @@
       </p:pic>
       <p:sp>
         <p:nvSpPr>
-          <p:cNvPr id="306" name="CustomShape 1"/>
+          <p:cNvPr id="307" name="CustomShape 1"/>
           <p:cNvSpPr/>
           <p:nvPr/>
         </p:nvSpPr>
@@ -11121,7 +11197,7 @@
                 <a:latin typeface="Arial"/>
                 <a:ea typeface="DejaVu Sans"/>
               </a:rPr>
-              <a:t>Les résultats des trois architectures en dessous des performances espérées </a:t>
+              <a:t>Les résultats des trois architectures  </a:t>
             </a:r>
             <a:endParaRPr b="0" lang="fr-FR" sz="1800" spc="-1" strike="noStrike">
               <a:latin typeface="Arial"/>
@@ -11131,7 +11207,7 @@
       </p:sp>
       <p:sp>
         <p:nvSpPr>
-          <p:cNvPr id="307" name="CustomShape 2"/>
+          <p:cNvPr id="308" name="CustomShape 2"/>
           <p:cNvSpPr/>
           <p:nvPr/>
         </p:nvSpPr>
@@ -11182,7 +11258,7 @@
       </p:sp>
       <p:sp>
         <p:nvSpPr>
-          <p:cNvPr id="308" name="CustomShape 3"/>
+          <p:cNvPr id="309" name="CustomShape 3"/>
           <p:cNvSpPr/>
           <p:nvPr/>
         </p:nvSpPr>
@@ -11205,35 +11281,10 @@
           <a:effectRef idx="0"/>
           <a:fontRef idx="minor"/>
         </p:style>
-        <p:txBody>
-          <a:bodyPr lIns="90000" rIns="90000" tIns="45000" bIns="45000">
-            <a:noAutofit/>
-          </a:bodyPr>
-          <a:p>
-            <a:pPr>
-              <a:lnSpc>
-                <a:spcPct val="100000"/>
-              </a:lnSpc>
-            </a:pPr>
-            <a:r>
-              <a:rPr b="0" lang="fr-FR" sz="1800" spc="-1" strike="noStrike">
-                <a:solidFill>
-                  <a:srgbClr val="000000"/>
-                </a:solidFill>
-                <a:latin typeface="Arial"/>
-                <a:ea typeface="DejaVu Sans"/>
-              </a:rPr>
-              <a:t>Mauvaise réception des données radar</a:t>
-            </a:r>
-            <a:endParaRPr b="0" lang="fr-FR" sz="1800" spc="-1" strike="noStrike">
-              <a:latin typeface="Arial"/>
-            </a:endParaRPr>
-          </a:p>
-        </p:txBody>
-      </p:sp>
-      <p:sp>
-        <p:nvSpPr>
-          <p:cNvPr id="309" name="CustomShape 4"/>
+      </p:sp>
+      <p:sp>
+        <p:nvSpPr>
+          <p:cNvPr id="310" name="CustomShape 4"/>
           <p:cNvSpPr/>
           <p:nvPr/>
         </p:nvSpPr>
@@ -11256,35 +11307,10 @@
           <a:effectRef idx="0"/>
           <a:fontRef idx="minor"/>
         </p:style>
-        <p:txBody>
-          <a:bodyPr lIns="90000" rIns="90000" tIns="45000" bIns="45000">
-            <a:noAutofit/>
-          </a:bodyPr>
-          <a:p>
-            <a:pPr>
-              <a:lnSpc>
-                <a:spcPct val="100000"/>
-              </a:lnSpc>
-            </a:pPr>
-            <a:r>
-              <a:rPr b="0" lang="fr-FR" sz="1800" spc="-1" strike="noStrike">
-                <a:solidFill>
-                  <a:srgbClr val="000000"/>
-                </a:solidFill>
-                <a:latin typeface="Arial"/>
-                <a:ea typeface="DejaVu Sans"/>
-              </a:rPr>
-              <a:t>Pas assez d’instants captés afin de pouvoir utiliser des instants du passé se suivant</a:t>
-            </a:r>
-            <a:endParaRPr b="0" lang="fr-FR" sz="1800" spc="-1" strike="noStrike">
-              <a:latin typeface="Arial"/>
-            </a:endParaRPr>
-          </a:p>
-        </p:txBody>
-      </p:sp>
-      <p:sp>
-        <p:nvSpPr>
-          <p:cNvPr id="310" name="CustomShape 5"/>
+      </p:sp>
+      <p:sp>
+        <p:nvSpPr>
+          <p:cNvPr id="311" name="CustomShape 5"/>
           <p:cNvSpPr/>
           <p:nvPr/>
         </p:nvSpPr>
@@ -11307,42 +11333,17 @@
           <a:effectRef idx="0"/>
           <a:fontRef idx="minor"/>
         </p:style>
-        <p:txBody>
-          <a:bodyPr lIns="90000" rIns="90000" tIns="45000" bIns="45000">
-            <a:noAutofit/>
-          </a:bodyPr>
-          <a:p>
-            <a:pPr>
-              <a:lnSpc>
-                <a:spcPct val="100000"/>
-              </a:lnSpc>
-            </a:pPr>
-            <a:r>
-              <a:rPr b="0" lang="fr-FR" sz="1800" spc="-1" strike="noStrike">
-                <a:solidFill>
-                  <a:srgbClr val="000000"/>
-                </a:solidFill>
-                <a:latin typeface="Arial"/>
-                <a:ea typeface="DejaVu Sans"/>
-              </a:rPr>
-              <a:t>Surentraînement → les données simulées sont trop variées.</a:t>
-            </a:r>
-            <a:endParaRPr b="0" lang="fr-FR" sz="1800" spc="-1" strike="noStrike">
-              <a:latin typeface="Arial"/>
-            </a:endParaRPr>
-          </a:p>
-        </p:txBody>
-      </p:sp>
-      <p:sp>
-        <p:nvSpPr>
-          <p:cNvPr id="311" name="CustomShape 6"/>
+      </p:sp>
+      <p:sp>
+        <p:nvSpPr>
+          <p:cNvPr id="312" name="CustomShape 6"/>
           <p:cNvSpPr/>
           <p:nvPr/>
         </p:nvSpPr>
         <p:spPr>
           <a:xfrm>
-            <a:off x="738720" y="5019480"/>
-            <a:ext cx="4280400" cy="345960"/>
+            <a:off x="759960" y="4805280"/>
+            <a:ext cx="9846000" cy="345960"/>
           </a:xfrm>
           <a:prstGeom prst="rect">
             <a:avLst/>
@@ -11372,7 +11373,93 @@
               <a:rPr b="0" lang="fr-FR" sz="1800" spc="-1" strike="noStrike">
                 <a:latin typeface="Arial"/>
               </a:rPr>
-              <a:t>Piste d’améiloration : </a:t>
+              <a:t>Piste d’amélioration :  -  Rendre la synchronicité des données optimale </a:t>
+            </a:r>
+            <a:endParaRPr b="0" lang="fr-FR" sz="1800" spc="-1" strike="noStrike">
+              <a:latin typeface="Arial"/>
+            </a:endParaRPr>
+          </a:p>
+          <a:p>
+            <a:pPr>
+              <a:lnSpc>
+                <a:spcPct val="100000"/>
+              </a:lnSpc>
+            </a:pPr>
+            <a:r>
+              <a:rPr b="0" lang="fr-FR" sz="1800" spc="-1" strike="noStrike">
+                <a:latin typeface="Arial"/>
+              </a:rPr>
+              <a:t>	</a:t>
+            </a:r>
+            <a:r>
+              <a:rPr b="0" lang="fr-FR" sz="1800" spc="-1" strike="noStrike">
+                <a:latin typeface="Arial"/>
+              </a:rPr>
+              <a:t>	</a:t>
+            </a:r>
+            <a:r>
+              <a:rPr b="0" lang="fr-FR" sz="1800" spc="-1" strike="noStrike">
+                <a:latin typeface="Arial"/>
+              </a:rPr>
+              <a:t>	</a:t>
+            </a:r>
+            <a:r>
+              <a:rPr b="0" lang="fr-FR" sz="1800" spc="-1" strike="noStrike">
+                <a:latin typeface="Arial"/>
+              </a:rPr>
+              <a:t>	</a:t>
+            </a:r>
+            <a:r>
+              <a:rPr b="0" lang="fr-FR" sz="1800" spc="-1" strike="noStrike">
+                <a:latin typeface="Arial"/>
+              </a:rPr>
+              <a:t>	</a:t>
+            </a:r>
+            <a:r>
+              <a:rPr b="0" lang="fr-FR" sz="1800" spc="-1" strike="noStrike">
+                <a:latin typeface="Arial"/>
+              </a:rPr>
+              <a:t>-  Simulation avec des comportements plus réaliste et variée</a:t>
+            </a:r>
+            <a:endParaRPr b="0" lang="fr-FR" sz="1800" spc="-1" strike="noStrike">
+              <a:latin typeface="Arial"/>
+            </a:endParaRPr>
+          </a:p>
+          <a:p>
+            <a:pPr>
+              <a:lnSpc>
+                <a:spcPct val="100000"/>
+              </a:lnSpc>
+            </a:pPr>
+            <a:r>
+              <a:rPr b="0" lang="fr-FR" sz="1800" spc="-1" strike="noStrike">
+                <a:latin typeface="Arial"/>
+              </a:rPr>
+              <a:t>	</a:t>
+            </a:r>
+            <a:r>
+              <a:rPr b="0" lang="fr-FR" sz="1800" spc="-1" strike="noStrike">
+                <a:latin typeface="Arial"/>
+              </a:rPr>
+              <a:t>	</a:t>
+            </a:r>
+            <a:r>
+              <a:rPr b="0" lang="fr-FR" sz="1800" spc="-1" strike="noStrike">
+                <a:latin typeface="Arial"/>
+              </a:rPr>
+              <a:t>	</a:t>
+            </a:r>
+            <a:r>
+              <a:rPr b="0" lang="fr-FR" sz="1800" spc="-1" strike="noStrike">
+                <a:latin typeface="Arial"/>
+              </a:rPr>
+              <a:t>	</a:t>
+            </a:r>
+            <a:r>
+              <a:rPr b="0" lang="fr-FR" sz="1800" spc="-1" strike="noStrike">
+                <a:latin typeface="Arial"/>
+              </a:rPr>
+              <a:t>	</a:t>
             </a:r>
             <a:endParaRPr b="0" lang="fr-FR" sz="1800" spc="-1" strike="noStrike">
               <a:latin typeface="Arial"/>
@@ -11393,7 +11480,7 @@
 </p:sld>
 </file>
 
-<file path=ppt/slides/slide3.xml><?xml version="1.0" encoding="utf-8"?>
+<file path=ppt/slides/slide27.xml><?xml version="1.0" encoding="utf-8"?>
 <p:sld xmlns:a="http://schemas.openxmlformats.org/drawingml/2006/main" xmlns:p="http://schemas.openxmlformats.org/presentationml/2006/main" xmlns:r="http://schemas.openxmlformats.org/officeDocument/2006/relationships" xmlns:p14="http://schemas.microsoft.com/office/powerpoint/2010/main" xmlns:p15="http://schemas.microsoft.com/office/powerpoint/2012/main" xmlns:mc="http://schemas.openxmlformats.org/markup-compatibility/2006">
   <p:cSld>
     <p:spTree>
@@ -11412,7 +11499,194 @@
       </p:grpSpPr>
       <p:sp>
         <p:nvSpPr>
-          <p:cNvPr id="119" name="CustomShape 1"/>
+          <p:cNvPr id="313" name="TextShape 1"/>
+          <p:cNvSpPr txBox="1"/>
+          <p:nvPr/>
+        </p:nvSpPr>
+        <p:spPr>
+          <a:xfrm>
+            <a:off x="1198800" y="834840"/>
+            <a:ext cx="9985320" cy="1626120"/>
+          </a:xfrm>
+          <a:prstGeom prst="rect">
+            <a:avLst/>
+          </a:prstGeom>
+          <a:noFill/>
+          <a:ln>
+            <a:noFill/>
+          </a:ln>
+        </p:spPr>
+        <p:txBody>
+          <a:bodyPr lIns="90000" rIns="90000" tIns="45000" bIns="45000">
+            <a:noAutofit/>
+          </a:bodyPr>
+          <a:p>
+            <a:r>
+              <a:rPr b="0" lang="fr-FR" sz="1800" spc="-1" strike="noStrike">
+                <a:latin typeface="Arial"/>
+              </a:rPr>
+              <a:t>Conclusion :</a:t>
+            </a:r>
+            <a:endParaRPr b="0" lang="fr-FR" sz="1800" spc="-1" strike="noStrike">
+              <a:latin typeface="Arial"/>
+            </a:endParaRPr>
+          </a:p>
+          <a:p>
+            <a:r>
+              <a:rPr b="0" lang="fr-FR" sz="1800" spc="-1" strike="noStrike">
+                <a:latin typeface="Arial"/>
+              </a:rPr>
+              <a:t>	</a:t>
+            </a:r>
+            <a:r>
+              <a:rPr b="0" lang="fr-FR" sz="1800" spc="-1" strike="noStrike">
+                <a:latin typeface="Arial"/>
+              </a:rPr>
+              <a:t>	</a:t>
+            </a:r>
+            <a:r>
+              <a:rPr b="0" lang="fr-FR" sz="1800" spc="-1" strike="noStrike">
+                <a:latin typeface="Arial"/>
+              </a:rPr>
+              <a:t>	</a:t>
+            </a:r>
+            <a:r>
+              <a:rPr b="0" lang="fr-FR" sz="1800" spc="-1" strike="noStrike">
+                <a:latin typeface="Arial"/>
+              </a:rPr>
+              <a:t>- Nos resultats en simulation sont satisfaisantes</a:t>
+            </a:r>
+            <a:endParaRPr b="0" lang="fr-FR" sz="1800" spc="-1" strike="noStrike">
+              <a:latin typeface="Arial"/>
+            </a:endParaRPr>
+          </a:p>
+          <a:p>
+            <a:r>
+              <a:rPr b="0" lang="fr-FR" sz="1800" spc="-1" strike="noStrike">
+                <a:latin typeface="Arial"/>
+              </a:rPr>
+              <a:t>	</a:t>
+            </a:r>
+            <a:r>
+              <a:rPr b="0" lang="fr-FR" sz="1800" spc="-1" strike="noStrike">
+                <a:latin typeface="Arial"/>
+              </a:rPr>
+              <a:t>	</a:t>
+            </a:r>
+            <a:r>
+              <a:rPr b="0" lang="fr-FR" sz="1800" spc="-1" strike="noStrike">
+                <a:latin typeface="Arial"/>
+              </a:rPr>
+              <a:t>	</a:t>
+            </a:r>
+            <a:r>
+              <a:rPr b="0" lang="fr-FR" sz="1800" spc="-1" strike="noStrike">
+                <a:latin typeface="Arial"/>
+              </a:rPr>
+              <a:t>- Validation experiméntale : meilleure synchronisation nécessaire</a:t>
+            </a:r>
+            <a:endParaRPr b="0" lang="fr-FR" sz="1800" spc="-1" strike="noStrike">
+              <a:latin typeface="Arial"/>
+            </a:endParaRPr>
+          </a:p>
+          <a:p>
+            <a:r>
+              <a:rPr b="0" lang="fr-FR" sz="1800" spc="-1" strike="noStrike">
+                <a:latin typeface="Arial"/>
+              </a:rPr>
+              <a:t>	</a:t>
+            </a:r>
+            <a:r>
+              <a:rPr b="0" lang="fr-FR" sz="1800" spc="-1" strike="noStrike">
+                <a:latin typeface="Arial"/>
+              </a:rPr>
+              <a:t>	</a:t>
+            </a:r>
+            <a:r>
+              <a:rPr b="0" lang="fr-FR" sz="1800" spc="-1" strike="noStrike">
+                <a:latin typeface="Arial"/>
+              </a:rPr>
+              <a:t>	</a:t>
+            </a:r>
+            <a:r>
+              <a:rPr b="0" lang="fr-FR" sz="1800" spc="-1" strike="noStrike">
+                <a:latin typeface="Arial"/>
+              </a:rPr>
+              <a:t>- Augmentation de la taille de l’entrée </a:t>
+            </a:r>
+            <a:endParaRPr b="0" lang="fr-FR" sz="1800" spc="-1" strike="noStrike">
+              <a:latin typeface="Arial"/>
+            </a:endParaRPr>
+          </a:p>
+          <a:p>
+            <a:r>
+              <a:rPr b="0" lang="fr-FR" sz="1800" spc="-1" strike="noStrike">
+                <a:latin typeface="Arial"/>
+              </a:rPr>
+              <a:t>	</a:t>
+            </a:r>
+            <a:r>
+              <a:rPr b="0" lang="fr-FR" sz="1800" spc="-1" strike="noStrike">
+                <a:latin typeface="Arial"/>
+              </a:rPr>
+              <a:t>	</a:t>
+            </a:r>
+            <a:r>
+              <a:rPr b="0" lang="fr-FR" sz="1800" spc="-1" strike="noStrike">
+                <a:latin typeface="Arial"/>
+              </a:rPr>
+              <a:t>	</a:t>
+            </a:r>
+            <a:r>
+              <a:rPr b="0" lang="fr-FR" sz="1800" spc="-1" strike="noStrike">
+                <a:latin typeface="Arial"/>
+              </a:rPr>
+              <a:t>- Transformer : apprend la cinématique du véhicule</a:t>
+            </a:r>
+            <a:endParaRPr b="0" lang="fr-FR" sz="1800" spc="-1" strike="noStrike">
+              <a:latin typeface="Arial"/>
+            </a:endParaRPr>
+          </a:p>
+          <a:p>
+            <a:endParaRPr b="0" lang="fr-FR" sz="1800" spc="-1" strike="noStrike">
+              <a:latin typeface="Arial"/>
+            </a:endParaRPr>
+          </a:p>
+        </p:txBody>
+      </p:sp>
+    </p:spTree>
+  </p:cSld>
+  <mc:AlternateContent>
+    <mc:Choice Requires="p14">
+      <p:transition spd="slow" p14:dur="2000"/>
+    </mc:Choice>
+    <mc:Fallback>
+      <p:transition spd="slow"/>
+    </mc:Fallback>
+  </mc:AlternateContent>
+</p:sld>
+</file>
+
+<file path=ppt/slides/slide3.xml><?xml version="1.0" encoding="utf-8"?>
+<p:sld xmlns:a="http://schemas.openxmlformats.org/drawingml/2006/main" xmlns:p="http://schemas.openxmlformats.org/presentationml/2006/main" xmlns:r="http://schemas.openxmlformats.org/officeDocument/2006/relationships" xmlns:p14="http://schemas.microsoft.com/office/powerpoint/2010/main" xmlns:p15="http://schemas.microsoft.com/office/powerpoint/2012/main" xmlns:mc="http://schemas.openxmlformats.org/markup-compatibility/2006" show="0">
+  <p:cSld>
+    <p:spTree>
+      <p:nvGrpSpPr>
+        <p:cNvPr id="1" name=""/>
+        <p:cNvGrpSpPr/>
+        <p:nvPr/>
+      </p:nvGrpSpPr>
+      <p:grpSpPr>
+        <a:xfrm>
+          <a:off x="0" y="0"/>
+          <a:ext cx="0" cy="0"/>
+          <a:chOff x="0" y="0"/>
+          <a:chExt cx="0" cy="0"/>
+        </a:xfrm>
+      </p:grpSpPr>
+      <p:sp>
+        <p:nvSpPr>
+          <p:cNvPr id="120" name="CustomShape 1"/>
           <p:cNvSpPr/>
           <p:nvPr/>
         </p:nvSpPr>
@@ -11463,7 +11737,7 @@
       </p:sp>
       <p:sp>
         <p:nvSpPr>
-          <p:cNvPr id="120" name="CustomShape 2"/>
+          <p:cNvPr id="121" name="CustomShape 2"/>
           <p:cNvSpPr/>
           <p:nvPr/>
         </p:nvSpPr>
@@ -11879,7 +12153,7 @@
       </p:grpSpPr>
       <p:sp>
         <p:nvSpPr>
-          <p:cNvPr id="121" name="CustomShape 1"/>
+          <p:cNvPr id="122" name="CustomShape 1"/>
           <p:cNvSpPr/>
           <p:nvPr/>
         </p:nvSpPr>
@@ -11930,7 +12204,7 @@
       </p:sp>
       <p:sp>
         <p:nvSpPr>
-          <p:cNvPr id="122" name="CustomShape 2"/>
+          <p:cNvPr id="123" name="CustomShape 2"/>
           <p:cNvSpPr/>
           <p:nvPr/>
         </p:nvSpPr>
@@ -12091,7 +12365,7 @@
       </p:sp>
       <p:sp>
         <p:nvSpPr>
-          <p:cNvPr id="123" name="CustomShape 3"/>
+          <p:cNvPr id="124" name="CustomShape 3"/>
           <p:cNvSpPr/>
           <p:nvPr/>
         </p:nvSpPr>
@@ -12129,7 +12403,7 @@
       </p:sp>
       <p:sp>
         <p:nvSpPr>
-          <p:cNvPr id="124" name="CustomShape 4"/>
+          <p:cNvPr id="125" name="CustomShape 4"/>
           <p:cNvSpPr/>
           <p:nvPr/>
         </p:nvSpPr>
@@ -12180,7 +12454,7 @@
       </p:sp>
       <p:sp>
         <p:nvSpPr>
-          <p:cNvPr id="125" name="CustomShape 5"/>
+          <p:cNvPr id="126" name="CustomShape 5"/>
           <p:cNvSpPr/>
           <p:nvPr/>
         </p:nvSpPr>
@@ -12218,7 +12492,7 @@
       </p:sp>
       <p:sp>
         <p:nvSpPr>
-          <p:cNvPr id="126" name="CustomShape 6"/>
+          <p:cNvPr id="127" name="CustomShape 6"/>
           <p:cNvSpPr/>
           <p:nvPr/>
         </p:nvSpPr>
@@ -12269,7 +12543,7 @@
       </p:sp>
       <p:sp>
         <p:nvSpPr>
-          <p:cNvPr id="127" name="CustomShape 7"/>
+          <p:cNvPr id="128" name="CustomShape 7"/>
           <p:cNvSpPr/>
           <p:nvPr/>
         </p:nvSpPr>
@@ -12314,7 +12588,7 @@
       </p:sp>
       <p:sp>
         <p:nvSpPr>
-          <p:cNvPr id="128" name="CustomShape 8"/>
+          <p:cNvPr id="129" name="CustomShape 8"/>
           <p:cNvSpPr/>
           <p:nvPr/>
         </p:nvSpPr>
@@ -12359,7 +12633,7 @@
       </p:sp>
       <p:sp>
         <p:nvSpPr>
-          <p:cNvPr id="129" name="CustomShape 9"/>
+          <p:cNvPr id="130" name="CustomShape 9"/>
           <p:cNvSpPr/>
           <p:nvPr/>
         </p:nvSpPr>
@@ -12397,7 +12671,7 @@
       </p:sp>
       <p:sp>
         <p:nvSpPr>
-          <p:cNvPr id="130" name="CustomShape 10"/>
+          <p:cNvPr id="131" name="CustomShape 10"/>
           <p:cNvSpPr/>
           <p:nvPr/>
         </p:nvSpPr>
@@ -12448,7 +12722,7 @@
       </p:sp>
       <p:sp>
         <p:nvSpPr>
-          <p:cNvPr id="131" name="CustomShape 11"/>
+          <p:cNvPr id="132" name="CustomShape 11"/>
           <p:cNvSpPr/>
           <p:nvPr/>
         </p:nvSpPr>
@@ -12486,7 +12760,7 @@
       </p:sp>
       <p:sp>
         <p:nvSpPr>
-          <p:cNvPr id="132" name="CustomShape 12"/>
+          <p:cNvPr id="133" name="CustomShape 12"/>
           <p:cNvSpPr/>
           <p:nvPr/>
         </p:nvSpPr>
@@ -12537,7 +12811,7 @@
       </p:sp>
       <p:sp>
         <p:nvSpPr>
-          <p:cNvPr id="133" name="CustomShape 13"/>
+          <p:cNvPr id="134" name="CustomShape 13"/>
           <p:cNvSpPr/>
           <p:nvPr/>
         </p:nvSpPr>
@@ -12582,7 +12856,7 @@
       </p:sp>
       <p:sp>
         <p:nvSpPr>
-          <p:cNvPr id="134" name="CustomShape 14"/>
+          <p:cNvPr id="135" name="CustomShape 14"/>
           <p:cNvSpPr/>
           <p:nvPr/>
         </p:nvSpPr>
@@ -12627,7 +12901,7 @@
       </p:sp>
       <p:sp>
         <p:nvSpPr>
-          <p:cNvPr id="135" name="CustomShape 15"/>
+          <p:cNvPr id="136" name="CustomShape 15"/>
           <p:cNvSpPr/>
           <p:nvPr/>
         </p:nvSpPr>
@@ -12665,7 +12939,7 @@
       </p:sp>
       <p:sp>
         <p:nvSpPr>
-          <p:cNvPr id="136" name="CustomShape 16"/>
+          <p:cNvPr id="137" name="CustomShape 16"/>
           <p:cNvSpPr/>
           <p:nvPr/>
         </p:nvSpPr>
@@ -12716,7 +12990,7 @@
       </p:sp>
       <p:sp>
         <p:nvSpPr>
-          <p:cNvPr id="137" name="CustomShape 17"/>
+          <p:cNvPr id="138" name="CustomShape 17"/>
           <p:cNvSpPr/>
           <p:nvPr/>
         </p:nvSpPr>
@@ -12754,7 +13028,7 @@
       </p:sp>
       <p:sp>
         <p:nvSpPr>
-          <p:cNvPr id="138" name="CustomShape 18"/>
+          <p:cNvPr id="139" name="CustomShape 18"/>
           <p:cNvSpPr/>
           <p:nvPr/>
         </p:nvSpPr>
@@ -12805,7 +13079,7 @@
       </p:sp>
       <p:sp>
         <p:nvSpPr>
-          <p:cNvPr id="139" name="CustomShape 19"/>
+          <p:cNvPr id="140" name="CustomShape 19"/>
           <p:cNvSpPr/>
           <p:nvPr/>
         </p:nvSpPr>
@@ -12850,7 +13124,7 @@
       </p:sp>
       <p:sp>
         <p:nvSpPr>
-          <p:cNvPr id="140" name="CustomShape 20"/>
+          <p:cNvPr id="141" name="CustomShape 20"/>
           <p:cNvSpPr/>
           <p:nvPr/>
         </p:nvSpPr>
@@ -12895,7 +13169,7 @@
       </p:sp>
       <p:sp>
         <p:nvSpPr>
-          <p:cNvPr id="141" name="CustomShape 21"/>
+          <p:cNvPr id="142" name="CustomShape 21"/>
           <p:cNvSpPr/>
           <p:nvPr/>
         </p:nvSpPr>
@@ -12933,7 +13207,7 @@
       </p:sp>
       <p:sp>
         <p:nvSpPr>
-          <p:cNvPr id="142" name="CustomShape 22"/>
+          <p:cNvPr id="143" name="CustomShape 22"/>
           <p:cNvSpPr/>
           <p:nvPr/>
         </p:nvSpPr>
@@ -12984,7 +13258,7 @@
       </p:sp>
       <p:sp>
         <p:nvSpPr>
-          <p:cNvPr id="143" name="CustomShape 23"/>
+          <p:cNvPr id="144" name="CustomShape 23"/>
           <p:cNvSpPr/>
           <p:nvPr/>
         </p:nvSpPr>
@@ -13035,7 +13309,7 @@
       </p:sp>
       <p:sp>
         <p:nvSpPr>
-          <p:cNvPr id="144" name="CustomShape 24"/>
+          <p:cNvPr id="145" name="CustomShape 24"/>
           <p:cNvSpPr/>
           <p:nvPr/>
         </p:nvSpPr>
@@ -13086,7 +13360,7 @@
       </p:sp>
       <p:sp>
         <p:nvSpPr>
-          <p:cNvPr id="145" name="CustomShape 25"/>
+          <p:cNvPr id="146" name="CustomShape 25"/>
           <p:cNvSpPr/>
           <p:nvPr/>
         </p:nvSpPr>
@@ -13137,7 +13411,7 @@
       </p:sp>
       <p:sp>
         <p:nvSpPr>
-          <p:cNvPr id="146" name="CustomShape 26"/>
+          <p:cNvPr id="147" name="CustomShape 26"/>
           <p:cNvSpPr/>
           <p:nvPr/>
         </p:nvSpPr>
@@ -13218,7 +13492,7 @@
       </p:grpSpPr>
       <p:sp>
         <p:nvSpPr>
-          <p:cNvPr id="147" name="CustomShape 1"/>
+          <p:cNvPr id="148" name="CustomShape 1"/>
           <p:cNvSpPr/>
           <p:nvPr/>
         </p:nvSpPr>
@@ -13351,7 +13625,7 @@
       </p:sp>
       <p:pic>
         <p:nvPicPr>
-          <p:cNvPr id="148" name="Image 2" descr="Une image contenant texte, passage, scène, route&#10;&#10;Description générée automatiquement"/>
+          <p:cNvPr id="149" name="Image 2" descr="Une image contenant texte, passage, scène, route&#10;&#10;Description générée automatiquement"/>
           <p:cNvPicPr/>
           <p:nvPr/>
         </p:nvPicPr>
@@ -13404,7 +13678,7 @@
       </p:grpSpPr>
       <p:pic>
         <p:nvPicPr>
-          <p:cNvPr id="149" name="Image 4" descr="Une image contenant texte, route, passage, scène&#10;&#10;Description générée automatiquement"/>
+          <p:cNvPr id="150" name="Image 4" descr="Une image contenant texte, route, passage, scène&#10;&#10;Description générée automatiquement"/>
           <p:cNvPicPr/>
           <p:nvPr/>
         </p:nvPicPr>
@@ -13427,7 +13701,7 @@
       </p:pic>
       <p:sp>
         <p:nvSpPr>
-          <p:cNvPr id="150" name="CustomShape 1"/>
+          <p:cNvPr id="151" name="CustomShape 1"/>
           <p:cNvSpPr/>
           <p:nvPr/>
         </p:nvSpPr>
@@ -13590,7 +13864,7 @@
       </p:grpSpPr>
       <p:sp>
         <p:nvSpPr>
-          <p:cNvPr id="151" name="CustomShape 1"/>
+          <p:cNvPr id="152" name="CustomShape 1"/>
           <p:cNvSpPr/>
           <p:nvPr/>
         </p:nvSpPr>
@@ -13751,7 +14025,7 @@
       </p:sp>
       <p:pic>
         <p:nvPicPr>
-          <p:cNvPr id="152" name="Image 7" descr=""/>
+          <p:cNvPr id="153" name="Image 7" descr=""/>
           <p:cNvPicPr/>
           <p:nvPr/>
         </p:nvPicPr>
@@ -13774,7 +14048,7 @@
       </p:pic>
       <p:pic>
         <p:nvPicPr>
-          <p:cNvPr id="153" name="Image 9" descr=""/>
+          <p:cNvPr id="154" name="Image 9" descr=""/>
           <p:cNvPicPr/>
           <p:nvPr/>
         </p:nvPicPr>
@@ -13797,7 +14071,7 @@
       </p:pic>
       <p:pic>
         <p:nvPicPr>
-          <p:cNvPr id="154" name="Image 11" descr=""/>
+          <p:cNvPr id="155" name="Image 11" descr=""/>
           <p:cNvPicPr/>
           <p:nvPr/>
         </p:nvPicPr>
@@ -13832,7 +14106,7 @@
 </file>
 
 <file path=ppt/slides/slide8.xml><?xml version="1.0" encoding="utf-8"?>
-<p:sld xmlns:a="http://schemas.openxmlformats.org/drawingml/2006/main" xmlns:p="http://schemas.openxmlformats.org/presentationml/2006/main" xmlns:r="http://schemas.openxmlformats.org/officeDocument/2006/relationships" xmlns:p14="http://schemas.microsoft.com/office/powerpoint/2010/main" xmlns:p15="http://schemas.microsoft.com/office/powerpoint/2012/main" xmlns:mc="http://schemas.openxmlformats.org/markup-compatibility/2006">
+<p:sld xmlns:a="http://schemas.openxmlformats.org/drawingml/2006/main" xmlns:p="http://schemas.openxmlformats.org/presentationml/2006/main" xmlns:r="http://schemas.openxmlformats.org/officeDocument/2006/relationships" xmlns:p14="http://schemas.microsoft.com/office/powerpoint/2010/main" xmlns:p15="http://schemas.microsoft.com/office/powerpoint/2012/main" xmlns:mc="http://schemas.openxmlformats.org/markup-compatibility/2006" show="0">
   <p:cSld>
     <p:spTree>
       <p:nvGrpSpPr>
@@ -13850,7 +14124,7 @@
       </p:grpSpPr>
       <p:sp>
         <p:nvSpPr>
-          <p:cNvPr id="155" name="CustomShape 1"/>
+          <p:cNvPr id="156" name="CustomShape 1"/>
           <p:cNvSpPr/>
           <p:nvPr/>
         </p:nvSpPr>
@@ -14073,7 +14347,7 @@
       </p:sp>
       <p:pic>
         <p:nvPicPr>
-          <p:cNvPr id="156" name="Image 9" descr=""/>
+          <p:cNvPr id="157" name="Image 9" descr=""/>
           <p:cNvPicPr/>
           <p:nvPr/>
         </p:nvPicPr>
@@ -14096,7 +14370,7 @@
       </p:pic>
       <p:grpSp>
         <p:nvGrpSpPr>
-          <p:cNvPr id="157" name="Group 2"/>
+          <p:cNvPr id="158" name="Group 2"/>
           <p:cNvGrpSpPr/>
           <p:nvPr/>
         </p:nvGrpSpPr>
@@ -14110,7 +14384,7 @@
         </p:grpSpPr>
         <p:pic>
           <p:nvPicPr>
-            <p:cNvPr id="158" name="" descr=""/>
+            <p:cNvPr id="159" name="" descr=""/>
             <p:cNvPicPr/>
             <p:nvPr/>
           </p:nvPicPr>
@@ -14133,7 +14407,7 @@
         </p:pic>
         <p:sp>
           <p:nvSpPr>
-            <p:cNvPr id="159" name="CustomShape 3"/>
+            <p:cNvPr id="160" name="CustomShape 3"/>
             <p:cNvSpPr/>
             <p:nvPr/>
           </p:nvSpPr>
@@ -14164,7 +14438,7 @@
       </p:grpSp>
       <p:grpSp>
         <p:nvGrpSpPr>
-          <p:cNvPr id="160" name="Group 4"/>
+          <p:cNvPr id="161" name="Group 4"/>
           <p:cNvGrpSpPr/>
           <p:nvPr/>
         </p:nvGrpSpPr>
@@ -14178,7 +14452,7 @@
         </p:grpSpPr>
         <p:pic>
           <p:nvPicPr>
-            <p:cNvPr id="161" name="" descr=""/>
+            <p:cNvPr id="162" name="" descr=""/>
             <p:cNvPicPr/>
             <p:nvPr/>
           </p:nvPicPr>
@@ -14201,7 +14475,7 @@
         </p:pic>
         <p:sp>
           <p:nvSpPr>
-            <p:cNvPr id="162" name="CustomShape 5"/>
+            <p:cNvPr id="163" name="CustomShape 5"/>
             <p:cNvSpPr/>
             <p:nvPr/>
           </p:nvSpPr>
@@ -14232,7 +14506,7 @@
       </p:grpSp>
       <p:sp>
         <p:nvSpPr>
-          <p:cNvPr id="163" name="CustomShape 6"/>
+          <p:cNvPr id="164" name="CustomShape 6"/>
           <p:cNvSpPr/>
           <p:nvPr/>
         </p:nvSpPr>
@@ -14279,7 +14553,7 @@
       </p:sp>
       <p:sp>
         <p:nvSpPr>
-          <p:cNvPr id="164" name="CustomShape 7"/>
+          <p:cNvPr id="165" name="CustomShape 7"/>
           <p:cNvSpPr/>
           <p:nvPr/>
         </p:nvSpPr>
@@ -14326,7 +14600,7 @@
       </p:sp>
       <p:sp>
         <p:nvSpPr>
-          <p:cNvPr id="165" name="CustomShape 8"/>
+          <p:cNvPr id="166" name="CustomShape 8"/>
           <p:cNvSpPr/>
           <p:nvPr/>
         </p:nvSpPr>
@@ -14356,7 +14630,7 @@
       </p:sp>
       <p:sp>
         <p:nvSpPr>
-          <p:cNvPr id="166" name="CustomShape 9"/>
+          <p:cNvPr id="167" name="CustomShape 9"/>
           <p:cNvSpPr/>
           <p:nvPr/>
         </p:nvSpPr>
@@ -14386,7 +14660,7 @@
       </p:sp>
       <p:sp>
         <p:nvSpPr>
-          <p:cNvPr id="167" name="CustomShape 10"/>
+          <p:cNvPr id="168" name="CustomShape 10"/>
           <p:cNvSpPr/>
           <p:nvPr/>
         </p:nvSpPr>
@@ -14416,7 +14690,7 @@
       </p:sp>
       <p:sp>
         <p:nvSpPr>
-          <p:cNvPr id="168" name="CustomShape 11"/>
+          <p:cNvPr id="169" name="CustomShape 11"/>
           <p:cNvSpPr/>
           <p:nvPr/>
         </p:nvSpPr>
@@ -14446,7 +14720,7 @@
       </p:sp>
       <p:sp>
         <p:nvSpPr>
-          <p:cNvPr id="169" name="CustomShape 12"/>
+          <p:cNvPr id="170" name="CustomShape 12"/>
           <p:cNvSpPr/>
           <p:nvPr/>
         </p:nvSpPr>
@@ -14476,7 +14750,7 @@
       </p:sp>
       <p:sp>
         <p:nvSpPr>
-          <p:cNvPr id="170" name="CustomShape 13"/>
+          <p:cNvPr id="171" name="CustomShape 13"/>
           <p:cNvSpPr/>
           <p:nvPr/>
         </p:nvSpPr>
@@ -14506,7 +14780,7 @@
       </p:sp>
       <p:sp>
         <p:nvSpPr>
-          <p:cNvPr id="171" name="CustomShape 14"/>
+          <p:cNvPr id="172" name="CustomShape 14"/>
           <p:cNvSpPr/>
           <p:nvPr/>
         </p:nvSpPr>
@@ -14536,7 +14810,7 @@
       </p:sp>
       <p:sp>
         <p:nvSpPr>
-          <p:cNvPr id="172" name="CustomShape 15"/>
+          <p:cNvPr id="173" name="CustomShape 15"/>
           <p:cNvSpPr/>
           <p:nvPr/>
         </p:nvSpPr>
@@ -14566,7 +14840,7 @@
       </p:sp>
       <p:sp>
         <p:nvSpPr>
-          <p:cNvPr id="173" name="CustomShape 16"/>
+          <p:cNvPr id="174" name="CustomShape 16"/>
           <p:cNvSpPr/>
           <p:nvPr/>
         </p:nvSpPr>
@@ -14596,7 +14870,7 @@
       </p:sp>
       <p:sp>
         <p:nvSpPr>
-          <p:cNvPr id="174" name="CustomShape 17"/>
+          <p:cNvPr id="175" name="CustomShape 17"/>
           <p:cNvSpPr/>
           <p:nvPr/>
         </p:nvSpPr>
@@ -14626,7 +14900,7 @@
       </p:sp>
       <p:sp>
         <p:nvSpPr>
-          <p:cNvPr id="175" name="CustomShape 18"/>
+          <p:cNvPr id="176" name="CustomShape 18"/>
           <p:cNvSpPr/>
           <p:nvPr/>
         </p:nvSpPr>
@@ -14656,7 +14930,7 @@
       </p:sp>
       <p:sp>
         <p:nvSpPr>
-          <p:cNvPr id="176" name="CustomShape 19"/>
+          <p:cNvPr id="177" name="CustomShape 19"/>
           <p:cNvSpPr/>
           <p:nvPr/>
         </p:nvSpPr>
@@ -14686,7 +14960,7 @@
       </p:sp>
       <p:sp>
         <p:nvSpPr>
-          <p:cNvPr id="177" name="CustomShape 20"/>
+          <p:cNvPr id="178" name="CustomShape 20"/>
           <p:cNvSpPr/>
           <p:nvPr/>
         </p:nvSpPr>
@@ -14716,7 +14990,7 @@
       </p:sp>
       <p:sp>
         <p:nvSpPr>
-          <p:cNvPr id="178" name="CustomShape 21"/>
+          <p:cNvPr id="179" name="CustomShape 21"/>
           <p:cNvSpPr/>
           <p:nvPr/>
         </p:nvSpPr>
@@ -14746,7 +15020,7 @@
       </p:sp>
       <p:sp>
         <p:nvSpPr>
-          <p:cNvPr id="179" name="TextShape 22"/>
+          <p:cNvPr id="180" name="TextShape 22"/>
           <p:cNvSpPr txBox="1"/>
           <p:nvPr/>
         </p:nvSpPr>
@@ -14782,7 +15056,7 @@
       </p:sp>
       <p:sp>
         <p:nvSpPr>
-          <p:cNvPr id="180" name="TextShape 23"/>
+          <p:cNvPr id="181" name="TextShape 23"/>
           <p:cNvSpPr txBox="1"/>
           <p:nvPr/>
         </p:nvSpPr>
@@ -14818,7 +15092,7 @@
       </p:sp>
       <p:sp>
         <p:nvSpPr>
-          <p:cNvPr id="181" name="TextShape 24"/>
+          <p:cNvPr id="182" name="TextShape 24"/>
           <p:cNvSpPr txBox="1"/>
           <p:nvPr/>
         </p:nvSpPr>
@@ -14884,7 +15158,7 @@
       </p:grpSpPr>
       <p:sp>
         <p:nvSpPr>
-          <p:cNvPr id="182" name="CustomShape 1"/>
+          <p:cNvPr id="183" name="CustomShape 1"/>
           <p:cNvSpPr/>
           <p:nvPr/>
         </p:nvSpPr>
@@ -14935,7 +15209,7 @@
       </p:sp>
       <p:pic>
         <p:nvPicPr>
-          <p:cNvPr id="183" name="Image 4" descr=""/>
+          <p:cNvPr id="184" name="Image 4" descr=""/>
           <p:cNvPicPr/>
           <p:nvPr/>
         </p:nvPicPr>
@@ -14958,7 +15232,7 @@
       </p:pic>
       <p:pic>
         <p:nvPicPr>
-          <p:cNvPr id="184" name="Image 6" descr=""/>
+          <p:cNvPr id="185" name="Image 6" descr=""/>
           <p:cNvPicPr/>
           <p:nvPr/>
         </p:nvPicPr>
@@ -14981,7 +15255,7 @@
       </p:pic>
       <p:sp>
         <p:nvSpPr>
-          <p:cNvPr id="185" name="CustomShape 2"/>
+          <p:cNvPr id="186" name="CustomShape 2"/>
           <p:cNvSpPr/>
           <p:nvPr/>
         </p:nvSpPr>
@@ -15032,7 +15306,7 @@
       </p:sp>
       <p:sp>
         <p:nvSpPr>
-          <p:cNvPr id="186" name="CustomShape 3"/>
+          <p:cNvPr id="187" name="CustomShape 3"/>
           <p:cNvSpPr/>
           <p:nvPr/>
         </p:nvSpPr>
@@ -15083,7 +15357,7 @@
       </p:sp>
       <p:sp>
         <p:nvSpPr>
-          <p:cNvPr id="187" name="CustomShape 4"/>
+          <p:cNvPr id="188" name="CustomShape 4"/>
           <p:cNvSpPr/>
           <p:nvPr/>
         </p:nvSpPr>
@@ -15134,7 +15408,7 @@
       </p:sp>
       <p:pic>
         <p:nvPicPr>
-          <p:cNvPr id="188" name="Image 11" descr=""/>
+          <p:cNvPr id="189" name="Image 11" descr=""/>
           <p:cNvPicPr/>
           <p:nvPr/>
         </p:nvPicPr>
@@ -15157,7 +15431,7 @@
       </p:pic>
       <p:sp>
         <p:nvSpPr>
-          <p:cNvPr id="189" name="CustomShape 5"/>
+          <p:cNvPr id="190" name="CustomShape 5"/>
           <p:cNvSpPr/>
           <p:nvPr/>
         </p:nvSpPr>
